--- a/radical-magic.pptx
+++ b/radical-magic.pptx
@@ -5,7 +5,7 @@
     <p:sldMasterId id="2147483656" r:id="rId1"/>
   </p:sldMasterIdLst>
   <p:notesMasterIdLst>
-    <p:notesMasterId r:id="rId16"/>
+    <p:notesMasterId r:id="rId17"/>
   </p:notesMasterIdLst>
   <p:sldIdLst>
     <p:sldId id="256" r:id="rId2"/>
@@ -17,11 +17,12 @@
     <p:sldId id="279" r:id="rId8"/>
     <p:sldId id="273" r:id="rId9"/>
     <p:sldId id="270" r:id="rId10"/>
-    <p:sldId id="260" r:id="rId11"/>
+    <p:sldId id="288" r:id="rId11"/>
     <p:sldId id="268" r:id="rId12"/>
     <p:sldId id="269" r:id="rId13"/>
     <p:sldId id="281" r:id="rId14"/>
     <p:sldId id="278" r:id="rId15"/>
+    <p:sldId id="289" r:id="rId16"/>
   </p:sldIdLst>
   <p:sldSz cx="9144000" cy="6858000" type="screen4x3"/>
   <p:notesSz cx="6858000" cy="9144000"/>
@@ -246,35 +247,6 @@
 </p:cmAuthorLst>
 </file>
 
-<file path=ppt/comments/comment1.xml><?xml version="1.0" encoding="utf-8"?>
-<p:cmLst xmlns:a="http://schemas.openxmlformats.org/drawingml/2006/main" xmlns:r="http://schemas.openxmlformats.org/officeDocument/2006/relationships" xmlns:p="http://schemas.openxmlformats.org/presentationml/2006/main">
-  <p:cm authorId="0" dt="2013-08-06T17:04:41.537" idx="6">
-    <p:pos x="5435" y="3155"/>
-    <p:text>I believe I understand loose vs tight coupling, but not in this context.
-</p:text>
-  </p:cm>
-</p:cmLst>
-</file>
-
-<file path=ppt/comments/comment2.xml><?xml version="1.0" encoding="utf-8"?>
-<p:cmLst xmlns:a="http://schemas.openxmlformats.org/drawingml/2006/main" xmlns:r="http://schemas.openxmlformats.org/officeDocument/2006/relationships" xmlns:p="http://schemas.openxmlformats.org/presentationml/2006/main">
-  <p:cm authorId="1" dt="2013-08-06T13:42:22.050" idx="1">
-    <p:pos x="4997" y="276"/>
-    <p:text>Derive challenges from requirements?
-Should keep order of challenges/requirements/questions the same...</p:text>
-  </p:cm>
-</p:cmLst>
-</file>
-
-<file path=ppt/comments/comment3.xml><?xml version="1.0" encoding="utf-8"?>
-<p:cmLst xmlns:a="http://schemas.openxmlformats.org/drawingml/2006/main" xmlns:r="http://schemas.openxmlformats.org/officeDocument/2006/relationships" xmlns:p="http://schemas.openxmlformats.org/presentationml/2006/main">
-  <p:cm authorId="0" dt="2013-08-06T17:53:47.531" idx="4">
-    <p:pos x="5453" y="1638"/>
-    <p:text>Arguably the heterogenity is already too much to talk about just HTC and HPC.</p:text>
-  </p:cm>
-</p:cmLst>
-</file>
-
 <file path=ppt/notesMasters/notesMaster1.xml><?xml version="1.0" encoding="utf-8"?>
 <p:notesMaster xmlns:a="http://schemas.openxmlformats.org/drawingml/2006/main" xmlns:r="http://schemas.openxmlformats.org/officeDocument/2006/relationships" xmlns:p="http://schemas.openxmlformats.org/presentationml/2006/main">
   <p:cSld>
@@ -922,6 +894,141 @@
 </p:notes>
 </file>
 
+<file path=ppt/notesSlides/notesSlide13.xml><?xml version="1.0" encoding="utf-8"?>
+<p:notes xmlns:a="http://schemas.openxmlformats.org/drawingml/2006/main" xmlns:r="http://schemas.openxmlformats.org/officeDocument/2006/relationships" xmlns:p="http://schemas.openxmlformats.org/presentationml/2006/main" showMasterSp="0" showMasterPhAnim="0">
+  <p:cSld>
+    <p:spTree>
+      <p:nvGrpSpPr>
+        <p:cNvPr id="1" name="Shape 49"/>
+        <p:cNvGrpSpPr/>
+        <p:nvPr/>
+      </p:nvGrpSpPr>
+      <p:grpSpPr>
+        <a:xfrm>
+          <a:off x="0" y="0"/>
+          <a:ext cx="0" cy="0"/>
+          <a:chOff x="0" y="0"/>
+          <a:chExt cx="0" cy="0"/>
+        </a:xfrm>
+      </p:grpSpPr>
+      <p:sp>
+        <p:nvSpPr>
+          <p:cNvPr id="50" name="Shape 50"/>
+          <p:cNvSpPr>
+            <a:spLocks noGrp="1" noRot="1" noChangeAspect="1"/>
+          </p:cNvSpPr>
+          <p:nvPr>
+            <p:ph type="sldImg" idx="2"/>
+          </p:nvPr>
+        </p:nvSpPr>
+        <p:spPr>
+          <a:xfrm>
+            <a:off x="1143000" y="685800"/>
+            <a:ext cx="4572000" cy="3429000"/>
+          </a:xfrm>
+          <a:custGeom>
+            <a:avLst/>
+            <a:gdLst/>
+            <a:ahLst/>
+            <a:cxnLst/>
+            <a:rect l="0" t="0" r="0" b="0"/>
+            <a:pathLst>
+              <a:path w="120000" h="120000" extrusionOk="0">
+                <a:moveTo>
+                  <a:pt x="0" y="0"/>
+                </a:moveTo>
+                <a:lnTo>
+                  <a:pt x="120000" y="0"/>
+                </a:lnTo>
+                <a:lnTo>
+                  <a:pt x="120000" y="120000"/>
+                </a:lnTo>
+                <a:lnTo>
+                  <a:pt x="0" y="120000"/>
+                </a:lnTo>
+                <a:close/>
+              </a:path>
+            </a:pathLst>
+          </a:custGeom>
+        </p:spPr>
+      </p:sp>
+      <p:sp>
+        <p:nvSpPr>
+          <p:cNvPr id="51" name="Shape 51"/>
+          <p:cNvSpPr txBox="1">
+            <a:spLocks noGrp="1"/>
+          </p:cNvSpPr>
+          <p:nvPr>
+            <p:ph type="body" idx="1"/>
+          </p:nvPr>
+        </p:nvSpPr>
+        <p:spPr>
+          <a:xfrm>
+            <a:off x="685800" y="4343400"/>
+            <a:ext cx="5486399" cy="4114800"/>
+          </a:xfrm>
+          <a:prstGeom prst="rect">
+            <a:avLst/>
+          </a:prstGeom>
+        </p:spPr>
+        <p:txBody>
+          <a:bodyPr lIns="91425" tIns="91425" rIns="91425" bIns="91425" anchor="t" anchorCtr="0">
+            <a:noAutofit/>
+          </a:bodyPr>
+          <a:lstStyle/>
+          <a:p>
+            <a:r>
+              <a:rPr lang="en-US" dirty="0" smtClean="0">
+                <a:solidFill>
+                  <a:srgbClr val="606060"/>
+                </a:solidFill>
+              </a:rPr>
+              <a:t>D</a:t>
+            </a:r>
+            <a:r>
+              <a:rPr lang="en" dirty="0" smtClean="0">
+                <a:solidFill>
+                  <a:srgbClr val="606060"/>
+                </a:solidFill>
+              </a:rPr>
+              <a:t>ata generation </a:t>
+            </a:r>
+            <a:r>
+              <a:rPr lang="en-US" dirty="0" smtClean="0">
+                <a:solidFill>
+                  <a:srgbClr val="606060"/>
+                </a:solidFill>
+              </a:rPr>
+              <a:t>doubles every </a:t>
+            </a:r>
+            <a:r>
+              <a:rPr lang="en" dirty="0" smtClean="0">
+                <a:solidFill>
+                  <a:srgbClr val="606060"/>
+                </a:solidFill>
+              </a:rPr>
+              <a:t>&lt;&lt; 12 months</a:t>
+            </a:r>
+            <a:r>
+              <a:rPr lang="en-US" dirty="0" smtClean="0">
+                <a:solidFill>
+                  <a:srgbClr val="606060"/>
+                </a:solidFill>
+              </a:rPr>
+              <a:t>, i.e. faster than the doubling  rate of data storage (roughly 18 months)</a:t>
+            </a:r>
+            <a:endParaRPr dirty="0"/>
+          </a:p>
+        </p:txBody>
+      </p:sp>
+    </p:spTree>
+  </p:cSld>
+  <p:clrMapOvr>
+    <a:masterClrMapping/>
+  </p:clrMapOvr>
+</p:notes>
+</file>
+
 <file path=ppt/notesSlides/notesSlide2.xml><?xml version="1.0" encoding="utf-8"?>
 <p:notes xmlns:a="http://schemas.openxmlformats.org/drawingml/2006/main" xmlns:r="http://schemas.openxmlformats.org/officeDocument/2006/relationships" xmlns:p="http://schemas.openxmlformats.org/presentationml/2006/main" showMasterSp="0" showMasterPhAnim="0">
   <p:cSld>
@@ -1005,6 +1112,30 @@
           </a:bodyPr>
           <a:lstStyle/>
           <a:p>
+            <a:r>
+              <a:rPr lang="en-US" dirty="0" smtClean="0"/>
+              <a:t>Any intellectual honest assessment of 2025 must begin by an</a:t>
+            </a:r>
+            <a:r>
+              <a:rPr lang="en-US" baseline="0" dirty="0" smtClean="0"/>
+              <a:t> attempt to understand 2013 and how we got here</a:t>
+            </a:r>
+          </a:p>
+          <a:p>
+            <a:r>
+              <a:rPr lang="en-US" dirty="0" smtClean="0"/>
+              <a:t>Something </a:t>
+            </a:r>
+            <a:r>
+              <a:rPr lang="en-US" dirty="0" smtClean="0"/>
+              <a:t>about the current</a:t>
+            </a:r>
+            <a:r>
+              <a:rPr lang="en-US" baseline="0" dirty="0" smtClean="0"/>
+              <a:t> status of DC-2013</a:t>
+            </a:r>
+          </a:p>
+          <a:p>
             <a:pPr marL="0" marR="0" lvl="3" indent="0" algn="l" defTabSz="457200" rtl="0" eaLnBrk="1" fontAlgn="auto" latinLnBrk="0" hangingPunct="1">
               <a:lnSpc>
                 <a:spcPct val="100000"/>
@@ -1030,19 +1161,6 @@
               <a:latin typeface="Arial" charset="0"/>
               <a:ea typeface="ＭＳ Ｐゴシック" charset="0"/>
             </a:endParaRPr>
-          </a:p>
-          <a:p>
-            <a:endParaRPr lang="en-US" dirty="0" smtClean="0"/>
-          </a:p>
-          <a:p>
-            <a:r>
-              <a:rPr lang="en-US" dirty="0" smtClean="0"/>
-              <a:t>Something about the current</a:t>
-            </a:r>
-            <a:r>
-              <a:rPr lang="en-US" baseline="0" dirty="0" smtClean="0"/>
-              <a:t> status of DC-2013</a:t>
-            </a:r>
           </a:p>
           <a:p>
             <a:endParaRPr dirty="0"/>
@@ -1142,16 +1260,13 @@
           <a:p>
             <a:r>
               <a:rPr lang="en-US" dirty="0" smtClean="0"/>
-              <a:t> E.g. </a:t>
-            </a:r>
-            <a:r>
-              <a:rPr lang="en" dirty="0" smtClean="0"/>
-              <a:t>performance vs flexibility trade-off, Resource Management (a la AIMES)</a:t>
-            </a:r>
-            <a:r>
-              <a:rPr lang="en-US" dirty="0" smtClean="0"/>
-              <a:t>.</a:t>
-            </a:r>
+              <a:t>Effective engineering is coda for managing complexity – intrinsic and extrinsic</a:t>
+            </a:r>
+            <a:r>
+              <a:rPr lang="en-US" baseline="0" dirty="0" smtClean="0"/>
+              <a:t> of DCI and DCA</a:t>
+            </a:r>
+            <a:endParaRPr lang="en-US" dirty="0" smtClean="0"/>
           </a:p>
           <a:p>
             <a:endParaRPr lang="en-US" dirty="0" smtClean="0"/>
@@ -1262,34 +1377,111 @@
           </a:bodyPr>
           <a:lstStyle/>
           <a:p>
+            <a:pPr marL="0" marR="0" lvl="1" indent="0" algn="l" defTabSz="457200" rtl="0" eaLnBrk="1" fontAlgn="auto" latinLnBrk="0" hangingPunct="1">
+              <a:lnSpc>
+                <a:spcPct val="100000"/>
+              </a:lnSpc>
+              <a:spcBef>
+                <a:spcPts val="0"/>
+              </a:spcBef>
+              <a:spcAft>
+                <a:spcPts val="0"/>
+              </a:spcAft>
+              <a:buClrTx/>
+              <a:buSzTx/>
+              <a:buFontTx/>
+              <a:buNone/>
+              <a:tabLst/>
+              <a:defRPr/>
+            </a:pPr>
+            <a:r>
+              <a:rPr lang="en" sz="2000" dirty="0" smtClean="0"/>
+              <a:t>Capabilitiy</a:t>
+            </a:r>
+            <a:r>
+              <a:rPr lang="en-US" sz="2000" dirty="0" smtClean="0"/>
+              <a:t>: Well-defined and aggregated functionality, without regard to how, or the specific technology/approached used</a:t>
+            </a:r>
+          </a:p>
+          <a:p>
+            <a:pPr marL="0" marR="0" lvl="1" indent="0" algn="l" defTabSz="457200" rtl="0" eaLnBrk="1" fontAlgn="auto" latinLnBrk="0" hangingPunct="1">
+              <a:lnSpc>
+                <a:spcPct val="100000"/>
+              </a:lnSpc>
+              <a:spcBef>
+                <a:spcPts val="0"/>
+              </a:spcBef>
+              <a:spcAft>
+                <a:spcPts val="0"/>
+              </a:spcAft>
+              <a:buClrTx/>
+              <a:buSzTx/>
+              <a:buFontTx/>
+              <a:buNone/>
+              <a:tabLst/>
+              <a:defRPr/>
+            </a:pPr>
+            <a:r>
+              <a:rPr lang="en-US" sz="2000" dirty="0" smtClean="0"/>
+              <a:t>e.g., Num. of </a:t>
+            </a:r>
+            <a:r>
+              <a:rPr lang="en" sz="2000" dirty="0" smtClean="0"/>
+              <a:t>tasks, throughput, </a:t>
+            </a:r>
+            <a:r>
+              <a:rPr lang="en-US" sz="2000" dirty="0" smtClean="0"/>
+              <a:t>probabilistic bounds on time-to-completion, performance </a:t>
+            </a:r>
+            <a:r>
+              <a:rPr lang="en" sz="2000" dirty="0" smtClean="0"/>
+              <a:t>of resources, </a:t>
+            </a:r>
+            <a:r>
+              <a:rPr lang="en-US" sz="2000" dirty="0" smtClean="0"/>
+              <a:t>d</a:t>
+            </a:r>
+            <a:r>
+              <a:rPr lang="en" sz="2000" dirty="0" smtClean="0"/>
+              <a:t>ata</a:t>
+            </a:r>
+            <a:r>
+              <a:rPr lang="en-US" sz="2000" dirty="0" smtClean="0"/>
+              <a:t> (v</a:t>
+            </a:r>
+            <a:r>
+              <a:rPr lang="en" sz="2000" dirty="0" smtClean="0"/>
+              <a:t>olumes/transfer/storage</a:t>
+            </a:r>
+            <a:r>
+              <a:rPr lang="en-US" sz="2000" dirty="0" smtClean="0"/>
+              <a:t> ability)</a:t>
+            </a:r>
+          </a:p>
+          <a:p>
+            <a:endParaRPr lang="en-US" dirty="0" smtClean="0"/>
+          </a:p>
+          <a:p>
             <a:r>
               <a:rPr lang="en-US" dirty="0" smtClean="0"/>
-              <a:t> E.g. </a:t>
-            </a:r>
-            <a:r>
-              <a:rPr lang="en" dirty="0" smtClean="0"/>
-              <a:t>performance vs flexibility trade-off, Resource Management (a la AIMES)</a:t>
+              <a:t>Much</a:t>
+            </a:r>
+            <a:r>
+              <a:rPr lang="en-US" baseline="0" dirty="0" smtClean="0"/>
+              <a:t> has been said about Implementation abstractions. </a:t>
             </a:r>
             <a:r>
               <a:rPr lang="en-US" dirty="0" smtClean="0"/>
-              <a:t>.</a:t>
-            </a:r>
-          </a:p>
-          <a:p>
+              <a:t>There are implementation challenges galore</a:t>
+            </a:r>
+            <a:r>
+              <a:rPr lang="en-US" baseline="0" dirty="0" smtClean="0"/>
+              <a:t> in delivering such capabilities. We will focus on the Conceptual Gaps!</a:t>
+            </a:r>
             <a:endParaRPr lang="en-US" dirty="0" smtClean="0"/>
           </a:p>
           <a:p>
-            <a:r>
-              <a:rPr lang="en-US" dirty="0" smtClean="0"/>
-              <a:t>Something about the current</a:t>
-            </a:r>
-            <a:r>
-              <a:rPr lang="en-US" baseline="0" dirty="0" smtClean="0"/>
-              <a:t> status of DC-2013</a:t>
-            </a:r>
-          </a:p>
-          <a:p>
-            <a:endParaRPr dirty="0"/>
+            <a:endParaRPr lang="en-US" dirty="0" smtClean="0"/>
           </a:p>
         </p:txBody>
       </p:sp>
@@ -2888,6 +3080,10 @@
           </p:nvPr>
         </p:nvSpPr>
         <p:spPr>
+          <a:xfrm>
+            <a:off x="685800" y="2130425"/>
+            <a:ext cx="8025072" cy="1470025"/>
+          </a:xfrm>
           <a:prstGeom prst="rect">
             <a:avLst/>
           </a:prstGeom>
@@ -2898,9 +3094,7 @@
           </a:bodyPr>
           <a:lstStyle/>
           <a:p>
-            <a:pPr lvl="0" rtl="0">
-              <a:buNone/>
-            </a:pPr>
+            <a:pPr lvl="0"/>
             <a:r>
               <a:rPr lang="en-US" dirty="0" smtClean="0"/>
               <a:t>“</a:t>
@@ -2910,7 +3104,7 @@
               <a:t>Extreme</a:t>
             </a:r>
             <a:r>
-              <a:rPr lang="en-US" dirty="0"/>
+              <a:rPr lang="en-US" dirty="0" smtClean="0"/>
               <a:t>-</a:t>
             </a:r>
             <a:r>
@@ -2923,21 +3117,31 @@
             </a:r>
             <a:r>
               <a:rPr lang="en" dirty="0" smtClean="0"/>
-              <a:t> </a:t>
-            </a:r>
-            <a:r>
-              <a:rPr lang="en" dirty="0"/>
-              <a:t>Distributed Computing </a:t>
-            </a:r>
-          </a:p>
-          <a:p>
-            <a:pPr>
-              <a:buNone/>
-            </a:pPr>
-            <a:r>
-              <a:rPr lang="en" dirty="0"/>
-              <a:t>2025</a:t>
-            </a:r>
+              <a:t> Distributed Computing</a:t>
+            </a:r>
+            <a:r>
+              <a:rPr lang="en-US" dirty="0"/>
+              <a:t/>
+            </a:r>
+            <a:br>
+              <a:rPr lang="en-US" dirty="0"/>
+            </a:br>
+            <a:r>
+              <a:rPr lang="en-US" dirty="0" smtClean="0"/>
+              <a:t/>
+            </a:r>
+            <a:br>
+              <a:rPr lang="en-US" dirty="0" smtClean="0"/>
+            </a:br>
+            <a:r>
+              <a:rPr lang="en-US" dirty="0"/>
+              <a:t>Scientific Computing </a:t>
+            </a:r>
+            <a:r>
+              <a:rPr lang="en-US" dirty="0" smtClean="0"/>
+              <a:t>Environments 2025</a:t>
+            </a:r>
+            <a:endParaRPr lang="en" dirty="0"/>
           </a:p>
         </p:txBody>
       </p:sp>
@@ -3088,6 +3292,13 @@
   <p:transition xmlns:p14="http://schemas.microsoft.com/office/powerpoint/2010/main" spd="slow">
     <p:cut/>
   </p:transition>
+  <p:timing>
+    <p:tnLst>
+      <p:par>
+        <p:cTn xmlns:p14="http://schemas.microsoft.com/office/powerpoint/2010/main" id="1" dur="indefinite" restart="never" nodeType="tmRoot"/>
+      </p:par>
+    </p:tnLst>
+  </p:timing>
 </p:sld>
 </file>
 
@@ -3183,11 +3394,7 @@
             </a:pPr>
             <a:r>
               <a:rPr lang="en-US" dirty="0" smtClean="0"/>
-              <a:t>Distributed Computing Infrastructure</a:t>
-            </a:r>
-            <a:r>
-              <a:rPr lang="en-US" dirty="0" smtClean="0"/>
-              <a:t>:</a:t>
+              <a:t>Distributed Computing Infrastructure:</a:t>
             </a:r>
           </a:p>
           <a:p>
@@ -3220,8 +3427,12 @@
               <a:t> </a:t>
             </a:r>
             <a:r>
+              <a:rPr lang="en-US" sz="2000" dirty="0" smtClean="0"/>
+              <a:t>at</a:t>
+            </a:r>
+            <a:r>
               <a:rPr lang="en" sz="2000" dirty="0" smtClean="0"/>
-              <a:t>through </a:t>
+              <a:t> </a:t>
             </a:r>
             <a:r>
               <a:rPr lang="en" sz="2000" dirty="0"/>
@@ -3244,15 +3455,23 @@
             </a:pPr>
             <a:r>
               <a:rPr lang="en-US" sz="2000" dirty="0" smtClean="0"/>
-              <a:t>e.g</a:t>
+              <a:t>E.g</a:t>
             </a:r>
             <a:r>
               <a:rPr lang="en-US" sz="2000" dirty="0"/>
               <a:t>. </a:t>
             </a:r>
             <a:r>
-              <a:rPr lang="en-US" sz="2000" dirty="0" smtClean="0"/>
-              <a:t>How/when </a:t>
+              <a:rPr lang="en-US" sz="2000" dirty="0"/>
+              <a:t>h</a:t>
+            </a:r>
+            <a:r>
+              <a:rPr lang="en-US" sz="2000" dirty="0" smtClean="0"/>
+              <a:t>ow</a:t>
+            </a:r>
+            <a:r>
+              <a:rPr lang="en-US" sz="2000" dirty="0" smtClean="0"/>
+              <a:t>/when </a:t>
             </a:r>
             <a:r>
               <a:rPr lang="en-US" sz="2000" dirty="0"/>
@@ -3305,21 +3524,26 @@
               </a:spcAft>
             </a:pPr>
             <a:r>
-              <a:rPr lang="en-US" sz="2000" dirty="0">
+              <a:rPr lang="en-US" sz="2000" dirty="0"/>
+              <a:t>Manage complexity </a:t>
+            </a:r>
+            <a:r>
+              <a:rPr lang="en-US" sz="2000" dirty="0" smtClean="0"/>
+              <a:t>and </a:t>
+            </a:r>
+            <a:r>
+              <a:rPr lang="en-US" sz="2000" dirty="0" smtClean="0">
                 <a:solidFill>
                   <a:srgbClr val="606060"/>
                 </a:solidFill>
               </a:rPr>
-              <a:t>Heterogeneity will demand flexibility </a:t>
-            </a:r>
-            <a:r>
-              <a:rPr lang="en-US" sz="2000" dirty="0" smtClean="0">
-                <a:solidFill>
-                  <a:srgbClr val="606060"/>
-                </a:solidFill>
-              </a:rPr>
-              <a:t>whilst assuring performance</a:t>
-            </a:r>
+              <a:t>heterogeneity </a:t>
+            </a:r>
+            <a:r>
+              <a:rPr lang="en-US" sz="2000" dirty="0"/>
+              <a:t>of infrastructure </a:t>
+            </a:r>
+            <a:endParaRPr lang="en-US" sz="2000" dirty="0" smtClean="0"/>
           </a:p>
           <a:p>
             <a:pPr marL="1320800" lvl="2" indent="-381000">
@@ -3331,16 +3555,8 @@
               </a:spcAft>
             </a:pPr>
             <a:r>
-              <a:rPr lang="en-US" sz="2000" dirty="0"/>
-              <a:t>Manage complexity of </a:t>
-            </a:r>
-            <a:r>
-              <a:rPr lang="en-US" sz="2000" dirty="0" smtClean="0"/>
-              <a:t>infrastructure</a:t>
-            </a:r>
-            <a:r>
-              <a:rPr lang="en-US" sz="2000" dirty="0"/>
-              <a:t>: </a:t>
+              <a:rPr lang="en-US" sz="2000" dirty="0" smtClean="0"/>
+              <a:t>Flexible </a:t>
             </a:r>
             <a:r>
               <a:rPr lang="en-US" sz="2000" dirty="0" smtClean="0"/>
@@ -3354,7 +3570,6 @@
               <a:rPr lang="en-US" sz="2000" dirty="0" smtClean="0"/>
               <a:t>execution</a:t>
             </a:r>
-            <a:endParaRPr lang="en-US" sz="2000" dirty="0" smtClean="0"/>
           </a:p>
           <a:p>
             <a:pPr marL="912812" lvl="1" indent="-381000">
@@ -3384,8 +3599,12 @@
               <a:t>What functional </a:t>
             </a:r>
             <a:r>
+              <a:rPr lang="en-US" sz="2000" dirty="0" smtClean="0"/>
+              <a:t>units, </a:t>
+            </a:r>
+            <a:r>
               <a:rPr lang="en-US" sz="2000" dirty="0"/>
-              <a:t>units and how to compose f</a:t>
+              <a:t>and how to compose f</a:t>
             </a:r>
             <a:r>
               <a:rPr lang="en" sz="2000" dirty="0" smtClean="0"/>
@@ -3504,6 +3723,11 @@
         </p:txBody>
       </p:sp>
     </p:spTree>
+    <p:extLst>
+      <p:ext uri="{BB962C8B-B14F-4D97-AF65-F5344CB8AC3E}">
+        <p14:creationId xmlns:p14="http://schemas.microsoft.com/office/powerpoint/2010/main" val="1133307984"/>
+      </p:ext>
+    </p:extLst>
   </p:cSld>
   <p:clrMapOvr>
     <a:masterClrMapping/>
@@ -3678,7 +3902,7 @@
                   <a:srgbClr val="000000"/>
                 </a:solidFill>
               </a:rPr>
-              <a:t>capabilities from heterogeneous components </a:t>
+              <a:t>capabilities from </a:t>
             </a:r>
             <a:r>
               <a:rPr lang="en" dirty="0" smtClean="0">
@@ -3686,6 +3910,38 @@
                   <a:srgbClr val="000000"/>
                 </a:solidFill>
               </a:rPr>
+              <a:t>heterogeneous</a:t>
+            </a:r>
+            <a:r>
+              <a:rPr lang="en-US" dirty="0">
+                <a:solidFill>
+                  <a:srgbClr val="000000"/>
+                </a:solidFill>
+              </a:rPr>
+              <a:t> </a:t>
+            </a:r>
+            <a:r>
+              <a:rPr lang="en-US" dirty="0" smtClean="0">
+                <a:solidFill>
+                  <a:srgbClr val="000000"/>
+                </a:solidFill>
+              </a:rPr>
+              <a:t>dynamic </a:t>
+            </a:r>
+            <a:r>
+              <a:rPr lang="en" dirty="0" smtClean="0">
+                <a:solidFill>
+                  <a:srgbClr val="000000"/>
+                </a:solidFill>
+              </a:rPr>
+              <a:t>components </a:t>
+            </a:r>
+            <a:r>
+              <a:rPr lang="en" dirty="0" smtClean="0">
+                <a:solidFill>
+                  <a:srgbClr val="000000"/>
+                </a:solidFill>
+              </a:rPr>
               <a:t>with </a:t>
             </a:r>
             <a:r>
@@ -3694,8 +3950,21 @@
                   <a:srgbClr val="000000"/>
                 </a:solidFill>
               </a:rPr>
-              <a:t>varying levels of control and reliability</a:t>
-            </a:r>
+              <a:t>varying levels of </a:t>
+            </a:r>
+            <a:r>
+              <a:rPr lang="en" dirty="0" smtClean="0">
+                <a:solidFill>
+                  <a:srgbClr val="000000"/>
+                </a:solidFill>
+              </a:rPr>
+              <a:t>control</a:t>
+            </a:r>
+            <a:endParaRPr lang="en" dirty="0">
+              <a:solidFill>
+                <a:srgbClr val="000000"/>
+              </a:solidFill>
+            </a:endParaRPr>
           </a:p>
           <a:p>
             <a:pPr lvl="0" rtl="0">
@@ -3777,8 +4046,8 @@
               <a:rPr lang="en-US" dirty="0" smtClean="0">
                 <a:solidFill>
                   <a:schemeClr val="tx1">
-                    <a:lumMod val="50000"/>
-                    <a:lumOff val="50000"/>
+                    <a:lumMod val="65000"/>
+                    <a:lumOff val="35000"/>
                   </a:schemeClr>
                 </a:solidFill>
               </a:rPr>
@@ -3788,8 +4057,8 @@
               <a:rPr lang="en" dirty="0" smtClean="0">
                 <a:solidFill>
                   <a:schemeClr val="tx1">
-                    <a:lumMod val="50000"/>
-                    <a:lumOff val="50000"/>
+                    <a:lumMod val="65000"/>
+                    <a:lumOff val="35000"/>
                   </a:schemeClr>
                 </a:solidFill>
               </a:rPr>
@@ -3799,8 +4068,8 @@
               <a:rPr lang="en" i="1" dirty="0" smtClean="0">
                 <a:solidFill>
                   <a:schemeClr val="tx1">
-                    <a:lumMod val="50000"/>
-                    <a:lumOff val="50000"/>
+                    <a:lumMod val="65000"/>
+                    <a:lumOff val="35000"/>
                   </a:schemeClr>
                 </a:solidFill>
               </a:rPr>
@@ -3810,8 +4079,8 @@
               <a:rPr lang="en-US" i="1" dirty="0" smtClean="0">
                 <a:solidFill>
                   <a:schemeClr val="tx1">
-                    <a:lumMod val="50000"/>
-                    <a:lumOff val="50000"/>
+                    <a:lumMod val="65000"/>
+                    <a:lumOff val="35000"/>
                   </a:schemeClr>
                 </a:solidFill>
               </a:rPr>
@@ -3821,8 +4090,8 @@
               <a:rPr lang="en" dirty="0" smtClean="0">
                 <a:solidFill>
                   <a:schemeClr val="tx1">
-                    <a:lumMod val="50000"/>
-                    <a:lumOff val="50000"/>
+                    <a:lumMod val="65000"/>
+                    <a:lumOff val="35000"/>
                   </a:schemeClr>
                 </a:solidFill>
               </a:rPr>
@@ -3844,8 +4113,8 @@
               <a:rPr lang="en" dirty="0" smtClean="0">
                 <a:solidFill>
                   <a:schemeClr val="tx1">
-                    <a:lumMod val="50000"/>
-                    <a:lumOff val="50000"/>
+                    <a:lumMod val="65000"/>
+                    <a:lumOff val="35000"/>
                   </a:schemeClr>
                 </a:solidFill>
               </a:rPr>
@@ -3855,8 +4124,8 @@
               <a:rPr lang="en-US" dirty="0" smtClean="0">
                 <a:solidFill>
                   <a:schemeClr val="tx1">
-                    <a:lumMod val="50000"/>
-                    <a:lumOff val="50000"/>
+                    <a:lumMod val="65000"/>
+                    <a:lumOff val="35000"/>
                   </a:schemeClr>
                 </a:solidFill>
               </a:rPr>
@@ -3866,8 +4135,8 @@
               <a:rPr lang="en" dirty="0" smtClean="0">
                 <a:solidFill>
                   <a:schemeClr val="tx1">
-                    <a:lumMod val="50000"/>
-                    <a:lumOff val="50000"/>
+                    <a:lumMod val="65000"/>
+                    <a:lumOff val="35000"/>
                   </a:schemeClr>
                 </a:solidFill>
               </a:rPr>
@@ -3877,8 +4146,8 @@
               <a:rPr lang="en-US" dirty="0" smtClean="0">
                 <a:solidFill>
                   <a:schemeClr val="tx1">
-                    <a:lumMod val="50000"/>
-                    <a:lumOff val="50000"/>
+                    <a:lumMod val="65000"/>
+                    <a:lumOff val="35000"/>
                   </a:schemeClr>
                 </a:solidFill>
               </a:rPr>
@@ -3888,8 +4157,8 @@
               <a:rPr lang="en" dirty="0" smtClean="0">
                 <a:solidFill>
                   <a:schemeClr val="tx1">
-                    <a:lumMod val="50000"/>
-                    <a:lumOff val="50000"/>
+                    <a:lumMod val="65000"/>
+                    <a:lumOff val="35000"/>
                   </a:schemeClr>
                 </a:solidFill>
               </a:rPr>
@@ -3899,8 +4168,8 @@
               <a:rPr lang="en-US" dirty="0" err="1" smtClean="0">
                 <a:solidFill>
                   <a:schemeClr val="tx1">
-                    <a:lumMod val="50000"/>
-                    <a:lumOff val="50000"/>
+                    <a:lumMod val="65000"/>
+                    <a:lumOff val="35000"/>
                   </a:schemeClr>
                 </a:solidFill>
               </a:rPr>
@@ -3910,8 +4179,8 @@
               <a:rPr lang="en" dirty="0" smtClean="0">
                 <a:solidFill>
                   <a:schemeClr val="tx1">
-                    <a:lumMod val="50000"/>
-                    <a:lumOff val="50000"/>
+                    <a:lumMod val="65000"/>
+                    <a:lumOff val="35000"/>
                   </a:schemeClr>
                 </a:solidFill>
               </a:rPr>
@@ -3921,8 +4190,8 @@
               <a:rPr lang="en-US" dirty="0">
                 <a:solidFill>
                   <a:schemeClr val="tx1">
-                    <a:lumMod val="50000"/>
-                    <a:lumOff val="50000"/>
+                    <a:lumMod val="65000"/>
+                    <a:lumOff val="35000"/>
                   </a:schemeClr>
                 </a:solidFill>
               </a:rPr>
@@ -3932,8 +4201,8 @@
               <a:rPr lang="en-US" dirty="0" smtClean="0">
                 <a:solidFill>
                   <a:schemeClr val="tx1">
-                    <a:lumMod val="50000"/>
-                    <a:lumOff val="50000"/>
+                    <a:lumMod val="65000"/>
+                    <a:lumOff val="35000"/>
                   </a:schemeClr>
                 </a:solidFill>
               </a:rPr>
@@ -3943,8 +4212,8 @@
               <a:rPr lang="en-US" dirty="0">
                 <a:solidFill>
                   <a:schemeClr val="tx1">
-                    <a:lumMod val="50000"/>
-                    <a:lumOff val="50000"/>
+                    <a:lumMod val="65000"/>
+                    <a:lumOff val="35000"/>
                   </a:schemeClr>
                 </a:solidFill>
               </a:rPr>
@@ -3953,8 +4222,8 @@
             <a:endParaRPr lang="en-US" dirty="0" smtClean="0">
               <a:solidFill>
                 <a:schemeClr val="tx1">
-                  <a:lumMod val="50000"/>
-                  <a:lumOff val="50000"/>
+                  <a:lumMod val="65000"/>
+                  <a:lumOff val="35000"/>
                 </a:schemeClr>
               </a:solidFill>
             </a:endParaRPr>
@@ -3974,8 +4243,8 @@
               <a:rPr lang="en" sz="2000" dirty="0" smtClean="0">
                 <a:solidFill>
                   <a:schemeClr val="tx1">
-                    <a:lumMod val="50000"/>
-                    <a:lumOff val="50000"/>
+                    <a:lumMod val="65000"/>
+                    <a:lumOff val="35000"/>
                   </a:schemeClr>
                 </a:solidFill>
               </a:rPr>
@@ -3985,8 +4254,8 @@
               <a:rPr lang="en-US" sz="2000" dirty="0" smtClean="0">
                 <a:solidFill>
                   <a:schemeClr val="tx1">
-                    <a:lumMod val="50000"/>
-                    <a:lumOff val="50000"/>
+                    <a:lumMod val="65000"/>
+                    <a:lumOff val="35000"/>
                   </a:schemeClr>
                 </a:solidFill>
               </a:rPr>
@@ -3996,8 +4265,8 @@
               <a:rPr lang="en" sz="2000" dirty="0" smtClean="0">
                 <a:solidFill>
                   <a:schemeClr val="tx1">
-                    <a:lumMod val="50000"/>
-                    <a:lumOff val="50000"/>
+                    <a:lumMod val="65000"/>
+                    <a:lumOff val="35000"/>
                   </a:schemeClr>
                 </a:solidFill>
               </a:rPr>
@@ -4006,8 +4275,8 @@
             <a:endParaRPr lang="en-US" sz="2000" dirty="0" smtClean="0">
               <a:solidFill>
                 <a:schemeClr val="tx1">
-                  <a:lumMod val="50000"/>
-                  <a:lumOff val="50000"/>
+                  <a:lumMod val="65000"/>
+                  <a:lumOff val="35000"/>
                 </a:schemeClr>
               </a:solidFill>
             </a:endParaRPr>
@@ -4027,8 +4296,8 @@
               <a:rPr lang="en-US" dirty="0" smtClean="0">
                 <a:solidFill>
                   <a:schemeClr val="tx1">
-                    <a:lumMod val="50000"/>
-                    <a:lumOff val="50000"/>
+                    <a:lumMod val="65000"/>
+                    <a:lumOff val="35000"/>
                   </a:schemeClr>
                 </a:solidFill>
               </a:rPr>
@@ -4038,8 +4307,8 @@
               <a:rPr lang="en" dirty="0" smtClean="0">
                 <a:solidFill>
                   <a:schemeClr val="tx1">
-                    <a:lumMod val="50000"/>
-                    <a:lumOff val="50000"/>
+                    <a:lumMod val="65000"/>
+                    <a:lumOff val="35000"/>
                   </a:schemeClr>
                 </a:solidFill>
               </a:rPr>
@@ -4049,8 +4318,8 @@
               <a:rPr lang="en-US" dirty="0" err="1" smtClean="0">
                 <a:solidFill>
                   <a:schemeClr val="tx1">
-                    <a:lumMod val="50000"/>
-                    <a:lumOff val="50000"/>
+                    <a:lumMod val="65000"/>
+                    <a:lumOff val="35000"/>
                   </a:schemeClr>
                 </a:solidFill>
               </a:rPr>
@@ -4060,8 +4329,8 @@
               <a:rPr lang="en-US" dirty="0" smtClean="0">
                 <a:solidFill>
                   <a:schemeClr val="tx1">
-                    <a:lumMod val="50000"/>
-                    <a:lumOff val="50000"/>
+                    <a:lumMod val="65000"/>
+                    <a:lumOff val="35000"/>
                   </a:schemeClr>
                 </a:solidFill>
               </a:rPr>
@@ -4071,8 +4340,8 @@
               <a:rPr lang="en" dirty="0" smtClean="0">
                 <a:solidFill>
                   <a:schemeClr val="tx1">
-                    <a:lumMod val="50000"/>
-                    <a:lumOff val="50000"/>
+                    <a:lumMod val="65000"/>
+                    <a:lumOff val="35000"/>
                   </a:schemeClr>
                 </a:solidFill>
               </a:rPr>
@@ -4082,8 +4351,8 @@
               <a:rPr lang="en-US" dirty="0" smtClean="0">
                 <a:solidFill>
                   <a:schemeClr val="tx1">
-                    <a:lumMod val="50000"/>
-                    <a:lumOff val="50000"/>
+                    <a:lumMod val="65000"/>
+                    <a:lumOff val="35000"/>
                   </a:schemeClr>
                 </a:solidFill>
               </a:rPr>
@@ -4093,8 +4362,8 @@
               <a:rPr lang="en" dirty="0" smtClean="0">
                 <a:solidFill>
                   <a:schemeClr val="tx1">
-                    <a:lumMod val="50000"/>
-                    <a:lumOff val="50000"/>
+                    <a:lumMod val="65000"/>
+                    <a:lumOff val="35000"/>
                   </a:schemeClr>
                 </a:solidFill>
               </a:rPr>
@@ -4104,8 +4373,8 @@
               <a:rPr lang="en" dirty="0">
                 <a:solidFill>
                   <a:schemeClr val="tx1">
-                    <a:lumMod val="50000"/>
-                    <a:lumOff val="50000"/>
+                    <a:lumMod val="65000"/>
+                    <a:lumOff val="35000"/>
                   </a:schemeClr>
                 </a:solidFill>
               </a:rPr>
@@ -4115,8 +4384,8 @@
               <a:rPr lang="en-US" dirty="0" smtClean="0">
                 <a:solidFill>
                   <a:schemeClr val="tx1">
-                    <a:lumMod val="50000"/>
-                    <a:lumOff val="50000"/>
+                    <a:lumMod val="65000"/>
+                    <a:lumOff val="35000"/>
                   </a:schemeClr>
                 </a:solidFill>
               </a:rPr>
@@ -4126,8 +4395,8 @@
               <a:rPr lang="en" dirty="0" smtClean="0">
                 <a:solidFill>
                   <a:schemeClr val="tx1">
-                    <a:lumMod val="50000"/>
-                    <a:lumOff val="50000"/>
+                    <a:lumMod val="65000"/>
+                    <a:lumOff val="35000"/>
                   </a:schemeClr>
                 </a:solidFill>
               </a:rPr>
@@ -4137,30 +4406,19 @@
               <a:rPr lang="en-US" dirty="0" smtClean="0">
                 <a:solidFill>
                   <a:schemeClr val="tx1">
-                    <a:lumMod val="50000"/>
-                    <a:lumOff val="50000"/>
-                  </a:schemeClr>
-                </a:solidFill>
-              </a:rPr>
-              <a:t>ion </a:t>
-            </a:r>
-            <a:r>
-              <a:rPr lang="en-US" dirty="0" smtClean="0">
+                    <a:lumMod val="65000"/>
+                    <a:lumOff val="35000"/>
+                  </a:schemeClr>
+                </a:solidFill>
+              </a:rPr>
+              <a:t>ion points to a role for next-generation </a:t>
+            </a:r>
+            <a:r>
+              <a:rPr lang="en" dirty="0" smtClean="0">
                 <a:solidFill>
                   <a:schemeClr val="tx1">
-                    <a:lumMod val="50000"/>
-                    <a:lumOff val="50000"/>
-                  </a:schemeClr>
-                </a:solidFill>
-              </a:rPr>
-              <a:t>points to a role for next-generation  </a:t>
-            </a:r>
-            <a:r>
-              <a:rPr lang="en" dirty="0" smtClean="0">
-                <a:solidFill>
-                  <a:schemeClr val="tx1">
-                    <a:lumMod val="50000"/>
-                    <a:lumOff val="50000"/>
+                    <a:lumMod val="65000"/>
+                    <a:lumOff val="35000"/>
                   </a:schemeClr>
                 </a:solidFill>
               </a:rPr>
@@ -4169,8 +4427,8 @@
             <a:endParaRPr lang="en" dirty="0" smtClean="0">
               <a:solidFill>
                 <a:schemeClr val="tx1">
-                  <a:lumMod val="50000"/>
-                  <a:lumOff val="50000"/>
+                  <a:lumMod val="65000"/>
+                  <a:lumOff val="35000"/>
                 </a:schemeClr>
               </a:solidFill>
             </a:endParaRPr>
@@ -4225,13 +4483,105 @@
               <a:rPr lang="en" sz="2000" dirty="0" smtClean="0">
                 <a:solidFill>
                   <a:schemeClr val="tx1">
-                    <a:lumMod val="50000"/>
-                    <a:lumOff val="50000"/>
-                  </a:schemeClr>
-                </a:solidFill>
-              </a:rPr>
-              <a:t>For given capability appropriate execution strategy is determined</a:t>
-            </a:r>
+                    <a:lumMod val="65000"/>
+                    <a:lumOff val="35000"/>
+                  </a:schemeClr>
+                </a:solidFill>
+              </a:rPr>
+              <a:t>For given capability appropriate execution strategy is </a:t>
+            </a:r>
+            <a:r>
+              <a:rPr lang="en" sz="2000" dirty="0" smtClean="0">
+                <a:solidFill>
+                  <a:schemeClr val="tx1">
+                    <a:lumMod val="65000"/>
+                    <a:lumOff val="35000"/>
+                  </a:schemeClr>
+                </a:solidFill>
+              </a:rPr>
+              <a:t>determined</a:t>
+            </a:r>
+            <a:endParaRPr lang="en-US" sz="2000" dirty="0" smtClean="0">
+              <a:solidFill>
+                <a:schemeClr val="tx1">
+                  <a:lumMod val="65000"/>
+                  <a:lumOff val="35000"/>
+                </a:schemeClr>
+              </a:solidFill>
+            </a:endParaRPr>
+          </a:p>
+          <a:p>
+            <a:pPr marL="968375" lvl="1" indent="-285750">
+              <a:lnSpc>
+                <a:spcPct val="115000"/>
+              </a:lnSpc>
+              <a:spcBef>
+                <a:spcPts val="500"/>
+              </a:spcBef>
+              <a:buFont typeface="Arial"/>
+              <a:buChar char="•"/>
+            </a:pPr>
+            <a:r>
+              <a:rPr lang="en-US" sz="2000" dirty="0" smtClean="0">
+                <a:solidFill>
+                  <a:schemeClr val="tx1">
+                    <a:lumMod val="65000"/>
+                    <a:lumOff val="35000"/>
+                  </a:schemeClr>
+                </a:solidFill>
+              </a:rPr>
+              <a:t>Interoperability: DCI level? DCA</a:t>
+            </a:r>
+            <a:r>
+              <a:rPr lang="en" sz="2000" dirty="0" smtClean="0">
+                <a:solidFill>
+                  <a:schemeClr val="tx1">
+                    <a:lumMod val="65000"/>
+                    <a:lumOff val="35000"/>
+                  </a:schemeClr>
+                </a:solidFill>
+              </a:rPr>
+              <a:t> </a:t>
+            </a:r>
+            <a:r>
+              <a:rPr lang="en" sz="2000" dirty="0">
+                <a:solidFill>
+                  <a:schemeClr val="tx1">
+                    <a:lumMod val="65000"/>
+                    <a:lumOff val="35000"/>
+                  </a:schemeClr>
+                </a:solidFill>
+              </a:rPr>
+              <a:t>level Interoperability?</a:t>
+            </a:r>
+            <a:endParaRPr lang="en-US" sz="2000" dirty="0">
+              <a:solidFill>
+                <a:schemeClr val="tx1">
+                  <a:lumMod val="65000"/>
+                  <a:lumOff val="35000"/>
+                </a:schemeClr>
+              </a:solidFill>
+            </a:endParaRPr>
+          </a:p>
+          <a:p>
+            <a:pPr marL="968375" lvl="1" indent="-285750">
+              <a:lnSpc>
+                <a:spcPct val="115000"/>
+              </a:lnSpc>
+              <a:spcBef>
+                <a:spcPts val="500"/>
+              </a:spcBef>
+              <a:buFont typeface="Arial"/>
+              <a:buChar char="•"/>
+            </a:pPr>
+            <a:endParaRPr lang="en" sz="2000" dirty="0" smtClean="0">
+              <a:solidFill>
+                <a:schemeClr val="tx1">
+                  <a:lumMod val="65000"/>
+                  <a:lumOff val="35000"/>
+                </a:schemeClr>
+              </a:solidFill>
+            </a:endParaRPr>
           </a:p>
         </p:txBody>
       </p:sp>
@@ -4296,11 +4646,7 @@
             </a:pPr>
             <a:r>
               <a:rPr lang="en-US" sz="2400" dirty="0" smtClean="0"/>
-              <a:t>RADICAL Research Agenda: Next</a:t>
-            </a:r>
-            <a:r>
-              <a:rPr lang="en-US" sz="2400" dirty="0" smtClean="0"/>
-              <a:t>-Generation </a:t>
+              <a:t>RADICAL Research Agenda: Next-Generation </a:t>
             </a:r>
             <a:r>
               <a:rPr lang="en" sz="2400" dirty="0" smtClean="0"/>
@@ -4390,8 +4736,8 @@
               <a:rPr lang="en" sz="2000" dirty="0" smtClean="0">
                 <a:solidFill>
                   <a:schemeClr val="tx1">
-                    <a:lumMod val="50000"/>
-                    <a:lumOff val="50000"/>
+                    <a:lumMod val="65000"/>
+                    <a:lumOff val="35000"/>
                   </a:schemeClr>
                 </a:solidFill>
               </a:rPr>
@@ -4401,8 +4747,8 @@
               <a:rPr lang="en-US" sz="2000" dirty="0" smtClean="0">
                 <a:solidFill>
                   <a:schemeClr val="tx1">
-                    <a:lumMod val="50000"/>
-                    <a:lumOff val="50000"/>
+                    <a:lumMod val="65000"/>
+                    <a:lumOff val="35000"/>
                   </a:schemeClr>
                 </a:solidFill>
               </a:rPr>
@@ -4412,8 +4758,8 @@
               <a:rPr lang="en" sz="2000" dirty="0" smtClean="0">
                 <a:solidFill>
                   <a:schemeClr val="tx1">
-                    <a:lumMod val="50000"/>
-                    <a:lumOff val="50000"/>
+                    <a:lumMod val="65000"/>
+                    <a:lumOff val="35000"/>
                   </a:schemeClr>
                 </a:solidFill>
               </a:rPr>
@@ -4423,8 +4769,8 @@
               <a:rPr lang="en-US" sz="2000" dirty="0" smtClean="0">
                 <a:solidFill>
                   <a:schemeClr val="tx1">
-                    <a:lumMod val="50000"/>
-                    <a:lumOff val="50000"/>
+                    <a:lumMod val="65000"/>
+                    <a:lumOff val="35000"/>
                   </a:schemeClr>
                 </a:solidFill>
               </a:rPr>
@@ -4434,8 +4780,8 @@
               <a:rPr lang="en" sz="2000" dirty="0" smtClean="0">
                 <a:solidFill>
                   <a:schemeClr val="tx1">
-                    <a:lumMod val="50000"/>
-                    <a:lumOff val="50000"/>
+                    <a:lumMod val="65000"/>
+                    <a:lumOff val="35000"/>
                   </a:schemeClr>
                 </a:solidFill>
               </a:rPr>
@@ -4445,8 +4791,8 @@
               <a:rPr lang="en-US" sz="2000" dirty="0" err="1" smtClean="0">
                 <a:solidFill>
                   <a:schemeClr val="tx1">
-                    <a:lumMod val="50000"/>
-                    <a:lumOff val="50000"/>
+                    <a:lumMod val="65000"/>
+                    <a:lumOff val="35000"/>
                   </a:schemeClr>
                 </a:solidFill>
               </a:rPr>
@@ -4456,13 +4802,21 @@
               <a:rPr lang="en-US" sz="2000" dirty="0" smtClean="0">
                 <a:solidFill>
                   <a:schemeClr val="tx1">
-                    <a:lumMod val="50000"/>
-                    <a:lumOff val="50000"/>
-                  </a:schemeClr>
-                </a:solidFill>
-              </a:rPr>
-              <a:t> !!</a:t>
-            </a:r>
+                    <a:lumMod val="65000"/>
+                    <a:lumOff val="35000"/>
+                  </a:schemeClr>
+                </a:solidFill>
+              </a:rPr>
+              <a:t> </a:t>
+            </a:r>
+            <a:endParaRPr lang="en-US" sz="2000" dirty="0" smtClean="0">
+              <a:solidFill>
+                <a:schemeClr val="tx1">
+                  <a:lumMod val="65000"/>
+                  <a:lumOff val="35000"/>
+                </a:schemeClr>
+              </a:solidFill>
+            </a:endParaRPr>
           </a:p>
           <a:p>
             <a:pPr lvl="1">
@@ -4475,8 +4829,8 @@
               <a:rPr lang="en-US" sz="2000" i="1" dirty="0" smtClean="0">
                 <a:solidFill>
                   <a:schemeClr val="tx1">
-                    <a:lumMod val="50000"/>
-                    <a:lumOff val="50000"/>
+                    <a:lumMod val="65000"/>
+                    <a:lumOff val="35000"/>
                   </a:schemeClr>
                 </a:solidFill>
               </a:rPr>
@@ -4486,8 +4840,8 @@
               <a:rPr lang="en-US" sz="2000" i="1" dirty="0">
                 <a:solidFill>
                   <a:schemeClr val="tx1">
-                    <a:lumMod val="50000"/>
-                    <a:lumOff val="50000"/>
+                    <a:lumMod val="65000"/>
+                    <a:lumOff val="35000"/>
                   </a:schemeClr>
                 </a:solidFill>
               </a:rPr>
@@ -4497,8 +4851,8 @@
               <a:rPr lang="en-US" sz="2000" i="1" dirty="0" smtClean="0">
                 <a:solidFill>
                   <a:schemeClr val="tx1">
-                    <a:lumMod val="50000"/>
-                    <a:lumOff val="50000"/>
+                    <a:lumMod val="65000"/>
+                    <a:lumOff val="35000"/>
                   </a:schemeClr>
                 </a:solidFill>
               </a:rPr>
@@ -4508,8 +4862,8 @@
               <a:rPr lang="en-US" sz="2000" i="1" dirty="0">
                 <a:solidFill>
                   <a:schemeClr val="tx1">
-                    <a:lumMod val="50000"/>
-                    <a:lumOff val="50000"/>
+                    <a:lumMod val="65000"/>
+                    <a:lumOff val="35000"/>
                   </a:schemeClr>
                 </a:solidFill>
               </a:rPr>
@@ -4519,96 +4873,118 @@
               <a:rPr lang="en-US" sz="2000" i="1" dirty="0" smtClean="0">
                 <a:solidFill>
                   <a:schemeClr val="tx1">
-                    <a:lumMod val="50000"/>
-                    <a:lumOff val="50000"/>
-                  </a:schemeClr>
-                </a:solidFill>
-              </a:rPr>
-              <a:t>to be that which we can use to  </a:t>
+                    <a:lumMod val="65000"/>
+                    <a:lumOff val="35000"/>
+                  </a:schemeClr>
+                </a:solidFill>
+              </a:rPr>
+              <a:t>to be that which we can </a:t>
             </a:r>
             <a:r>
               <a:rPr lang="en-US" sz="2000" i="1" dirty="0" smtClean="0">
                 <a:solidFill>
                   <a:schemeClr val="tx1">
-                    <a:lumMod val="50000"/>
-                    <a:lumOff val="50000"/>
-                  </a:schemeClr>
-                </a:solidFill>
-              </a:rPr>
-              <a:t>provide</a:t>
+                    <a:lumMod val="65000"/>
+                    <a:lumOff val="35000"/>
+                  </a:schemeClr>
+                </a:solidFill>
+              </a:rPr>
+              <a:t>add to existing </a:t>
             </a:r>
             <a:r>
               <a:rPr lang="en-US" sz="2000" i="1" dirty="0" smtClean="0">
                 <a:solidFill>
                   <a:schemeClr val="tx1">
-                    <a:lumMod val="50000"/>
-                    <a:lumOff val="50000"/>
-                  </a:schemeClr>
-                </a:solidFill>
-              </a:rPr>
-              <a:t> systems </a:t>
+                    <a:lumMod val="65000"/>
+                    <a:lumOff val="35000"/>
+                  </a:schemeClr>
+                </a:solidFill>
+              </a:rPr>
+              <a:t>middleware layer(s) to </a:t>
+            </a:r>
+            <a:r>
+              <a:rPr lang="en-US" sz="2000" i="1" dirty="0" smtClean="0">
+                <a:solidFill>
+                  <a:schemeClr val="tx1">
+                    <a:lumMod val="65000"/>
+                    <a:lumOff val="35000"/>
+                  </a:schemeClr>
+                </a:solidFill>
+              </a:rPr>
+              <a:t>provide </a:t>
+            </a:r>
+            <a:r>
+              <a:rPr lang="en-US" sz="2000" i="1" dirty="0" smtClean="0">
+                <a:solidFill>
+                  <a:schemeClr val="tx1">
+                    <a:lumMod val="65000"/>
+                    <a:lumOff val="35000"/>
+                  </a:schemeClr>
+                </a:solidFill>
+              </a:rPr>
+              <a:t>systems </a:t>
             </a:r>
             <a:r>
               <a:rPr lang="en-US" sz="2000" i="1" dirty="0">
                 <a:solidFill>
                   <a:schemeClr val="tx1">
-                    <a:lumMod val="50000"/>
-                    <a:lumOff val="50000"/>
-                  </a:schemeClr>
-                </a:solidFill>
-              </a:rPr>
-              <a:t>based upon capability rather than </a:t>
+                    <a:lumMod val="65000"/>
+                    <a:lumOff val="35000"/>
+                  </a:schemeClr>
+                </a:solidFill>
+              </a:rPr>
+              <a:t>based upon </a:t>
             </a:r>
             <a:r>
               <a:rPr lang="en-US" sz="2000" i="1" dirty="0" smtClean="0">
                 <a:solidFill>
                   <a:schemeClr val="tx1">
-                    <a:lumMod val="50000"/>
-                    <a:lumOff val="50000"/>
-                  </a:schemeClr>
-                </a:solidFill>
-              </a:rPr>
-              <a:t>a technology, or </a:t>
+                    <a:lumMod val="65000"/>
+                    <a:lumOff val="35000"/>
+                  </a:schemeClr>
+                </a:solidFill>
+              </a:rPr>
+              <a:t>well-defined capability </a:t>
+            </a:r>
+            <a:r>
+              <a:rPr lang="en-US" sz="2000" i="1" dirty="0">
+                <a:solidFill>
+                  <a:schemeClr val="tx1">
+                    <a:lumMod val="65000"/>
+                    <a:lumOff val="35000"/>
+                  </a:schemeClr>
+                </a:solidFill>
+              </a:rPr>
+              <a:t>rather than </a:t>
             </a:r>
             <a:r>
               <a:rPr lang="en-US" sz="2000" i="1" dirty="0" smtClean="0">
                 <a:solidFill>
                   <a:schemeClr val="tx1">
-                    <a:lumMod val="50000"/>
-                    <a:lumOff val="50000"/>
-                  </a:schemeClr>
-                </a:solidFill>
-              </a:rPr>
-              <a:t>a specific execution strategy (</a:t>
+                    <a:lumMod val="65000"/>
+                    <a:lumOff val="35000"/>
+                  </a:schemeClr>
+                </a:solidFill>
+              </a:rPr>
+              <a:t>a technology, or a specific execution strategy (say HTC </a:t>
+            </a:r>
+            <a:r>
+              <a:rPr lang="en-US" sz="2000" i="1" dirty="0">
+                <a:solidFill>
+                  <a:schemeClr val="tx1">
+                    <a:lumMod val="65000"/>
+                    <a:lumOff val="35000"/>
+                  </a:schemeClr>
+                </a:solidFill>
+              </a:rPr>
+              <a:t>or </a:t>
             </a:r>
             <a:r>
               <a:rPr lang="en-US" sz="2000" i="1" dirty="0" smtClean="0">
                 <a:solidFill>
                   <a:schemeClr val="tx1">
-                    <a:lumMod val="50000"/>
-                    <a:lumOff val="50000"/>
-                  </a:schemeClr>
-                </a:solidFill>
-              </a:rPr>
-              <a:t>say HTC </a:t>
-            </a:r>
-            <a:r>
-              <a:rPr lang="en-US" sz="2000" i="1" dirty="0">
-                <a:solidFill>
-                  <a:schemeClr val="tx1">
-                    <a:lumMod val="50000"/>
-                    <a:lumOff val="50000"/>
-                  </a:schemeClr>
-                </a:solidFill>
-              </a:rPr>
-              <a:t>or </a:t>
-            </a:r>
-            <a:r>
-              <a:rPr lang="en-US" sz="2000" i="1" dirty="0" smtClean="0">
-                <a:solidFill>
-                  <a:schemeClr val="tx1">
-                    <a:lumMod val="50000"/>
-                    <a:lumOff val="50000"/>
+                    <a:lumMod val="65000"/>
+                    <a:lumOff val="35000"/>
                   </a:schemeClr>
                 </a:solidFill>
               </a:rPr>
@@ -4628,15 +5004,7 @@
                   <a:srgbClr val="000000"/>
                 </a:solidFill>
               </a:rPr>
-              <a:t>Federation via </a:t>
-            </a:r>
-            <a:r>
-              <a:rPr lang="en-US" dirty="0" smtClean="0">
-                <a:solidFill>
-                  <a:srgbClr val="000000"/>
-                </a:solidFill>
-              </a:rPr>
-              <a:t>m</a:t>
+              <a:t>Federation via m</a:t>
             </a:r>
             <a:r>
               <a:rPr lang="en" dirty="0" smtClean="0">
@@ -4665,147 +5033,74 @@
             <a:r>
               <a:rPr lang="en-US" sz="2000" dirty="0" smtClean="0">
                 <a:solidFill>
-                  <a:schemeClr val="bg1">
-                    <a:lumMod val="50000"/>
-                  </a:schemeClr>
-                </a:solidFill>
-              </a:rPr>
-              <a:t>Can’t remove complexity, can only manage it!</a:t>
+                  <a:schemeClr val="tx1">
+                    <a:lumMod val="65000"/>
+                    <a:lumOff val="35000"/>
+                  </a:schemeClr>
+                </a:solidFill>
+              </a:rPr>
+              <a:t>Test </a:t>
+            </a:r>
+            <a:r>
+              <a:rPr lang="en-US" sz="2000" dirty="0" smtClean="0">
+                <a:solidFill>
+                  <a:schemeClr val="tx1">
+                    <a:lumMod val="65000"/>
+                    <a:lumOff val="35000"/>
+                  </a:schemeClr>
+                </a:solidFill>
+              </a:rPr>
+              <a:t>Case: </a:t>
+            </a:r>
+            <a:r>
+              <a:rPr lang="en" sz="2000" dirty="0" smtClean="0">
+                <a:solidFill>
+                  <a:schemeClr val="tx1">
+                    <a:lumMod val="65000"/>
+                    <a:lumOff val="35000"/>
+                  </a:schemeClr>
+                </a:solidFill>
+              </a:rPr>
+              <a:t>How </a:t>
+            </a:r>
+            <a:r>
+              <a:rPr lang="en" sz="2000" dirty="0">
+                <a:solidFill>
+                  <a:schemeClr val="tx1">
+                    <a:lumMod val="65000"/>
+                    <a:lumOff val="35000"/>
+                  </a:schemeClr>
+                </a:solidFill>
+              </a:rPr>
+              <a:t>would we federate XSEDE and </a:t>
+            </a:r>
+            <a:r>
+              <a:rPr lang="en" sz="2000" dirty="0" smtClean="0">
+                <a:solidFill>
+                  <a:schemeClr val="tx1">
+                    <a:lumMod val="65000"/>
+                    <a:lumOff val="35000"/>
+                  </a:schemeClr>
+                </a:solidFill>
+              </a:rPr>
+              <a:t>OSG</a:t>
+            </a:r>
+            <a:r>
+              <a:rPr lang="en" sz="2000" dirty="0" smtClean="0">
+                <a:solidFill>
+                  <a:schemeClr val="tx1">
+                    <a:lumMod val="65000"/>
+                    <a:lumOff val="35000"/>
+                  </a:schemeClr>
+                </a:solidFill>
+              </a:rPr>
+              <a:t>?</a:t>
             </a:r>
             <a:endParaRPr lang="en-US" sz="2000" dirty="0" smtClean="0">
               <a:solidFill>
-                <a:schemeClr val="bg1">
-                  <a:lumMod val="50000"/>
-                </a:schemeClr>
-              </a:solidFill>
-            </a:endParaRPr>
-          </a:p>
-          <a:p>
-            <a:pPr lvl="1">
-              <a:buClr>
-                <a:srgbClr val="000000"/>
-              </a:buClr>
-              <a:buSzPct val="100000"/>
-            </a:pPr>
-            <a:r>
-              <a:rPr lang="en-US" sz="2000" dirty="0" smtClean="0">
-                <a:solidFill>
-                  <a:schemeClr val="bg1">
-                    <a:lumMod val="50000"/>
-                  </a:schemeClr>
-                </a:solidFill>
-              </a:rPr>
-              <a:t>DCI level </a:t>
-            </a:r>
-            <a:r>
-              <a:rPr lang="en" sz="2000" dirty="0" smtClean="0">
-                <a:solidFill>
-                  <a:schemeClr val="bg1">
-                    <a:lumMod val="50000"/>
-                  </a:schemeClr>
-                </a:solidFill>
-              </a:rPr>
-              <a:t>Interoperability</a:t>
-            </a:r>
-            <a:r>
-              <a:rPr lang="en-US" sz="2000" dirty="0" smtClean="0">
-                <a:solidFill>
-                  <a:schemeClr val="bg1">
-                    <a:lumMod val="50000"/>
-                  </a:schemeClr>
-                </a:solidFill>
-              </a:rPr>
-              <a:t>? DCA</a:t>
-            </a:r>
-            <a:r>
-              <a:rPr lang="en" sz="2000" dirty="0" smtClean="0">
-                <a:solidFill>
-                  <a:schemeClr val="bg1">
-                    <a:lumMod val="50000"/>
-                  </a:schemeClr>
-                </a:solidFill>
-              </a:rPr>
-              <a:t> </a:t>
-            </a:r>
-            <a:r>
-              <a:rPr lang="en" sz="2000" dirty="0">
-                <a:solidFill>
-                  <a:schemeClr val="bg1">
-                    <a:lumMod val="50000"/>
-                  </a:schemeClr>
-                </a:solidFill>
-              </a:rPr>
-              <a:t>level </a:t>
-            </a:r>
-            <a:r>
-              <a:rPr lang="en" sz="2000" dirty="0" smtClean="0">
-                <a:solidFill>
-                  <a:schemeClr val="bg1">
-                    <a:lumMod val="50000"/>
-                  </a:schemeClr>
-                </a:solidFill>
-              </a:rPr>
-              <a:t>Interoperability?</a:t>
-            </a:r>
-            <a:endParaRPr lang="en-US" sz="2000" dirty="0">
-              <a:solidFill>
-                <a:schemeClr val="bg1">
-                  <a:lumMod val="50000"/>
-                </a:schemeClr>
-              </a:solidFill>
-            </a:endParaRPr>
-          </a:p>
-          <a:p>
-            <a:pPr lvl="1">
-              <a:buClr>
-                <a:srgbClr val="000000"/>
-              </a:buClr>
-              <a:buSzPct val="100000"/>
-            </a:pPr>
-            <a:r>
-              <a:rPr lang="en-US" sz="2000" dirty="0" smtClean="0">
-                <a:solidFill>
-                  <a:schemeClr val="bg1">
-                    <a:lumMod val="50000"/>
-                  </a:schemeClr>
-                </a:solidFill>
-              </a:rPr>
-              <a:t>Test Case: </a:t>
-            </a:r>
-            <a:r>
-              <a:rPr lang="en" sz="2000" dirty="0" smtClean="0">
-                <a:solidFill>
-                  <a:schemeClr val="bg1">
-                    <a:lumMod val="50000"/>
-                  </a:schemeClr>
-                </a:solidFill>
-              </a:rPr>
-              <a:t>How </a:t>
-            </a:r>
-            <a:r>
-              <a:rPr lang="en" sz="2000" dirty="0">
-                <a:solidFill>
-                  <a:schemeClr val="bg1">
-                    <a:lumMod val="50000"/>
-                  </a:schemeClr>
-                </a:solidFill>
-              </a:rPr>
-              <a:t>would we federate XSEDE and </a:t>
-            </a:r>
-            <a:r>
-              <a:rPr lang="en" sz="2000" dirty="0" smtClean="0">
-                <a:solidFill>
-                  <a:schemeClr val="bg1">
-                    <a:lumMod val="50000"/>
-                  </a:schemeClr>
-                </a:solidFill>
-              </a:rPr>
-              <a:t>OSG?</a:t>
-            </a:r>
-            <a:endParaRPr lang="en-US" sz="2000" dirty="0" smtClean="0">
-              <a:solidFill>
-                <a:schemeClr val="bg1">
-                  <a:lumMod val="50000"/>
+                <a:schemeClr val="tx1">
+                  <a:lumMod val="65000"/>
+                  <a:lumOff val="35000"/>
                 </a:schemeClr>
               </a:solidFill>
             </a:endParaRPr>
@@ -4818,109 +5113,199 @@
               <a:buSzPct val="100000"/>
             </a:pPr>
             <a:r>
-              <a:rPr lang="en" dirty="0" smtClean="0">
-                <a:solidFill>
-                  <a:schemeClr val="bg1">
-                    <a:lumMod val="50000"/>
+              <a:rPr lang="en" sz="2000" dirty="0" smtClean="0">
+                <a:solidFill>
+                  <a:schemeClr val="tx1">
+                    <a:lumMod val="65000"/>
+                    <a:lumOff val="35000"/>
                   </a:schemeClr>
                 </a:solidFill>
               </a:rPr>
               <a:t>New </a:t>
             </a:r>
             <a:r>
-              <a:rPr lang="en" dirty="0">
-                <a:solidFill>
-                  <a:schemeClr val="bg1">
-                    <a:lumMod val="50000"/>
-                  </a:schemeClr>
-                </a:solidFill>
-              </a:rPr>
-              <a:t>non-destructive models of </a:t>
-            </a:r>
-            <a:r>
-              <a:rPr lang="en-US" dirty="0" smtClean="0">
-                <a:solidFill>
-                  <a:schemeClr val="bg1">
-                    <a:lumMod val="50000"/>
+              <a:rPr lang="en-US" sz="2000" dirty="0" smtClean="0">
+                <a:solidFill>
+                  <a:schemeClr val="tx1">
+                    <a:lumMod val="65000"/>
+                    <a:lumOff val="35000"/>
+                  </a:schemeClr>
+                </a:solidFill>
+              </a:rPr>
+              <a:t>complementary and </a:t>
+            </a:r>
+            <a:r>
+              <a:rPr lang="en" sz="2000" dirty="0" smtClean="0">
+                <a:solidFill>
+                  <a:schemeClr val="tx1">
+                    <a:lumMod val="65000"/>
+                    <a:lumOff val="35000"/>
+                  </a:schemeClr>
+                </a:solidFill>
+              </a:rPr>
+              <a:t>non-destructive </a:t>
+            </a:r>
+            <a:r>
+              <a:rPr lang="en" sz="2000" dirty="0">
+                <a:solidFill>
+                  <a:schemeClr val="tx1">
+                    <a:lumMod val="65000"/>
+                    <a:lumOff val="35000"/>
+                  </a:schemeClr>
+                </a:solidFill>
+              </a:rPr>
+              <a:t>models of </a:t>
+            </a:r>
+            <a:r>
+              <a:rPr lang="en-US" sz="2000" dirty="0" smtClean="0">
+                <a:solidFill>
+                  <a:schemeClr val="tx1">
+                    <a:lumMod val="65000"/>
+                    <a:lumOff val="35000"/>
                   </a:schemeClr>
                 </a:solidFill>
               </a:rPr>
               <a:t>f</a:t>
             </a:r>
             <a:r>
-              <a:rPr lang="en" dirty="0" smtClean="0">
-                <a:solidFill>
-                  <a:schemeClr val="bg1">
-                    <a:lumMod val="50000"/>
-                  </a:schemeClr>
-                </a:solidFill>
-              </a:rPr>
-              <a:t>ederation required</a:t>
-            </a:r>
-            <a:endParaRPr lang="en-US" dirty="0">
+              <a:rPr lang="en" sz="2000" dirty="0" smtClean="0">
+                <a:solidFill>
+                  <a:schemeClr val="tx1">
+                    <a:lumMod val="65000"/>
+                    <a:lumOff val="35000"/>
+                  </a:schemeClr>
+                </a:solidFill>
+              </a:rPr>
+              <a:t>ederation </a:t>
+            </a:r>
+            <a:r>
+              <a:rPr lang="en" sz="2000" dirty="0" smtClean="0">
+                <a:solidFill>
+                  <a:schemeClr val="tx1">
+                    <a:lumMod val="65000"/>
+                    <a:lumOff val="35000"/>
+                  </a:schemeClr>
+                </a:solidFill>
+              </a:rPr>
+              <a:t>required</a:t>
+            </a:r>
+            <a:endParaRPr lang="en-US" sz="2000" dirty="0">
               <a:solidFill>
-                <a:schemeClr val="bg1">
-                  <a:lumMod val="50000"/>
+                <a:schemeClr val="tx1">
+                  <a:lumMod val="65000"/>
+                  <a:lumOff val="35000"/>
                 </a:schemeClr>
               </a:solidFill>
             </a:endParaRPr>
           </a:p>
           <a:p>
-            <a:pPr marL="1255712" lvl="1" indent="-342900">
-              <a:spcBef>
-                <a:spcPts val="500"/>
-              </a:spcBef>
+            <a:pPr lvl="2">
               <a:buClr>
                 <a:srgbClr val="000000"/>
               </a:buClr>
               <a:buSzPct val="100000"/>
-              <a:buFont typeface="Arial"/>
-              <a:buChar char="•"/>
-            </a:pPr>
-            <a:r>
-              <a:rPr lang="en" sz="1800" dirty="0" smtClean="0">
-                <a:solidFill>
-                  <a:schemeClr val="bg1">
-                    <a:lumMod val="50000"/>
+            </a:pPr>
+            <a:r>
+              <a:rPr lang="en" sz="2000" dirty="0" smtClean="0">
+                <a:solidFill>
+                  <a:schemeClr val="tx1">
+                    <a:lumMod val="65000"/>
+                    <a:lumOff val="35000"/>
                   </a:schemeClr>
                 </a:solidFill>
               </a:rPr>
               <a:t>Adaptive </a:t>
             </a:r>
             <a:r>
-              <a:rPr lang="en" sz="1800" dirty="0">
-                <a:solidFill>
-                  <a:schemeClr val="bg1">
-                    <a:lumMod val="50000"/>
+              <a:rPr lang="en" sz="2000" dirty="0">
+                <a:solidFill>
+                  <a:schemeClr val="tx1">
+                    <a:lumMod val="65000"/>
+                    <a:lumOff val="35000"/>
                   </a:schemeClr>
                 </a:solidFill>
               </a:rPr>
               <a:t>execution strategy and flexible </a:t>
             </a:r>
             <a:r>
-              <a:rPr lang="en" sz="1800" dirty="0" smtClean="0">
-                <a:solidFill>
-                  <a:schemeClr val="bg1">
-                    <a:lumMod val="50000"/>
+              <a:rPr lang="en" sz="2000" dirty="0" smtClean="0">
+                <a:solidFill>
+                  <a:schemeClr val="tx1">
+                    <a:lumMod val="65000"/>
+                    <a:lumOff val="35000"/>
                   </a:schemeClr>
                 </a:solidFill>
               </a:rPr>
               <a:t>federatio</a:t>
             </a:r>
             <a:r>
-              <a:rPr lang="en-US" sz="1800" dirty="0" smtClean="0">
-                <a:solidFill>
-                  <a:schemeClr val="bg1">
-                    <a:lumMod val="50000"/>
+              <a:rPr lang="en-US" sz="2000" dirty="0" smtClean="0">
+                <a:solidFill>
+                  <a:schemeClr val="tx1">
+                    <a:lumMod val="65000"/>
+                    <a:lumOff val="35000"/>
                   </a:schemeClr>
                 </a:solidFill>
               </a:rPr>
               <a:t>n</a:t>
             </a:r>
-            <a:endParaRPr lang="en" sz="1800" dirty="0">
+          </a:p>
+          <a:p>
+            <a:pPr lvl="2">
+              <a:buClr>
+                <a:srgbClr val="000000"/>
+              </a:buClr>
+              <a:buSzPct val="100000"/>
+            </a:pPr>
+            <a:r>
+              <a:rPr lang="en-US" sz="2000" dirty="0">
+                <a:solidFill>
+                  <a:schemeClr val="tx1">
+                    <a:lumMod val="65000"/>
+                    <a:lumOff val="35000"/>
+                  </a:schemeClr>
+                </a:solidFill>
+              </a:rPr>
+              <a:t>Can’t remove complexity, can only manage </a:t>
+            </a:r>
+            <a:r>
+              <a:rPr lang="en-US" sz="2000" dirty="0" smtClean="0">
+                <a:solidFill>
+                  <a:schemeClr val="tx1">
+                    <a:lumMod val="65000"/>
+                    <a:lumOff val="35000"/>
+                  </a:schemeClr>
+                </a:solidFill>
+              </a:rPr>
+              <a:t>it, belief that it is best </a:t>
+            </a:r>
+            <a:r>
+              <a:rPr lang="en-US" sz="2000" dirty="0">
+                <a:solidFill>
+                  <a:schemeClr val="tx1">
+                    <a:lumMod val="65000"/>
+                    <a:lumOff val="35000"/>
+                  </a:schemeClr>
+                </a:solidFill>
+              </a:rPr>
+              <a:t>done with such middleware that supports </a:t>
+            </a:r>
+            <a:r>
+              <a:rPr lang="en-US" sz="2000" dirty="0" err="1" smtClean="0">
+                <a:solidFill>
+                  <a:schemeClr val="tx1">
+                    <a:lumMod val="65000"/>
+                    <a:lumOff val="35000"/>
+                  </a:schemeClr>
+                </a:solidFill>
+              </a:rPr>
+              <a:t>interoperablity</a:t>
+            </a:r>
+            <a:endParaRPr lang="en" sz="2000" dirty="0">
               <a:solidFill>
-                <a:schemeClr val="bg1">
-                  <a:lumMod val="50000"/>
+                <a:schemeClr val="tx1">
+                  <a:lumMod val="65000"/>
+                  <a:lumOff val="35000"/>
                 </a:schemeClr>
               </a:solidFill>
             </a:endParaRPr>
@@ -5234,19 +5619,7 @@
             <a:pPr marL="800100" lvl="1" indent="-342900"/>
             <a:r>
               <a:rPr lang="en-US" sz="2000" dirty="0" smtClean="0"/>
-              <a:t>Individual </a:t>
-            </a:r>
-            <a:r>
-              <a:rPr lang="en-US" sz="2000" dirty="0" smtClean="0"/>
-              <a:t>DCI components will scale</a:t>
-            </a:r>
-            <a:r>
-              <a:rPr lang="en-US" sz="2000" dirty="0" smtClean="0"/>
-              <a:t>-</a:t>
-            </a:r>
-            <a:r>
-              <a:rPr lang="en-US" sz="2000" dirty="0" smtClean="0"/>
-              <a:t>up along predictable lines</a:t>
+              <a:t>Individual DCI components will scale-up along predictable lines</a:t>
             </a:r>
           </a:p>
           <a:p>
@@ -5316,7 +5689,6 @@
               <a:rPr lang="en-US" sz="2000" dirty="0" smtClean="0"/>
               <a:t>?</a:t>
             </a:r>
-            <a:endParaRPr lang="en-US" sz="2000" dirty="0" smtClean="0"/>
           </a:p>
           <a:p>
             <a:pPr marL="344488" indent="-342900"/>
@@ -5341,19 +5713,15 @@
             <a:pPr marL="800100" lvl="1" indent="-342900"/>
             <a:r>
               <a:rPr lang="en-US" sz="2000" dirty="0" smtClean="0"/>
-              <a:t>Scale (</a:t>
-            </a:r>
-            <a:r>
-              <a:rPr lang="en-US" sz="2000" dirty="0" smtClean="0"/>
-              <a:t>degrees of freedom, </a:t>
-            </a:r>
-            <a:r>
-              <a:rPr lang="en-US" sz="2000" dirty="0" smtClean="0"/>
-              <a:t>heterogeneity,..) wil</a:t>
-            </a:r>
-            <a:r>
-              <a:rPr lang="en-US" sz="2000" dirty="0" smtClean="0"/>
-              <a:t>l need addressing</a:t>
+              <a:t>Scale </a:t>
+            </a:r>
+            <a:r>
+              <a:rPr lang="en-US" sz="2000" dirty="0" smtClean="0"/>
+              <a:t>of heterogeneity, degrees-of-freedom will </a:t>
+            </a:r>
+            <a:r>
+              <a:rPr lang="en-US" sz="2000" dirty="0" smtClean="0"/>
+              <a:t>need addressing</a:t>
             </a:r>
           </a:p>
           <a:p>
@@ -5380,7 +5748,6 @@
               <a:rPr lang="en-US" sz="2000" dirty="0" smtClean="0"/>
               <a:t>Collective “Properties and Design” Principles</a:t>
             </a:r>
-            <a:endParaRPr lang="en-US" sz="2000" dirty="0" smtClean="0"/>
           </a:p>
           <a:p>
             <a:pPr marL="800100" lvl="1" indent="-342900"/>
@@ -5394,17 +5761,8 @@
             <a:pPr marL="800100" lvl="1" indent="-342900"/>
             <a:r>
               <a:rPr lang="en-US" sz="2000" dirty="0" smtClean="0"/>
-              <a:t>Fresh </a:t>
-            </a:r>
-            <a:r>
-              <a:rPr lang="en-US" sz="2000" dirty="0" smtClean="0"/>
-              <a:t>perspective on </a:t>
-            </a:r>
-            <a:r>
-              <a:rPr lang="en-US" sz="2000" dirty="0" smtClean="0"/>
-              <a:t>federation of resources</a:t>
-            </a:r>
-            <a:endParaRPr lang="en-US" sz="2000" dirty="0" smtClean="0"/>
+              <a:t>Fresh perspective on federation of resources</a:t>
+            </a:r>
           </a:p>
         </p:txBody>
       </p:sp>
@@ -5513,13 +5871,53 @@
             </a:r>
           </a:p>
           <a:p>
+            <a:pPr lvl="1"/>
+            <a:r>
+              <a:rPr lang="en-US" dirty="0" smtClean="0">
+                <a:solidFill>
+                  <a:schemeClr val="tx1">
+                    <a:lumMod val="65000"/>
+                    <a:lumOff val="35000"/>
+                  </a:schemeClr>
+                </a:solidFill>
+              </a:rPr>
+              <a:t>Also Daniel </a:t>
+            </a:r>
+            <a:r>
+              <a:rPr lang="en-US" dirty="0">
+                <a:solidFill>
+                  <a:schemeClr val="tx1">
+                    <a:lumMod val="65000"/>
+                    <a:lumOff val="35000"/>
+                  </a:schemeClr>
+                </a:solidFill>
+              </a:rPr>
+              <a:t>Katz and Jon </a:t>
+            </a:r>
+            <a:r>
+              <a:rPr lang="en-US" dirty="0" err="1" smtClean="0">
+                <a:solidFill>
+                  <a:schemeClr val="tx1">
+                    <a:lumMod val="65000"/>
+                    <a:lumOff val="35000"/>
+                  </a:schemeClr>
+                </a:solidFill>
+              </a:rPr>
+              <a:t>Weissman</a:t>
+            </a:r>
+            <a:endParaRPr lang="en-US" dirty="0" smtClean="0">
+              <a:solidFill>
+                <a:schemeClr val="tx1">
+                  <a:lumMod val="65000"/>
+                  <a:lumOff val="35000"/>
+                </a:schemeClr>
+              </a:solidFill>
+            </a:endParaRPr>
+          </a:p>
+          <a:p>
             <a:r>
               <a:rPr lang="en-US" dirty="0" smtClean="0"/>
-              <a:t>NSF CAREER Award, </a:t>
-            </a:r>
-            <a:r>
-              <a:rPr lang="en-US" dirty="0" smtClean="0"/>
-              <a:t>Division </a:t>
+              <a:t>NSF CAREER Award, Division </a:t>
             </a:r>
             <a:r>
               <a:rPr lang="en-US" dirty="0"/>
@@ -5531,12 +5929,19 @@
             </a:r>
             <a:r>
               <a:rPr lang="en-US" dirty="0"/>
-              <a:t> (ACI), OCI-1253644</a:t>
+              <a:t> (ACI), OCI-</a:t>
+            </a:r>
+            <a:r>
+              <a:rPr lang="en-US" dirty="0" smtClean="0"/>
+              <a:t>1253644</a:t>
+            </a:r>
+          </a:p>
+          <a:p>
+            <a:r>
+              <a:rPr lang="en-US" dirty="0" smtClean="0"/>
+              <a:t>RADICAL Members</a:t>
             </a:r>
             <a:endParaRPr lang="en-US" dirty="0" smtClean="0"/>
-          </a:p>
-          <a:p>
-            <a:endParaRPr lang="en-US" dirty="0"/>
           </a:p>
         </p:txBody>
       </p:sp>
@@ -5550,6 +5955,440 @@
   <p:clrMapOvr>
     <a:masterClrMapping/>
   </p:clrMapOvr>
+</p:sld>
+</file>
+
+<file path=ppt/slides/slide15.xml><?xml version="1.0" encoding="utf-8"?>
+<p:sld xmlns:a="http://schemas.openxmlformats.org/drawingml/2006/main" xmlns:r="http://schemas.openxmlformats.org/officeDocument/2006/relationships" xmlns:p="http://schemas.openxmlformats.org/presentationml/2006/main" show="0">
+  <p:cSld>
+    <p:spTree>
+      <p:nvGrpSpPr>
+        <p:cNvPr id="1" name="Shape 46"/>
+        <p:cNvGrpSpPr/>
+        <p:nvPr/>
+      </p:nvGrpSpPr>
+      <p:grpSpPr>
+        <a:xfrm>
+          <a:off x="0" y="0"/>
+          <a:ext cx="0" cy="0"/>
+          <a:chOff x="0" y="0"/>
+          <a:chExt cx="0" cy="0"/>
+        </a:xfrm>
+      </p:grpSpPr>
+      <p:sp>
+        <p:nvSpPr>
+          <p:cNvPr id="47" name="Shape 47"/>
+          <p:cNvSpPr txBox="1">
+            <a:spLocks noGrp="1"/>
+          </p:cNvSpPr>
+          <p:nvPr>
+            <p:ph type="title"/>
+          </p:nvPr>
+        </p:nvSpPr>
+        <p:spPr>
+          <a:prstGeom prst="rect">
+            <a:avLst/>
+          </a:prstGeom>
+        </p:spPr>
+        <p:txBody>
+          <a:bodyPr lIns="91425" tIns="91425" rIns="91425" bIns="91425" anchor="b" anchorCtr="0">
+            <a:noAutofit/>
+          </a:bodyPr>
+          <a:lstStyle/>
+          <a:p>
+            <a:pPr lvl="0" rtl="0">
+              <a:buNone/>
+            </a:pPr>
+            <a:r>
+              <a:rPr lang="en-US" dirty="0" smtClean="0"/>
+              <a:t>DC-2025: </a:t>
+            </a:r>
+            <a:r>
+              <a:rPr lang="en" dirty="0" smtClean="0"/>
+              <a:t>Foundational </a:t>
+            </a:r>
+            <a:r>
+              <a:rPr lang="en-US" dirty="0" smtClean="0"/>
+              <a:t>Challenges</a:t>
+            </a:r>
+            <a:r>
+              <a:rPr lang="en" dirty="0"/>
+              <a:t>	</a:t>
+            </a:r>
+          </a:p>
+        </p:txBody>
+      </p:sp>
+      <p:sp>
+        <p:nvSpPr>
+          <p:cNvPr id="48" name="Shape 48"/>
+          <p:cNvSpPr txBox="1">
+            <a:spLocks noGrp="1"/>
+          </p:cNvSpPr>
+          <p:nvPr>
+            <p:ph idx="4294967295"/>
+          </p:nvPr>
+        </p:nvSpPr>
+        <p:spPr>
+          <a:xfrm>
+            <a:off x="282231" y="789713"/>
+            <a:ext cx="8715010" cy="5146675"/>
+          </a:xfrm>
+          <a:prstGeom prst="rect">
+            <a:avLst/>
+          </a:prstGeom>
+        </p:spPr>
+        <p:txBody>
+          <a:bodyPr lIns="91425" tIns="91425" rIns="91425" bIns="91425" anchor="t" anchorCtr="0">
+            <a:noAutofit/>
+          </a:bodyPr>
+          <a:lstStyle/>
+          <a:p>
+            <a:pPr>
+              <a:lnSpc>
+                <a:spcPct val="90000"/>
+              </a:lnSpc>
+            </a:pPr>
+            <a:r>
+              <a:rPr lang="en-US" dirty="0" smtClean="0"/>
+              <a:t>Distributed Computing Infrastructure:</a:t>
+            </a:r>
+          </a:p>
+          <a:p>
+            <a:pPr marL="912812" lvl="1" indent="-381000">
+              <a:lnSpc>
+                <a:spcPct val="90000"/>
+              </a:lnSpc>
+              <a:spcAft>
+                <a:spcPts val="1000"/>
+              </a:spcAft>
+            </a:pPr>
+            <a:r>
+              <a:rPr lang="en-US" sz="2000" dirty="0" smtClean="0"/>
+              <a:t>Federate</a:t>
+            </a:r>
+            <a:r>
+              <a:rPr lang="en" sz="2000" dirty="0" smtClean="0"/>
+              <a:t> diversified </a:t>
+            </a:r>
+            <a:r>
+              <a:rPr lang="en" sz="2000" dirty="0"/>
+              <a:t>set of </a:t>
+            </a:r>
+            <a:r>
+              <a:rPr lang="en" sz="2000" dirty="0" smtClean="0"/>
+              <a:t>resources</a:t>
+            </a:r>
+            <a:r>
+              <a:rPr lang="en-US" sz="2000" dirty="0" smtClean="0"/>
+              <a:t> </a:t>
+            </a:r>
+            <a:r>
+              <a:rPr lang="en-US" sz="2000" dirty="0" smtClean="0"/>
+              <a:t>at</a:t>
+            </a:r>
+            <a:r>
+              <a:rPr lang="en" sz="2000" dirty="0" smtClean="0"/>
+              <a:t> </a:t>
+            </a:r>
+            <a:r>
+              <a:rPr lang="en" sz="2000" dirty="0"/>
+              <a:t>multiple </a:t>
+            </a:r>
+            <a:r>
+              <a:rPr lang="en" sz="2000" dirty="0" smtClean="0"/>
+              <a:t>levels</a:t>
+            </a:r>
+            <a:endParaRPr lang="en-US" sz="2000" dirty="0" smtClean="0"/>
+          </a:p>
+          <a:p>
+            <a:pPr marL="1320800" lvl="2" indent="-381000">
+              <a:lnSpc>
+                <a:spcPct val="90000"/>
+              </a:lnSpc>
+              <a:spcAft>
+                <a:spcPts val="1000"/>
+              </a:spcAft>
+            </a:pPr>
+            <a:r>
+              <a:rPr lang="en-US" sz="2000" dirty="0" smtClean="0"/>
+              <a:t>e.g</a:t>
+            </a:r>
+            <a:r>
+              <a:rPr lang="en-US" sz="2000" dirty="0"/>
+              <a:t>. </a:t>
+            </a:r>
+            <a:r>
+              <a:rPr lang="en-US" sz="2000" dirty="0" smtClean="0"/>
+              <a:t>How/when </a:t>
+            </a:r>
+            <a:r>
+              <a:rPr lang="en-US" sz="2000" dirty="0"/>
+              <a:t>to </a:t>
+            </a:r>
+            <a:r>
+              <a:rPr lang="en-US" sz="2000" dirty="0" smtClean="0"/>
+              <a:t>federate</a:t>
+            </a:r>
+            <a:r>
+              <a:rPr lang="en" sz="2000" dirty="0" smtClean="0"/>
+              <a:t> </a:t>
+            </a:r>
+            <a:r>
+              <a:rPr lang="en" sz="2000" dirty="0"/>
+              <a:t>leadership machines </a:t>
+            </a:r>
+            <a:r>
+              <a:rPr lang="en-US" sz="2000" dirty="0"/>
+              <a:t>with </a:t>
+            </a:r>
+            <a:r>
+              <a:rPr lang="en-US" sz="2000" dirty="0" smtClean="0"/>
+              <a:t>other </a:t>
+            </a:r>
+            <a:r>
+              <a:rPr lang="en" sz="2000" dirty="0" smtClean="0"/>
+              <a:t>less </a:t>
+            </a:r>
+            <a:r>
+              <a:rPr lang="en" sz="2000" dirty="0"/>
+              <a:t>powerful </a:t>
+            </a:r>
+            <a:r>
+              <a:rPr lang="en" sz="2000" dirty="0" smtClean="0"/>
+              <a:t>machines</a:t>
+            </a:r>
+            <a:r>
+              <a:rPr lang="en-US" sz="2000" dirty="0" smtClean="0"/>
+              <a:t>?</a:t>
+            </a:r>
+          </a:p>
+          <a:p>
+            <a:pPr marL="912812" lvl="1" indent="-381000">
+              <a:lnSpc>
+                <a:spcPct val="90000"/>
+              </a:lnSpc>
+              <a:spcAft>
+                <a:spcPts val="1000"/>
+              </a:spcAft>
+            </a:pPr>
+            <a:r>
+              <a:rPr lang="en-US" sz="2000" dirty="0">
+                <a:solidFill>
+                  <a:srgbClr val="606060"/>
+                </a:solidFill>
+              </a:rPr>
+              <a:t>Heterogeneity will demand flexibility </a:t>
+            </a:r>
+            <a:r>
+              <a:rPr lang="en-US" sz="2000" dirty="0" smtClean="0">
+                <a:solidFill>
+                  <a:srgbClr val="606060"/>
+                </a:solidFill>
+              </a:rPr>
+              <a:t>whilst assuring performance</a:t>
+            </a:r>
+          </a:p>
+          <a:p>
+            <a:pPr marL="1320800" lvl="2" indent="-381000">
+              <a:lnSpc>
+                <a:spcPct val="90000"/>
+              </a:lnSpc>
+              <a:spcAft>
+                <a:spcPts val="1000"/>
+              </a:spcAft>
+            </a:pPr>
+            <a:r>
+              <a:rPr lang="en-US" sz="2000" dirty="0"/>
+              <a:t>Manage complexity of </a:t>
+            </a:r>
+            <a:r>
+              <a:rPr lang="en-US" sz="2000" dirty="0" smtClean="0"/>
+              <a:t>infrastructure</a:t>
+            </a:r>
+            <a:r>
+              <a:rPr lang="en-US" sz="2000" dirty="0"/>
+              <a:t>: </a:t>
+            </a:r>
+            <a:r>
+              <a:rPr lang="en-US" sz="2000" dirty="0" smtClean="0"/>
+              <a:t>deployment </a:t>
+            </a:r>
+            <a:r>
+              <a:rPr lang="en-US" sz="2000" dirty="0"/>
+              <a:t>and </a:t>
+            </a:r>
+            <a:r>
+              <a:rPr lang="en-US" sz="2000" dirty="0" smtClean="0"/>
+              <a:t>execution</a:t>
+            </a:r>
+          </a:p>
+          <a:p>
+            <a:pPr marL="912812" lvl="1" indent="-381000">
+              <a:lnSpc>
+                <a:spcPct val="90000"/>
+              </a:lnSpc>
+              <a:spcAft>
+                <a:spcPts val="1000"/>
+              </a:spcAft>
+            </a:pPr>
+            <a:r>
+              <a:rPr lang="en-US" sz="2000" dirty="0" smtClean="0"/>
+              <a:t>Providing capabilities</a:t>
+            </a:r>
+          </a:p>
+          <a:p>
+            <a:pPr marL="1320800" lvl="2" indent="-381000">
+              <a:lnSpc>
+                <a:spcPct val="90000"/>
+              </a:lnSpc>
+              <a:spcAft>
+                <a:spcPts val="1000"/>
+              </a:spcAft>
+            </a:pPr>
+            <a:r>
+              <a:rPr lang="en-US" sz="2000" dirty="0" smtClean="0"/>
+              <a:t>What functional </a:t>
+            </a:r>
+            <a:r>
+              <a:rPr lang="en-US" sz="2000" dirty="0"/>
+              <a:t>units and how to compose f</a:t>
+            </a:r>
+            <a:r>
+              <a:rPr lang="en" sz="2000" dirty="0" smtClean="0"/>
+              <a:t>unctionality</a:t>
+            </a:r>
+            <a:r>
+              <a:rPr lang="en-US" sz="2000" dirty="0" smtClean="0"/>
+              <a:t>?</a:t>
+            </a:r>
+          </a:p>
+          <a:p>
+            <a:pPr marL="1320800" lvl="2" indent="-381000">
+              <a:lnSpc>
+                <a:spcPct val="90000"/>
+              </a:lnSpc>
+              <a:spcAft>
+                <a:spcPts val="1000"/>
+              </a:spcAft>
+            </a:pPr>
+            <a:r>
+              <a:rPr lang="en-US" sz="2000" dirty="0"/>
+              <a:t>Designing a federated system that scales </a:t>
+            </a:r>
+            <a:r>
+              <a:rPr lang="en" sz="2000" dirty="0"/>
+              <a:t>along </a:t>
+            </a:r>
+            <a:r>
+              <a:rPr lang="en-US" sz="2000" dirty="0"/>
+              <a:t>1 </a:t>
+            </a:r>
+            <a:r>
+              <a:rPr lang="en" sz="2000" dirty="0"/>
+              <a:t>dimension is relatively easy compared to scaling along </a:t>
+            </a:r>
+            <a:r>
+              <a:rPr lang="en-US" sz="2000" dirty="0"/>
+              <a:t>&gt;1 </a:t>
+            </a:r>
+            <a:r>
+              <a:rPr lang="en" sz="2000" dirty="0" smtClean="0"/>
+              <a:t>dimensions</a:t>
+            </a:r>
+            <a:endParaRPr lang="en-US" sz="2000" dirty="0"/>
+          </a:p>
+          <a:p>
+            <a:pPr marL="457200" indent="-381000">
+              <a:lnSpc>
+                <a:spcPct val="90000"/>
+              </a:lnSpc>
+              <a:spcAft>
+                <a:spcPts val="1000"/>
+              </a:spcAft>
+            </a:pPr>
+            <a:r>
+              <a:rPr lang="en-US" dirty="0" smtClean="0"/>
+              <a:t>Distributed Computing Applications</a:t>
+            </a:r>
+            <a:r>
+              <a:rPr lang="en-US" dirty="0"/>
+              <a:t>:</a:t>
+            </a:r>
+          </a:p>
+          <a:p>
+            <a:pPr lvl="1">
+              <a:lnSpc>
+                <a:spcPct val="90000"/>
+              </a:lnSpc>
+            </a:pPr>
+            <a:r>
+              <a:rPr lang="en" sz="2000" dirty="0"/>
+              <a:t>When and how to distribute</a:t>
+            </a:r>
+            <a:r>
+              <a:rPr lang="en-US" sz="2000" dirty="0"/>
+              <a:t>? What and where to distribute</a:t>
+            </a:r>
+            <a:r>
+              <a:rPr lang="en-US" sz="2000" dirty="0" smtClean="0"/>
+              <a:t>?</a:t>
+            </a:r>
+          </a:p>
+          <a:p>
+            <a:pPr lvl="1">
+              <a:lnSpc>
+                <a:spcPct val="90000"/>
+              </a:lnSpc>
+            </a:pPr>
+            <a:r>
+              <a:rPr lang="en-US" sz="2000" dirty="0" smtClean="0"/>
+              <a:t>Manage transition from static to adaptive </a:t>
+            </a:r>
+            <a:r>
+              <a:rPr lang="en-US" sz="2000" dirty="0"/>
+              <a:t>a</a:t>
+            </a:r>
+            <a:r>
+              <a:rPr lang="en-US" sz="2000" dirty="0" smtClean="0"/>
+              <a:t>pplications</a:t>
+            </a:r>
+            <a:endParaRPr lang="en-US" sz="2000" dirty="0"/>
+          </a:p>
+          <a:p>
+            <a:pPr marL="457200" lvl="1" indent="0">
+              <a:lnSpc>
+                <a:spcPct val="90000"/>
+              </a:lnSpc>
+              <a:buNone/>
+            </a:pPr>
+            <a:endParaRPr lang="en-US" sz="2000" dirty="0">
+              <a:solidFill>
+                <a:srgbClr val="606060"/>
+              </a:solidFill>
+            </a:endParaRPr>
+          </a:p>
+        </p:txBody>
+      </p:sp>
+    </p:spTree>
+    <p:extLst>
+      <p:ext uri="{BB962C8B-B14F-4D97-AF65-F5344CB8AC3E}">
+        <p14:creationId xmlns:p14="http://schemas.microsoft.com/office/powerpoint/2010/main" val="2695932540"/>
+      </p:ext>
+    </p:extLst>
+  </p:cSld>
+  <p:clrMapOvr>
+    <a:masterClrMapping/>
+  </p:clrMapOvr>
+  <p:transition xmlns:p14="http://schemas.microsoft.com/office/powerpoint/2010/main" spd="slow">
+    <p:cut/>
+  </p:transition>
+  <p:timing>
+    <p:tnLst>
+      <p:par>
+        <p:cTn xmlns:p14="http://schemas.microsoft.com/office/powerpoint/2010/main" id="1" dur="indefinite" restart="never" nodeType="tmRoot"/>
+      </p:par>
+    </p:tnLst>
+  </p:timing>
 </p:sld>
 </file>
 
@@ -5637,79 +6476,126 @@
           </a:bodyPr>
           <a:lstStyle/>
           <a:p>
-            <a:r>
-              <a:rPr lang="en" dirty="0"/>
-              <a:t>Promise of </a:t>
-            </a:r>
-            <a:r>
-              <a:rPr lang="en-US" dirty="0"/>
-              <a:t>s</a:t>
-            </a:r>
-            <a:r>
-              <a:rPr lang="en" dirty="0"/>
-              <a:t>cale or Illusion of </a:t>
-            </a:r>
-            <a:r>
-              <a:rPr lang="en-US" dirty="0"/>
-              <a:t>s</a:t>
-            </a:r>
-            <a:r>
-              <a:rPr lang="en" dirty="0"/>
-              <a:t>cale</a:t>
-            </a:r>
-            <a:r>
-              <a:rPr lang="en-US" dirty="0"/>
-              <a:t>? </a:t>
-            </a:r>
-          </a:p>
-          <a:p>
-            <a:pPr lvl="1"/>
-            <a:r>
-              <a:rPr lang="en-US" sz="2000" dirty="0"/>
-              <a:t>We are at extreme scale today with respect to 2001</a:t>
-            </a:r>
-            <a:r>
-              <a:rPr lang="en-US" sz="2000" dirty="0" smtClean="0"/>
-              <a:t>!</a:t>
-            </a:r>
-          </a:p>
-          <a:p>
-            <a:r>
-              <a:rPr lang="en-US" dirty="0" smtClean="0"/>
-              <a:t>Distributed </a:t>
-            </a:r>
-            <a:r>
-              <a:rPr lang="en-US" dirty="0" smtClean="0"/>
-              <a:t>Computing </a:t>
-            </a:r>
-            <a:r>
-              <a:rPr lang="en-US" dirty="0" smtClean="0"/>
-              <a:t>Infrastructure (DCI)</a:t>
-            </a:r>
-            <a:endParaRPr lang="en-US" dirty="0" smtClean="0"/>
-          </a:p>
-          <a:p>
-            <a:pPr marL="635001" lvl="2" indent="-227013">
+            <a:pPr marL="227013" lvl="1" indent="-227013">
+              <a:lnSpc>
+                <a:spcPct val="90000"/>
+              </a:lnSpc>
               <a:spcBef>
                 <a:spcPts val="1200"/>
               </a:spcBef>
-            </a:pPr>
-            <a:r>
-              <a:rPr lang="en-US" sz="2000" dirty="0" smtClean="0"/>
-              <a:t>In </a:t>
-            </a:r>
-            <a:r>
-              <a:rPr lang="en-US" sz="2000" dirty="0"/>
-              <a:t>the past 12 years we have seen the emergence of the first sustainable production distributed computing infrastructure (DCI)</a:t>
+              <a:buFontTx/>
+              <a:buChar char="•"/>
+            </a:pPr>
+            <a:r>
+              <a:rPr lang="en-US" sz="2000" dirty="0">
+                <a:solidFill>
+                  <a:schemeClr val="tx1"/>
+                </a:solidFill>
+              </a:rPr>
+              <a:t>We are at extreme scale today with respect to 2001</a:t>
+            </a:r>
+            <a:r>
+              <a:rPr lang="en-US" sz="2000" dirty="0" smtClean="0">
+                <a:solidFill>
+                  <a:schemeClr val="tx1"/>
+                </a:solidFill>
+              </a:rPr>
+              <a:t>!</a:t>
             </a:r>
           </a:p>
           <a:p>
             <a:pPr marL="635001" lvl="2" indent="-227013">
+              <a:lnSpc>
+                <a:spcPct val="90000"/>
+              </a:lnSpc>
               <a:spcBef>
                 <a:spcPts val="1200"/>
               </a:spcBef>
             </a:pPr>
             <a:r>
+              <a:rPr lang="en" sz="2000" dirty="0" smtClean="0"/>
+              <a:t>Promise </a:t>
+            </a:r>
+            <a:r>
+              <a:rPr lang="en" sz="2000" dirty="0"/>
+              <a:t>of </a:t>
+            </a:r>
+            <a:r>
+              <a:rPr lang="en-US" sz="2000" dirty="0" smtClean="0"/>
+              <a:t>s</a:t>
+            </a:r>
+            <a:r>
+              <a:rPr lang="en" sz="2000" dirty="0" smtClean="0"/>
+              <a:t>cal</a:t>
+            </a:r>
+            <a:r>
+              <a:rPr lang="en-US" sz="2000" dirty="0" smtClean="0"/>
+              <a:t>e? </a:t>
+            </a:r>
+            <a:r>
+              <a:rPr lang="en" sz="2000" dirty="0" smtClean="0"/>
+              <a:t>or </a:t>
+            </a:r>
+            <a:r>
+              <a:rPr lang="en" sz="2000" dirty="0"/>
+              <a:t>Illusion of </a:t>
+            </a:r>
+            <a:r>
+              <a:rPr lang="en-US" sz="2000" dirty="0"/>
+              <a:t>s</a:t>
+            </a:r>
+            <a:r>
+              <a:rPr lang="en" sz="2000" dirty="0"/>
+              <a:t>cale</a:t>
+            </a:r>
+            <a:r>
+              <a:rPr lang="en-US" sz="2000" dirty="0"/>
+              <a:t>? </a:t>
+            </a:r>
+          </a:p>
+          <a:p>
+            <a:pPr>
+              <a:lnSpc>
+                <a:spcPct val="90000"/>
+              </a:lnSpc>
+            </a:pPr>
+            <a:r>
+              <a:rPr lang="en-US" dirty="0" smtClean="0"/>
+              <a:t>Distributed </a:t>
+            </a:r>
+            <a:r>
+              <a:rPr lang="en-US" dirty="0" smtClean="0"/>
+              <a:t>Computing Infrastructure (DCI)</a:t>
+            </a:r>
+          </a:p>
+          <a:p>
+            <a:pPr marL="635001" lvl="2" indent="-227013">
+              <a:lnSpc>
+                <a:spcPct val="90000"/>
+              </a:lnSpc>
+              <a:spcBef>
+                <a:spcPts val="1200"/>
+              </a:spcBef>
+            </a:pPr>
+            <a:r>
+              <a:rPr lang="en-US" sz="2000" dirty="0" smtClean="0"/>
+              <a:t>In </a:t>
+            </a:r>
+            <a:r>
+              <a:rPr lang="en-US" sz="2000" dirty="0"/>
+              <a:t>the past 12 years we have seen the emergence of the first sustainable production distributed computing infrastructure (DCI)</a:t>
+            </a:r>
+          </a:p>
+          <a:p>
+            <a:pPr marL="635001" lvl="2" indent="-227013">
+              <a:lnSpc>
+                <a:spcPct val="90000"/>
+              </a:lnSpc>
+              <a:spcBef>
+                <a:spcPts val="1200"/>
+              </a:spcBef>
+            </a:pPr>
+            <a:r>
               <a:rPr lang="en-US" sz="2000" dirty="0" smtClean="0">
                 <a:latin typeface="Arial" charset="0"/>
                 <a:ea typeface="ＭＳ Ｐゴシック" charset="0"/>
@@ -5746,7 +6632,59 @@
             </a:r>
           </a:p>
           <a:p>
+            <a:pPr marL="1144588" lvl="3" indent="-227013">
+              <a:lnSpc>
+                <a:spcPct val="90000"/>
+              </a:lnSpc>
+              <a:spcBef>
+                <a:spcPts val="1200"/>
+              </a:spcBef>
+            </a:pPr>
+            <a:r>
+              <a:rPr lang="en-US" sz="2000" dirty="0" smtClean="0">
+                <a:latin typeface="Arial" charset="0"/>
+                <a:ea typeface="ＭＳ Ｐゴシック" charset="0"/>
+              </a:rPr>
+              <a:t>Macroscopic (or </a:t>
+            </a:r>
+            <a:r>
+              <a:rPr lang="en-US" sz="2000" dirty="0" err="1" smtClean="0">
+                <a:latin typeface="Arial" charset="0"/>
+                <a:ea typeface="ＭＳ Ｐゴシック" charset="0"/>
+              </a:rPr>
+              <a:t>mesoscopic</a:t>
+            </a:r>
+            <a:r>
+              <a:rPr lang="en-US" sz="2000" dirty="0" smtClean="0">
+                <a:latin typeface="Arial" charset="0"/>
+                <a:ea typeface="ＭＳ Ｐゴシック" charset="0"/>
+              </a:rPr>
+              <a:t>) </a:t>
+            </a:r>
+            <a:r>
+              <a:rPr lang="en-US" sz="2000" dirty="0" err="1" smtClean="0">
+                <a:latin typeface="Arial" charset="0"/>
+                <a:ea typeface="ＭＳ Ｐゴシック" charset="0"/>
+              </a:rPr>
+              <a:t>vs</a:t>
+            </a:r>
+            <a:r>
+              <a:rPr lang="en-US" sz="2000" dirty="0" smtClean="0">
+                <a:latin typeface="Arial" charset="0"/>
+                <a:ea typeface="ＭＳ Ｐゴシック" charset="0"/>
+              </a:rPr>
+              <a:t> microscopic theory of systems!</a:t>
+            </a:r>
+            <a:endParaRPr lang="en-US" sz="2000" dirty="0" smtClean="0">
+              <a:latin typeface="Arial" charset="0"/>
+              <a:ea typeface="ＭＳ Ｐゴシック" charset="0"/>
+            </a:endParaRPr>
+          </a:p>
+          <a:p>
             <a:pPr marL="342900" lvl="1" indent="-342900">
+              <a:lnSpc>
+                <a:spcPct val="90000"/>
+              </a:lnSpc>
               <a:spcBef>
                 <a:spcPts val="1200"/>
               </a:spcBef>
@@ -5761,14 +6699,12 @@
               </a:rPr>
               <a:t>Distributed Computing Applications (DCA)</a:t>
             </a:r>
-            <a:endParaRPr lang="en-US" sz="2000" dirty="0" smtClean="0">
-              <a:solidFill>
-                <a:schemeClr val="tx1"/>
-              </a:solidFill>
-            </a:endParaRPr>
           </a:p>
           <a:p>
             <a:pPr marL="750888" lvl="2" indent="-342900">
+              <a:lnSpc>
+                <a:spcPct val="90000"/>
+              </a:lnSpc>
               <a:spcBef>
                 <a:spcPts val="1200"/>
               </a:spcBef>
@@ -5782,6 +6718,9 @@
           </a:p>
           <a:p>
             <a:pPr marL="1144588" lvl="3" indent="-227013">
+              <a:lnSpc>
+                <a:spcPct val="90000"/>
+              </a:lnSpc>
               <a:spcBef>
                 <a:spcPts val="1200"/>
               </a:spcBef>
@@ -5801,6 +6740,9 @@
           </a:p>
           <a:p>
             <a:pPr marL="635001" lvl="2" indent="-227013">
+              <a:lnSpc>
+                <a:spcPct val="90000"/>
+              </a:lnSpc>
               <a:spcBef>
                 <a:spcPts val="1200"/>
               </a:spcBef>
@@ -5816,6 +6758,9 @@
           </a:p>
           <a:p>
             <a:pPr marL="1144588" lvl="3" indent="-227013">
+              <a:lnSpc>
+                <a:spcPct val="90000"/>
+              </a:lnSpc>
               <a:spcBef>
                 <a:spcPts val="1200"/>
               </a:spcBef>
@@ -5836,6 +6781,9 @@
           </a:p>
           <a:p>
             <a:pPr marL="1144588" lvl="3" indent="-227013">
+              <a:lnSpc>
+                <a:spcPct val="90000"/>
+              </a:lnSpc>
               <a:spcBef>
                 <a:spcPts val="1200"/>
               </a:spcBef>
@@ -5868,6 +6816,13 @@
   <p:transition xmlns:p14="http://schemas.microsoft.com/office/powerpoint/2010/main" spd="slow">
     <p:cut/>
   </p:transition>
+  <p:timing>
+    <p:tnLst>
+      <p:par>
+        <p:cTn xmlns:p14="http://schemas.microsoft.com/office/powerpoint/2010/main" id="1" dur="indefinite" restart="never" nodeType="tmRoot"/>
+      </p:par>
+    </p:tnLst>
+  </p:timing>
 </p:sld>
 </file>
 
@@ -5899,6 +6854,10 @@
           </p:nvPr>
         </p:nvSpPr>
         <p:spPr>
+          <a:xfrm>
+            <a:off x="282231" y="75986"/>
+            <a:ext cx="8597177" cy="690291"/>
+          </a:xfrm>
           <a:prstGeom prst="rect">
             <a:avLst/>
           </a:prstGeom>
@@ -5938,7 +6897,7 @@
         </p:nvSpPr>
         <p:spPr>
           <a:xfrm>
-            <a:off x="407988" y="808038"/>
+            <a:off x="297548" y="808038"/>
             <a:ext cx="8736012" cy="5268912"/>
           </a:xfrm>
           <a:prstGeom prst="rect">
@@ -5989,15 +6948,7 @@
                 <a:ea typeface="ＭＳ Ｐゴシック" charset="0"/>
                 <a:cs typeface="ＭＳ Ｐゴシック" charset="0"/>
               </a:rPr>
-              <a:t>developing </a:t>
-            </a:r>
-            <a:r>
-              <a:rPr lang="en-US" dirty="0" smtClean="0">
-                <a:latin typeface="Arial" charset="0"/>
-                <a:ea typeface="ＭＳ Ｐゴシック" charset="0"/>
-                <a:cs typeface="ＭＳ Ｐゴシック" charset="0"/>
-              </a:rPr>
-              <a:t>DCA </a:t>
+              <a:t>developing DCA </a:t>
             </a:r>
             <a:r>
               <a:rPr lang="en-US" dirty="0">
@@ -6045,32 +6996,181 @@
               <a:t>jobs; </a:t>
             </a:r>
             <a:r>
+              <a:rPr lang="en-US" sz="2000" dirty="0">
+                <a:latin typeface="Arial" charset="0"/>
+                <a:ea typeface="ＭＳ Ｐゴシック" charset="0"/>
+              </a:rPr>
+              <a:t>c</a:t>
+            </a:r>
+            <a:r>
+              <a:rPr lang="en-US" sz="2000" dirty="0" smtClean="0">
+                <a:latin typeface="Arial" charset="0"/>
+                <a:ea typeface="ＭＳ Ｐゴシック" charset="0"/>
+              </a:rPr>
+              <a:t>oordination </a:t>
+            </a:r>
+            <a:r>
+              <a:rPr lang="en-US" sz="2000" dirty="0">
+                <a:latin typeface="Arial" charset="0"/>
+                <a:ea typeface="ＭＳ Ｐゴシック" charset="0"/>
+              </a:rPr>
+              <a:t>of different </a:t>
+            </a:r>
+            <a:r>
+              <a:rPr lang="en-US" sz="2000" dirty="0" smtClean="0">
+                <a:latin typeface="Arial" charset="0"/>
+                <a:ea typeface="ＭＳ Ｐゴシック" charset="0"/>
+              </a:rPr>
+              <a:t>components</a:t>
+            </a:r>
+            <a:endParaRPr lang="en-US" sz="2000" dirty="0">
+              <a:latin typeface="Arial" charset="0"/>
+              <a:ea typeface="ＭＳ Ｐゴシック" charset="0"/>
+              <a:cs typeface="ＭＳ Ｐゴシック" charset="0"/>
+            </a:endParaRPr>
+          </a:p>
+          <a:p>
+            <a:pPr marL="800100" lvl="1" indent="-342900"/>
+            <a:r>
+              <a:rPr lang="en-US" sz="2000" dirty="0" smtClean="0">
+                <a:latin typeface="Arial" charset="0"/>
+                <a:ea typeface="ＭＳ Ｐゴシック" charset="0"/>
+              </a:rPr>
+              <a:t>Inconsistent and incomplete tools for deployment and </a:t>
+            </a:r>
+            <a:r>
+              <a:rPr lang="en-US" sz="2000" dirty="0" smtClean="0">
+                <a:latin typeface="Arial" charset="0"/>
+                <a:ea typeface="ＭＳ Ｐゴシック" charset="0"/>
+              </a:rPr>
+              <a:t>execution</a:t>
+            </a:r>
+            <a:endParaRPr lang="en-US" sz="2000" dirty="0" smtClean="0">
+              <a:latin typeface="Arial" charset="0"/>
+              <a:ea typeface="ＭＳ Ｐゴシック" charset="0"/>
+            </a:endParaRPr>
+          </a:p>
+          <a:p>
+            <a:pPr marL="458788" indent="-457200"/>
+            <a:r>
+              <a:rPr lang="en-US" dirty="0" smtClean="0">
+                <a:latin typeface="Arial" charset="0"/>
+                <a:ea typeface="ＭＳ Ｐゴシック" charset="0"/>
+                <a:cs typeface="ＭＳ Ｐゴシック" charset="0"/>
+              </a:rPr>
+              <a:t>DCI </a:t>
+            </a:r>
+            <a:r>
+              <a:rPr lang="en-US" dirty="0" smtClean="0">
+                <a:latin typeface="Arial" charset="0"/>
+                <a:ea typeface="ＭＳ Ｐゴシック" charset="0"/>
+                <a:cs typeface="ＭＳ Ｐゴシック" charset="0"/>
+              </a:rPr>
+              <a:t>software </a:t>
+            </a:r>
+            <a:r>
+              <a:rPr lang="en-US" dirty="0" smtClean="0">
+                <a:latin typeface="Arial" charset="0"/>
+                <a:ea typeface="ＭＳ Ｐゴシック" charset="0"/>
+                <a:cs typeface="ＭＳ Ｐゴシック" charset="0"/>
+              </a:rPr>
+              <a:t>environment is complex and fragile</a:t>
+            </a:r>
+          </a:p>
+          <a:p>
+            <a:pPr lvl="1"/>
+            <a:r>
+              <a:rPr lang="en-US" sz="2000" dirty="0" smtClean="0">
+                <a:latin typeface="Arial" charset="0"/>
+                <a:ea typeface="ＭＳ Ｐゴシック" charset="0"/>
+              </a:rPr>
+              <a:t>Middleware functionality and semantics, heterogeneous software </a:t>
+            </a:r>
+            <a:r>
+              <a:rPr lang="en-US" sz="2000" dirty="0" smtClean="0">
+                <a:latin typeface="Arial" charset="0"/>
+                <a:ea typeface="ＭＳ Ｐゴシック" charset="0"/>
+              </a:rPr>
+              <a:t>access </a:t>
+            </a:r>
+            <a:r>
+              <a:rPr lang="en-US" sz="2000" dirty="0" smtClean="0">
+                <a:latin typeface="Arial" charset="0"/>
+                <a:ea typeface="ＭＳ Ｐゴシック" charset="0"/>
+              </a:rPr>
+              <a:t>layer</a:t>
+            </a:r>
+            <a:endParaRPr lang="en-US" sz="2000" dirty="0" smtClean="0">
+              <a:latin typeface="Arial" charset="0"/>
+              <a:ea typeface="ＭＳ Ｐゴシック" charset="0"/>
+            </a:endParaRPr>
+          </a:p>
+          <a:p>
+            <a:pPr lvl="1"/>
+            <a:r>
+              <a:rPr lang="en-US" sz="2000" dirty="0" smtClean="0">
+                <a:latin typeface="Arial" charset="0"/>
+                <a:ea typeface="ＭＳ Ｐゴシック" charset="0"/>
+              </a:rPr>
+              <a:t>Difficult to integrate </a:t>
+            </a:r>
+            <a:r>
+              <a:rPr lang="en-US" sz="2000" dirty="0" smtClean="0">
+                <a:latin typeface="Arial" charset="0"/>
+                <a:ea typeface="ＭＳ Ｐゴシック" charset="0"/>
+              </a:rPr>
+              <a:t>services</a:t>
+            </a:r>
+            <a:r>
+              <a:rPr lang="en-US" sz="2000" dirty="0">
+                <a:latin typeface="Arial" charset="0"/>
+                <a:ea typeface="ＭＳ Ｐゴシック" charset="0"/>
+              </a:rPr>
+              <a:t> </a:t>
+            </a:r>
+            <a:r>
+              <a:rPr lang="en-US" sz="2000" dirty="0" smtClean="0">
+                <a:latin typeface="Arial" charset="0"/>
+                <a:ea typeface="ＭＳ Ｐゴシック" charset="0"/>
+              </a:rPr>
+              <a:t>and </a:t>
+            </a:r>
+            <a:r>
+              <a:rPr lang="en-US" sz="2000" dirty="0" smtClean="0">
+                <a:latin typeface="Arial" charset="0"/>
+                <a:ea typeface="ＭＳ Ｐゴシック" charset="0"/>
+              </a:rPr>
+              <a:t>extend tools</a:t>
+            </a:r>
+            <a:endParaRPr lang="en-US" sz="2000" dirty="0" smtClean="0">
+              <a:latin typeface="Arial" charset="0"/>
+              <a:ea typeface="ＭＳ Ｐゴシック" charset="0"/>
+            </a:endParaRPr>
+          </a:p>
+          <a:p>
+            <a:r>
+              <a:rPr lang="en-US" dirty="0" smtClean="0">
+                <a:latin typeface="Arial" charset="0"/>
+                <a:ea typeface="ＭＳ Ｐゴシック" charset="0"/>
+                <a:cs typeface="ＭＳ Ｐゴシック" charset="0"/>
+              </a:rPr>
+              <a:t>There </a:t>
+            </a:r>
+            <a:r>
               <a:rPr lang="en-US" dirty="0">
                 <a:latin typeface="Arial" charset="0"/>
                 <a:ea typeface="ＭＳ Ｐゴシック" charset="0"/>
-              </a:rPr>
-              <a:t>c</a:t>
+                <a:cs typeface="ＭＳ Ｐゴシック" charset="0"/>
+              </a:rPr>
+              <a:t>are missing </a:t>
             </a:r>
             <a:r>
               <a:rPr lang="en-US" dirty="0" smtClean="0">
                 <a:latin typeface="Arial" charset="0"/>
                 <a:ea typeface="ＭＳ Ｐゴシック" charset="0"/>
-              </a:rPr>
-              <a:t>oordination </a:t>
-            </a:r>
-            <a:r>
-              <a:rPr lang="en-US" dirty="0">
-                <a:latin typeface="Arial" charset="0"/>
-                <a:ea typeface="ＭＳ Ｐゴシック" charset="0"/>
-              </a:rPr>
-              <a:t>of different </a:t>
-            </a:r>
-            <a:r>
-              <a:rPr lang="en-US" dirty="0" smtClean="0">
-                <a:latin typeface="Arial" charset="0"/>
-                <a:ea typeface="ＭＳ Ｐゴシック" charset="0"/>
-              </a:rPr>
-              <a:t>components</a:t>
+                <a:cs typeface="ＭＳ Ｐゴシック" charset="0"/>
+              </a:rPr>
+              <a:t>abstractions</a:t>
             </a:r>
             <a:endParaRPr lang="en-US" dirty="0">
               <a:latin typeface="Arial" charset="0"/>
@@ -6085,133 +7185,58 @@
                 <a:latin typeface="Arial" charset="0"/>
                 <a:ea typeface="ＭＳ Ｐゴシック" charset="0"/>
               </a:rPr>
-              <a:t>Inconsistent and incomplete tools for deployment and execution</a:t>
-            </a:r>
-          </a:p>
-          <a:p>
-            <a:pPr marL="457200" lvl="1" indent="0">
-              <a:buNone/>
-            </a:pPr>
+              <a:t>Conceptual abstractions that enable reasoning</a:t>
+            </a:r>
+          </a:p>
+          <a:p>
+            <a:pPr marL="1208088" lvl="2" indent="-342900"/>
+            <a:r>
+              <a:rPr lang="en-US" sz="2000" dirty="0">
+                <a:latin typeface="Arial" charset="0"/>
+                <a:ea typeface="ＭＳ Ｐゴシック" charset="0"/>
+              </a:rPr>
+              <a:t>The ability to reason – distributed performance, decomposition or aggregation (application and system), trade-</a:t>
+            </a:r>
+            <a:r>
+              <a:rPr lang="en-US" sz="2000" dirty="0" smtClean="0">
+                <a:latin typeface="Arial" charset="0"/>
+                <a:ea typeface="ＭＳ Ｐゴシック" charset="0"/>
+              </a:rPr>
+              <a:t>offs </a:t>
+            </a:r>
+            <a:r>
+              <a:rPr lang="en-US" sz="2000" dirty="0" err="1" smtClean="0">
+                <a:latin typeface="Arial" charset="0"/>
+                <a:ea typeface="ＭＳ Ｐゴシック" charset="0"/>
+              </a:rPr>
+              <a:t>etc</a:t>
+            </a:r>
             <a:endParaRPr lang="en-US" sz="2000" dirty="0" smtClean="0">
               <a:latin typeface="Arial" charset="0"/>
               <a:ea typeface="ＭＳ Ｐゴシック" charset="0"/>
             </a:endParaRPr>
           </a:p>
           <a:p>
-            <a:pPr marL="458788" indent="-457200"/>
-            <a:r>
-              <a:rPr lang="en-US" dirty="0" smtClean="0">
-                <a:latin typeface="Arial" charset="0"/>
-                <a:ea typeface="ＭＳ Ｐゴシック" charset="0"/>
-                <a:cs typeface="ＭＳ Ｐゴシック" charset="0"/>
-              </a:rPr>
-              <a:t>DCI Software environment is complex and fragile</a:t>
-            </a:r>
-          </a:p>
-          <a:p>
-            <a:pPr lvl="1"/>
+            <a:pPr marL="800100" lvl="1" indent="-342900"/>
             <a:r>
               <a:rPr lang="en-US" sz="2000" dirty="0" smtClean="0">
                 <a:latin typeface="Arial" charset="0"/>
                 <a:ea typeface="ＭＳ Ｐゴシック" charset="0"/>
               </a:rPr>
-              <a:t>Middleware: Heterogeneous software, access layer and semantics</a:t>
-            </a:r>
-          </a:p>
-          <a:p>
-            <a:pPr lvl="1"/>
-            <a:r>
-              <a:rPr lang="en-US" sz="2000" dirty="0" smtClean="0">
-                <a:latin typeface="Arial" charset="0"/>
-                <a:ea typeface="ＭＳ Ｐゴシック" charset="0"/>
-              </a:rPr>
-              <a:t>Difficult to integrate services, extend tools</a:t>
-            </a:r>
-          </a:p>
-          <a:p>
-            <a:pPr lvl="1"/>
+              <a:t>Implementation abstractions that enable effective engineering </a:t>
+            </a:r>
             <a:endParaRPr lang="en-US" sz="2000" dirty="0" smtClean="0">
               <a:latin typeface="Arial" charset="0"/>
               <a:ea typeface="ＭＳ Ｐゴシック" charset="0"/>
             </a:endParaRPr>
           </a:p>
           <a:p>
-            <a:r>
-              <a:rPr lang="en-US" dirty="0" smtClean="0">
-                <a:latin typeface="Arial" charset="0"/>
-                <a:ea typeface="ＭＳ Ｐゴシック" charset="0"/>
-                <a:cs typeface="ＭＳ Ｐゴシック" charset="0"/>
-              </a:rPr>
-              <a:t>There </a:t>
-            </a:r>
-            <a:r>
-              <a:rPr lang="en-US" dirty="0">
-                <a:latin typeface="Arial" charset="0"/>
-                <a:ea typeface="ＭＳ Ｐゴシック" charset="0"/>
-                <a:cs typeface="ＭＳ Ｐゴシック" charset="0"/>
-              </a:rPr>
-              <a:t>are missing abstractions and poor implementations</a:t>
-            </a:r>
-          </a:p>
-          <a:p>
-            <a:pPr marL="800100" lvl="1" indent="-342900"/>
-            <a:r>
-              <a:rPr lang="en-US" sz="2000" dirty="0" smtClean="0">
-                <a:latin typeface="Arial" charset="0"/>
-                <a:ea typeface="ＭＳ Ｐゴシック" charset="0"/>
-              </a:rPr>
-              <a:t>Conceptual and implementation abstractions</a:t>
-            </a:r>
-          </a:p>
-          <a:p>
-            <a:pPr marL="800100" lvl="1" indent="-342900"/>
-            <a:r>
-              <a:rPr lang="en-US" sz="2000" dirty="0" smtClean="0">
-                <a:latin typeface="Arial" charset="0"/>
-                <a:ea typeface="ＭＳ Ｐゴシック" charset="0"/>
-              </a:rPr>
-              <a:t>The </a:t>
-            </a:r>
-            <a:r>
-              <a:rPr lang="en-US" sz="2000" dirty="0">
-                <a:latin typeface="Arial" charset="0"/>
-                <a:ea typeface="ＭＳ Ｐゴシック" charset="0"/>
-              </a:rPr>
-              <a:t>ability to reason </a:t>
-            </a:r>
-            <a:r>
-              <a:rPr lang="en-US" sz="2000" dirty="0" smtClean="0">
-                <a:latin typeface="Arial" charset="0"/>
-                <a:ea typeface="ＭＳ Ｐゴシック" charset="0"/>
-              </a:rPr>
-              <a:t>– </a:t>
-            </a:r>
-            <a:r>
-              <a:rPr lang="en-US" sz="2000" dirty="0">
-                <a:latin typeface="Arial" charset="0"/>
-                <a:ea typeface="ＭＳ Ｐゴシック" charset="0"/>
-              </a:rPr>
-              <a:t>distributed performance, decomposition or </a:t>
-            </a:r>
-            <a:r>
-              <a:rPr lang="en-US" sz="2000" dirty="0" smtClean="0">
-                <a:latin typeface="Arial" charset="0"/>
-                <a:ea typeface="ＭＳ Ｐゴシック" charset="0"/>
-              </a:rPr>
-              <a:t>aggregation, is missing</a:t>
-            </a:r>
-            <a:endParaRPr lang="en-US" sz="2000" dirty="0">
-              <a:latin typeface="Arial" charset="0"/>
-              <a:ea typeface="ＭＳ Ｐゴシック" charset="0"/>
-            </a:endParaRPr>
-          </a:p>
-          <a:p>
             <a:pPr marL="1588" indent="0">
               <a:buNone/>
             </a:pPr>
             <a:r>
               <a:rPr lang="en-US" sz="1800" i="1" dirty="0" smtClean="0"/>
-              <a:t>Distributed </a:t>
+              <a:t>   Distributed </a:t>
             </a:r>
             <a:r>
               <a:rPr lang="en-US" sz="1800" i="1" dirty="0"/>
@@ -6252,6 +7277,13 @@
   <p:transition xmlns:p14="http://schemas.microsoft.com/office/powerpoint/2010/main" spd="slow">
     <p:cut/>
   </p:transition>
+  <p:timing>
+    <p:tnLst>
+      <p:par>
+        <p:cTn xmlns:p14="http://schemas.microsoft.com/office/powerpoint/2010/main" id="1" dur="indefinite" restart="never" nodeType="tmRoot"/>
+      </p:par>
+    </p:tnLst>
+  </p:timing>
 </p:sld>
 </file>
 
@@ -6381,7 +7413,23 @@
             </a:r>
             <a:r>
               <a:rPr lang="en-US" sz="2000" dirty="0"/>
-              <a:t>of reasoning and ability to calibrate performance </a:t>
+              <a:t>of </a:t>
+            </a:r>
+            <a:r>
+              <a:rPr lang="en-US" sz="2000" dirty="0" smtClean="0"/>
+              <a:t>reasoning and ability </a:t>
+            </a:r>
+            <a:r>
+              <a:rPr lang="en-US" sz="2000" dirty="0"/>
+              <a:t>to </a:t>
+            </a:r>
+            <a:r>
+              <a:rPr lang="en-US" sz="2000" dirty="0" smtClean="0"/>
+              <a:t>estimate/calibrate </a:t>
+            </a:r>
+            <a:r>
+              <a:rPr lang="en-US" sz="2000" dirty="0"/>
+              <a:t>performance </a:t>
             </a:r>
             <a:endParaRPr lang="en-US" sz="2000" dirty="0" smtClean="0"/>
           </a:p>
@@ -6409,7 +7457,11 @@
             </a:r>
             <a:r>
               <a:rPr lang="en-US" sz="2000" dirty="0" smtClean="0"/>
-              <a:t>that enable functional comparison individual </a:t>
+              <a:t>that enable functional comparison </a:t>
+            </a:r>
+            <a:r>
+              <a:rPr lang="en-US" sz="2000" dirty="0" smtClean="0"/>
+              <a:t>for individual </a:t>
             </a:r>
             <a:r>
               <a:rPr lang="en" sz="2000" i="1" dirty="0" smtClean="0"/>
@@ -6532,15 +7584,7 @@
             </a:r>
             <a:r>
               <a:rPr lang="en-US" sz="2000" i="1" dirty="0" smtClean="0"/>
-              <a:t> </a:t>
-            </a:r>
-            <a:r>
-              <a:rPr lang="en-US" sz="2000" i="1" dirty="0" smtClean="0"/>
-              <a:t>RADICAL/AIMES </a:t>
-            </a:r>
-            <a:r>
-              <a:rPr lang="en-US" sz="2000" i="1" dirty="0" smtClean="0"/>
-              <a:t>(</a:t>
+              <a:t> RADICAL/AIMES (</a:t>
             </a:r>
             <a:r>
               <a:rPr lang="en-US" sz="2000" i="1" dirty="0"/>
@@ -6579,6 +7623,13 @@
   <p:transition xmlns:p14="http://schemas.microsoft.com/office/powerpoint/2010/main" spd="slow">
     <p:cut/>
   </p:transition>
+  <p:timing>
+    <p:tnLst>
+      <p:par>
+        <p:cTn xmlns:p14="http://schemas.microsoft.com/office/powerpoint/2010/main" id="1" dur="indefinite" restart="never" nodeType="tmRoot"/>
+      </p:par>
+    </p:tnLst>
+  </p:timing>
 </p:sld>
 </file>
 
@@ -6674,7 +7725,7 @@
           <a:p>
             <a:pPr lvl="1"/>
             <a:r>
-              <a:rPr lang="en-US" dirty="0" smtClean="0">
+              <a:rPr lang="en-US" sz="2000" dirty="0" smtClean="0">
                 <a:solidFill>
                   <a:srgbClr val="606060"/>
                 </a:solidFill>
@@ -6685,39 +7736,63 @@
           <a:p>
             <a:pPr lvl="2"/>
             <a:r>
-              <a:rPr lang="en-US" dirty="0" smtClean="0">
+              <a:rPr lang="en-US" sz="2000" dirty="0" smtClean="0">
                 <a:solidFill>
                   <a:srgbClr val="606060"/>
                 </a:solidFill>
               </a:rPr>
-              <a:t>Same issues and challenges </a:t>
-            </a:r>
-            <a:r>
-              <a:rPr lang="en-US" dirty="0">
+              <a:t>Same </a:t>
+            </a:r>
+            <a:r>
+              <a:rPr lang="en-US" sz="2000" dirty="0" err="1" smtClean="0">
                 <a:solidFill>
                   <a:srgbClr val="606060"/>
                 </a:solidFill>
               </a:rPr>
+              <a:t>req</a:t>
+            </a:r>
+            <a:r>
+              <a:rPr lang="en-US" sz="2000" dirty="0" smtClean="0">
+                <a:solidFill>
+                  <a:srgbClr val="606060"/>
+                </a:solidFill>
+              </a:rPr>
+              <a:t> </a:t>
+            </a:r>
+            <a:r>
+              <a:rPr lang="en-US" sz="2000" dirty="0" smtClean="0">
+                <a:solidFill>
+                  <a:srgbClr val="606060"/>
+                </a:solidFill>
+              </a:rPr>
+              <a:t>and challenges </a:t>
+            </a:r>
+            <a:r>
+              <a:rPr lang="en-US" sz="2000" dirty="0">
+                <a:solidFill>
+                  <a:srgbClr val="606060"/>
+                </a:solidFill>
+              </a:rPr>
               <a:t>for </a:t>
             </a:r>
             <a:r>
-              <a:rPr lang="en-US" dirty="0" smtClean="0">
+              <a:rPr lang="en-US" sz="2000" dirty="0" smtClean="0">
                 <a:solidFill>
                   <a:srgbClr val="606060"/>
                 </a:solidFill>
               </a:rPr>
-              <a:t>DC </a:t>
-            </a:r>
-            <a:r>
-              <a:rPr lang="en-US" dirty="0">
+              <a:t>DC-2013</a:t>
+            </a:r>
+            <a:r>
+              <a:rPr lang="en-US" sz="2000" dirty="0">
                 <a:solidFill>
                   <a:srgbClr val="606060"/>
                 </a:solidFill>
               </a:rPr>
-              <a:t>in 2013, but increased scale</a:t>
-            </a:r>
-            <a:r>
-              <a:rPr lang="en-US" dirty="0" smtClean="0">
+              <a:t>, but increased scale</a:t>
+            </a:r>
+            <a:r>
+              <a:rPr lang="en-US" sz="2000" dirty="0" smtClean="0">
                 <a:solidFill>
                   <a:srgbClr val="606060"/>
                 </a:solidFill>
@@ -6728,14 +7803,14 @@
           <a:p>
             <a:pPr lvl="1"/>
             <a:r>
-              <a:rPr lang="en-US" dirty="0" smtClean="0">
+              <a:rPr lang="en-US" sz="2000" dirty="0" smtClean="0">
                 <a:solidFill>
                   <a:srgbClr val="606060"/>
                 </a:solidFill>
               </a:rPr>
               <a:t>If qualitatively new or different, how?</a:t>
             </a:r>
-            <a:endParaRPr lang="en-US" dirty="0">
+            <a:endParaRPr lang="en-US" sz="2000" dirty="0">
               <a:solidFill>
                 <a:srgbClr val="606060"/>
               </a:solidFill>
@@ -6754,15 +7829,12 @@
           </a:p>
           <a:p>
             <a:pPr lvl="1">
-              <a:lnSpc>
-                <a:spcPct val="115000"/>
-              </a:lnSpc>
               <a:spcBef>
                 <a:spcPts val="400"/>
               </a:spcBef>
             </a:pPr>
             <a:r>
-              <a:rPr lang="en-US" dirty="0" smtClean="0">
+              <a:rPr lang="en-US" sz="2000" dirty="0" smtClean="0">
                 <a:solidFill>
                   <a:schemeClr val="bg2">
                     <a:lumMod val="75000"/>
@@ -6772,156 +7844,86 @@
               <a:t>Functionally </a:t>
             </a:r>
             <a:r>
-              <a:rPr lang="en-US" dirty="0">
+              <a:rPr lang="en-US" sz="2000" dirty="0">
                 <a:solidFill>
                   <a:schemeClr val="bg2">
                     <a:lumMod val="75000"/>
                   </a:schemeClr>
                 </a:solidFill>
               </a:rPr>
-              <a:t>new components </a:t>
-            </a:r>
-            <a:r>
-              <a:rPr lang="en-US" dirty="0" smtClean="0">
+              <a:t>new </a:t>
+            </a:r>
+            <a:r>
+              <a:rPr lang="en-US" sz="2000" dirty="0" smtClean="0">
                 <a:solidFill>
                   <a:schemeClr val="bg2">
                     <a:lumMod val="75000"/>
                   </a:schemeClr>
                 </a:solidFill>
               </a:rPr>
-              <a:t>will be introduced but </a:t>
-            </a:r>
-            <a:r>
-              <a:rPr lang="en-US" dirty="0">
+              <a:t>components, </a:t>
+            </a:r>
+            <a:r>
+              <a:rPr lang="en-US" sz="2000" dirty="0" smtClean="0">
                 <a:solidFill>
                   <a:schemeClr val="bg2">
                     <a:lumMod val="75000"/>
                   </a:schemeClr>
                 </a:solidFill>
               </a:rPr>
-              <a:t>not drastically </a:t>
-            </a:r>
-            <a:r>
-              <a:rPr lang="en-US" dirty="0" smtClean="0">
+              <a:t>but </a:t>
+            </a:r>
+            <a:r>
+              <a:rPr lang="en-US" sz="2000" dirty="0">
                 <a:solidFill>
                   <a:schemeClr val="bg2">
                     <a:lumMod val="75000"/>
                   </a:schemeClr>
                 </a:solidFill>
               </a:rPr>
-              <a:t>different </a:t>
-            </a:r>
-            <a:r>
-              <a:rPr lang="en-US" dirty="0" smtClean="0">
+              <a:t>not drastically </a:t>
+            </a:r>
+            <a:r>
+              <a:rPr lang="en-US" sz="2000" dirty="0" smtClean="0">
                 <a:solidFill>
                   <a:schemeClr val="bg2">
                     <a:lumMod val="75000"/>
                   </a:schemeClr>
                 </a:solidFill>
               </a:rPr>
-              <a:t>from </a:t>
-            </a:r>
-            <a:r>
-              <a:rPr lang="en-US" dirty="0" smtClean="0">
+              <a:t>different from the current </a:t>
+            </a:r>
+            <a:r>
+              <a:rPr lang="en-US" sz="2000" dirty="0" smtClean="0">
                 <a:solidFill>
                   <a:schemeClr val="bg2">
                     <a:lumMod val="75000"/>
                   </a:schemeClr>
                 </a:solidFill>
               </a:rPr>
-              <a:t>the current ones – barring unpredictable breakthrough(s).</a:t>
-            </a:r>
-          </a:p>
-          <a:p>
-            <a:pPr lvl="1">
-              <a:lnSpc>
-                <a:spcPct val="115000"/>
-              </a:lnSpc>
-              <a:spcBef>
-                <a:spcPts val="400"/>
-              </a:spcBef>
-            </a:pPr>
-            <a:r>
-              <a:rPr lang="en-US" dirty="0" smtClean="0">
+              <a:t>ones (barring </a:t>
+            </a:r>
+            <a:r>
+              <a:rPr lang="en-US" sz="2000" dirty="0" smtClean="0">
                 <a:solidFill>
                   <a:schemeClr val="bg2">
                     <a:lumMod val="75000"/>
                   </a:schemeClr>
                 </a:solidFill>
               </a:rPr>
-              <a:t>Implementation and geographical </a:t>
-            </a:r>
-            <a:r>
-              <a:rPr lang="en-US" dirty="0">
+              <a:t>unpredictable breakthrough(s</a:t>
+            </a:r>
+            <a:r>
+              <a:rPr lang="en-US" sz="2000" dirty="0" smtClean="0">
                 <a:solidFill>
                   <a:schemeClr val="bg2">
                     <a:lumMod val="75000"/>
                   </a:schemeClr>
                 </a:solidFill>
               </a:rPr>
-              <a:t>heterogeneities</a:t>
-            </a:r>
-            <a:r>
-              <a:rPr lang="en" dirty="0" smtClean="0">
-                <a:solidFill>
-                  <a:schemeClr val="bg2">
-                    <a:lumMod val="75000"/>
-                  </a:schemeClr>
-                </a:solidFill>
-              </a:rPr>
-              <a:t> </a:t>
-            </a:r>
-            <a:r>
-              <a:rPr lang="en" dirty="0">
-                <a:solidFill>
-                  <a:schemeClr val="bg2">
-                    <a:lumMod val="75000"/>
-                  </a:schemeClr>
-                </a:solidFill>
-              </a:rPr>
-              <a:t>will </a:t>
-            </a:r>
-            <a:r>
-              <a:rPr lang="en" dirty="0" smtClean="0">
-                <a:solidFill>
-                  <a:schemeClr val="bg2">
-                    <a:lumMod val="75000"/>
-                  </a:schemeClr>
-                </a:solidFill>
-              </a:rPr>
-              <a:t>b</a:t>
-            </a:r>
-            <a:r>
-              <a:rPr lang="en-US" dirty="0" smtClean="0">
-                <a:solidFill>
-                  <a:schemeClr val="bg2">
-                    <a:lumMod val="75000"/>
-                  </a:schemeClr>
-                </a:solidFill>
-              </a:rPr>
-              <a:t>e increasingly</a:t>
-            </a:r>
-            <a:r>
-              <a:rPr lang="en" dirty="0" smtClean="0">
-                <a:solidFill>
-                  <a:schemeClr val="bg2">
-                    <a:lumMod val="75000"/>
-                  </a:schemeClr>
-                </a:solidFill>
-              </a:rPr>
-              <a:t> significan</a:t>
-            </a:r>
-            <a:r>
-              <a:rPr lang="en-US" dirty="0" smtClean="0">
-                <a:solidFill>
-                  <a:schemeClr val="bg2">
-                    <a:lumMod val="75000"/>
-                  </a:schemeClr>
-                </a:solidFill>
-              </a:rPr>
-              <a:t>t due to the evolution/increase </a:t>
-            </a:r>
-            <a:endParaRPr lang="en-US" dirty="0" smtClean="0">
+              <a:t>))?</a:t>
+            </a:r>
+            <a:endParaRPr lang="en-US" sz="2000" dirty="0" smtClean="0">
               <a:solidFill>
                 <a:schemeClr val="bg2">
                   <a:lumMod val="75000"/>
@@ -6931,15 +7933,12 @@
           </a:p>
           <a:p>
             <a:pPr lvl="1">
-              <a:lnSpc>
-                <a:spcPct val="115000"/>
-              </a:lnSpc>
               <a:spcBef>
                 <a:spcPts val="400"/>
               </a:spcBef>
             </a:pPr>
             <a:r>
-              <a:rPr lang="en-US" dirty="0" smtClean="0">
+              <a:rPr lang="en-US" sz="2000" dirty="0" smtClean="0">
                 <a:solidFill>
                   <a:schemeClr val="bg2">
                     <a:lumMod val="75000"/>
@@ -6949,7 +7948,7 @@
               <a:t>Compute</a:t>
             </a:r>
             <a:r>
-              <a:rPr lang="en-US" dirty="0" smtClean="0">
+              <a:rPr lang="en-US" sz="2000" dirty="0" smtClean="0">
                 <a:solidFill>
                   <a:schemeClr val="bg2">
                     <a:lumMod val="75000"/>
@@ -6959,46 +7958,173 @@
               <a:t>, data and network u</a:t>
             </a:r>
             <a:r>
-              <a:rPr lang="en" dirty="0" smtClean="0">
+              <a:rPr lang="en" sz="2000" dirty="0" smtClean="0">
                 <a:solidFill>
                   <a:schemeClr val="bg2">
                     <a:lumMod val="75000"/>
                   </a:schemeClr>
                 </a:solidFill>
               </a:rPr>
-              <a:t>nits will scale </a:t>
-            </a:r>
-            <a:r>
-              <a:rPr lang="en-US" dirty="0" smtClean="0">
+              <a:t>nits will </a:t>
+            </a:r>
+            <a:r>
+              <a:rPr lang="en" sz="2000" dirty="0" smtClean="0">
                 <a:solidFill>
                   <a:schemeClr val="bg2">
                     <a:lumMod val="75000"/>
                   </a:schemeClr>
                 </a:solidFill>
               </a:rPr>
-              <a:t>but </a:t>
-            </a:r>
-            <a:r>
-              <a:rPr lang="en" dirty="0" smtClean="0">
+              <a:t>scale</a:t>
+            </a:r>
+            <a:r>
+              <a:rPr lang="en-US" sz="2000" dirty="0" smtClean="0">
                 <a:solidFill>
                   <a:schemeClr val="bg2">
                     <a:lumMod val="75000"/>
                   </a:schemeClr>
                 </a:solidFill>
               </a:rPr>
-              <a:t>along predictable line</a:t>
-            </a:r>
-            <a:r>
-              <a:rPr lang="en-US" dirty="0" smtClean="0">
+              <a:t> </a:t>
+            </a:r>
+            <a:r>
+              <a:rPr lang="en" sz="2000" dirty="0" smtClean="0">
                 <a:solidFill>
                   <a:schemeClr val="bg2">
                     <a:lumMod val="75000"/>
                   </a:schemeClr>
                 </a:solidFill>
               </a:rPr>
-              <a:t>s.</a:t>
-            </a:r>
-            <a:endParaRPr lang="en-US" sz="1800" dirty="0" smtClean="0">
+              <a:t>along predictable </a:t>
+            </a:r>
+            <a:r>
+              <a:rPr lang="en" sz="2000" dirty="0" smtClean="0">
+                <a:solidFill>
+                  <a:schemeClr val="bg2">
+                    <a:lumMod val="75000"/>
+                  </a:schemeClr>
+                </a:solidFill>
+              </a:rPr>
+              <a:t>line</a:t>
+            </a:r>
+            <a:r>
+              <a:rPr lang="en-US" sz="2000" dirty="0" smtClean="0">
+                <a:solidFill>
+                  <a:schemeClr val="bg2">
+                    <a:lumMod val="75000"/>
+                  </a:schemeClr>
+                </a:solidFill>
+              </a:rPr>
+              <a:t>s</a:t>
+            </a:r>
+          </a:p>
+          <a:p>
+            <a:pPr lvl="1">
+              <a:spcBef>
+                <a:spcPts val="400"/>
+              </a:spcBef>
+            </a:pPr>
+            <a:r>
+              <a:rPr lang="en-US" sz="2000" dirty="0" smtClean="0">
+                <a:solidFill>
+                  <a:schemeClr val="bg2">
+                    <a:lumMod val="75000"/>
+                  </a:schemeClr>
+                </a:solidFill>
+              </a:rPr>
+              <a:t>Mostly smooth transition as scaled-up, but implementation </a:t>
+            </a:r>
+            <a:r>
+              <a:rPr lang="en-US" sz="2000" dirty="0">
+                <a:solidFill>
+                  <a:schemeClr val="bg2">
+                    <a:lumMod val="75000"/>
+                  </a:schemeClr>
+                </a:solidFill>
+              </a:rPr>
+              <a:t>and geographical heterogeneities</a:t>
+            </a:r>
+            <a:r>
+              <a:rPr lang="en" sz="2000" dirty="0">
+                <a:solidFill>
+                  <a:schemeClr val="bg2">
+                    <a:lumMod val="75000"/>
+                  </a:schemeClr>
+                </a:solidFill>
+              </a:rPr>
+              <a:t> will </a:t>
+            </a:r>
+            <a:r>
+              <a:rPr lang="en" sz="2000" dirty="0" smtClean="0">
+                <a:solidFill>
+                  <a:schemeClr val="bg2">
+                    <a:lumMod val="75000"/>
+                  </a:schemeClr>
+                </a:solidFill>
+              </a:rPr>
+              <a:t>b</a:t>
+            </a:r>
+            <a:r>
+              <a:rPr lang="en-US" sz="2000" dirty="0" err="1" smtClean="0">
+                <a:solidFill>
+                  <a:schemeClr val="bg2">
+                    <a:lumMod val="75000"/>
+                  </a:schemeClr>
+                </a:solidFill>
+              </a:rPr>
+              <a:t>ecome</a:t>
+            </a:r>
+            <a:r>
+              <a:rPr lang="en-US" sz="2000" dirty="0" smtClean="0">
+                <a:solidFill>
+                  <a:schemeClr val="bg2">
+                    <a:lumMod val="75000"/>
+                  </a:schemeClr>
+                </a:solidFill>
+              </a:rPr>
+              <a:t> </a:t>
+            </a:r>
+            <a:r>
+              <a:rPr lang="en-US" sz="2000" dirty="0">
+                <a:solidFill>
+                  <a:schemeClr val="bg2">
+                    <a:lumMod val="75000"/>
+                  </a:schemeClr>
+                </a:solidFill>
+              </a:rPr>
+              <a:t>increasingly</a:t>
+            </a:r>
+            <a:r>
+              <a:rPr lang="en" sz="2000" dirty="0">
+                <a:solidFill>
+                  <a:schemeClr val="bg2">
+                    <a:lumMod val="75000"/>
+                  </a:schemeClr>
+                </a:solidFill>
+              </a:rPr>
+              <a:t> </a:t>
+            </a:r>
+            <a:r>
+              <a:rPr lang="en" sz="2000" dirty="0" smtClean="0">
+                <a:solidFill>
+                  <a:schemeClr val="bg2">
+                    <a:lumMod val="75000"/>
+                  </a:schemeClr>
+                </a:solidFill>
+              </a:rPr>
+              <a:t>significan</a:t>
+            </a:r>
+            <a:r>
+              <a:rPr lang="en-US" sz="2000" dirty="0" smtClean="0">
+                <a:solidFill>
+                  <a:schemeClr val="bg2">
+                    <a:lumMod val="75000"/>
+                  </a:schemeClr>
+                </a:solidFill>
+              </a:rPr>
+              <a:t>t</a:t>
+            </a:r>
+            <a:endParaRPr lang="en-US" sz="2000" dirty="0" smtClean="0">
               <a:solidFill>
                 <a:schemeClr val="bg2">
                   <a:lumMod val="75000"/>
@@ -7016,15 +8142,27 @@
               <a:t> </a:t>
             </a:r>
             <a:r>
+              <a:rPr lang="en" dirty="0" smtClean="0"/>
+              <a:t>DC</a:t>
+            </a:r>
+            <a:r>
+              <a:rPr lang="en-US" dirty="0" smtClean="0"/>
+              <a:t>I-</a:t>
+            </a:r>
+            <a:r>
+              <a:rPr lang="en" dirty="0" smtClean="0"/>
+              <a:t>2025 </a:t>
+            </a:r>
+            <a:r>
               <a:rPr lang="en" dirty="0"/>
-              <a:t>DCI in Y2025 look like? </a:t>
+              <a:t>look like? </a:t>
             </a:r>
             <a:endParaRPr lang="en-US" dirty="0"/>
           </a:p>
           <a:p>
             <a:pPr lvl="1"/>
             <a:r>
-              <a:rPr lang="en-US" sz="1800" dirty="0" smtClean="0">
+              <a:rPr lang="en-US" sz="2000" dirty="0" smtClean="0">
                 <a:solidFill>
                   <a:srgbClr val="606060"/>
                 </a:solidFill>
@@ -7032,14 +8170,14 @@
               <a:t>Loose coupling (DoE) or tight-coupling (XSEDE)?</a:t>
             </a:r>
             <a:r>
-              <a:rPr lang="en-US" dirty="0">
+              <a:rPr lang="en-US" sz="2000" dirty="0">
                 <a:solidFill>
                   <a:srgbClr val="606060"/>
                 </a:solidFill>
               </a:rPr>
               <a:t> </a:t>
             </a:r>
-            <a:endParaRPr lang="en-US" dirty="0" smtClean="0">
+            <a:endParaRPr lang="en-US" sz="2000" dirty="0" smtClean="0">
               <a:solidFill>
                 <a:srgbClr val="606060"/>
               </a:solidFill>
@@ -7048,7 +8186,7 @@
           <a:p>
             <a:pPr lvl="2"/>
             <a:r>
-              <a:rPr lang="en" dirty="0" smtClean="0">
+              <a:rPr lang="en" sz="2000" dirty="0" smtClean="0">
                 <a:solidFill>
                   <a:srgbClr val="606060"/>
                 </a:solidFill>
@@ -7056,7 +8194,7 @@
               <a:t>Neither</a:t>
             </a:r>
             <a:r>
-              <a:rPr lang="en" dirty="0">
+              <a:rPr lang="en" sz="2000" dirty="0">
                 <a:solidFill>
                   <a:srgbClr val="606060"/>
                 </a:solidFill>
@@ -7064,14 +8202,14 @@
               <a:t>. Very different. Need a different language </a:t>
             </a:r>
             <a:r>
-              <a:rPr lang="en" dirty="0" smtClean="0">
+              <a:rPr lang="en" sz="2000" dirty="0" smtClean="0">
                 <a:solidFill>
                   <a:srgbClr val="606060"/>
                 </a:solidFill>
               </a:rPr>
               <a:t>altogether.</a:t>
             </a:r>
-            <a:endParaRPr lang="en-US" dirty="0" smtClean="0">
+            <a:endParaRPr lang="en-US" sz="2000" dirty="0" smtClean="0">
               <a:solidFill>
                 <a:srgbClr val="606060"/>
               </a:solidFill>
@@ -7080,7 +8218,7 @@
           <a:p>
             <a:pPr lvl="1"/>
             <a:r>
-              <a:rPr lang="en" dirty="0" smtClean="0">
+              <a:rPr lang="en" sz="2000" dirty="0" smtClean="0">
                 <a:solidFill>
                   <a:srgbClr val="606060"/>
                 </a:solidFill>
@@ -7088,7 +8226,7 @@
               <a:t>Collective </a:t>
             </a:r>
             <a:r>
-              <a:rPr lang="en" dirty="0">
+              <a:rPr lang="en" sz="2000" dirty="0">
                 <a:solidFill>
                   <a:srgbClr val="606060"/>
                 </a:solidFill>
@@ -7096,7 +8234,7 @@
               <a:t>properties of </a:t>
             </a:r>
             <a:r>
-              <a:rPr lang="en" dirty="0" smtClean="0">
+              <a:rPr lang="en" sz="2000" dirty="0" smtClean="0">
                 <a:solidFill>
                   <a:srgbClr val="606060"/>
                 </a:solidFill>
@@ -7104,81 +8242,22 @@
               <a:t>units </a:t>
             </a:r>
             <a:r>
-              <a:rPr lang="en" dirty="0">
+              <a:rPr lang="en" sz="2000" dirty="0">
                 <a:solidFill>
                   <a:srgbClr val="606060"/>
                 </a:solidFill>
               </a:rPr>
-              <a:t>will be different. </a:t>
-            </a:r>
-            <a:endParaRPr lang="en-US" dirty="0" smtClean="0">
-              <a:solidFill>
-                <a:srgbClr val="606060"/>
-              </a:solidFill>
-            </a:endParaRPr>
-          </a:p>
-          <a:p>
-            <a:pPr lvl="2"/>
-            <a:r>
-              <a:rPr lang="en" dirty="0" smtClean="0">
+              <a:t>will be different</a:t>
+            </a:r>
+            <a:r>
+              <a:rPr lang="en" sz="2000" dirty="0" smtClean="0">
                 <a:solidFill>
                   <a:srgbClr val="606060"/>
                 </a:solidFill>
               </a:rPr>
-              <a:t>How</a:t>
-            </a:r>
-            <a:r>
-              <a:rPr lang="en-US" dirty="0" smtClean="0">
-                <a:solidFill>
-                  <a:srgbClr val="606060"/>
-                </a:solidFill>
-              </a:rPr>
-              <a:t>? </a:t>
-            </a:r>
-            <a:r>
-              <a:rPr lang="en" dirty="0" smtClean="0">
-                <a:solidFill>
-                  <a:srgbClr val="606060"/>
-                </a:solidFill>
-              </a:rPr>
-              <a:t>See </a:t>
-            </a:r>
-            <a:r>
-              <a:rPr lang="en" dirty="0">
-                <a:solidFill>
-                  <a:srgbClr val="606060"/>
-                </a:solidFill>
-              </a:rPr>
-              <a:t>Research </a:t>
-            </a:r>
-            <a:r>
-              <a:rPr lang="en" dirty="0" smtClean="0">
-                <a:solidFill>
-                  <a:srgbClr val="606060"/>
-                </a:solidFill>
-              </a:rPr>
-              <a:t>Challenge</a:t>
-            </a:r>
-            <a:r>
-              <a:rPr lang="en-US" dirty="0" smtClean="0">
-                <a:solidFill>
-                  <a:srgbClr val="606060"/>
-                </a:solidFill>
-              </a:rPr>
               <a:t>.</a:t>
             </a:r>
-          </a:p>
-          <a:p>
-            <a:pPr lvl="1"/>
-            <a:endParaRPr lang="en-US" dirty="0" smtClean="0">
-              <a:solidFill>
-                <a:srgbClr val="606060"/>
-              </a:solidFill>
-            </a:endParaRPr>
-          </a:p>
-          <a:p>
-            <a:pPr lvl="1"/>
-            <a:endParaRPr lang="en-US" sz="1800" dirty="0" smtClean="0">
+            <a:endParaRPr lang="en-US" sz="2000" dirty="0" smtClean="0">
               <a:solidFill>
                 <a:srgbClr val="606060"/>
               </a:solidFill>
@@ -7251,6 +8330,10 @@
               <a:buNone/>
             </a:pPr>
             <a:r>
+              <a:rPr lang="en-US" dirty="0" smtClean="0"/>
+              <a:t>Extreme Scale DC: </a:t>
+            </a:r>
+            <a:r>
               <a:rPr lang="en" dirty="0" smtClean="0"/>
               <a:t>ATLAS</a:t>
             </a:r>
@@ -7303,12 +8386,50 @@
             </a:r>
             <a:r>
               <a:rPr lang="en" sz="2000" dirty="0"/>
-              <a:t>Distributed Computing will persist” </a:t>
+              <a:t>Distributed </a:t>
+            </a:r>
+            <a:r>
+              <a:rPr lang="en-US" sz="2000" dirty="0" smtClean="0"/>
+              <a:t>c</a:t>
+            </a:r>
+            <a:r>
+              <a:rPr lang="en" sz="2000" dirty="0" smtClean="0"/>
+              <a:t>omputing </a:t>
+            </a:r>
+            <a:r>
+              <a:rPr lang="en" sz="2000" dirty="0"/>
+              <a:t>will </a:t>
+            </a:r>
+            <a:r>
+              <a:rPr lang="en" sz="2000" dirty="0" smtClean="0"/>
+              <a:t>persist</a:t>
+            </a:r>
+            <a:r>
+              <a:rPr lang="en-US" sz="2000" dirty="0"/>
+              <a:t> </a:t>
+            </a:r>
+            <a:r>
+              <a:rPr lang="en" sz="2000" dirty="0" smtClean="0"/>
+              <a:t>” </a:t>
+            </a:r>
+            <a:r>
+              <a:rPr lang="en-US" sz="2000" dirty="0"/>
+              <a:t>for integrated</a:t>
+            </a:r>
+            <a:r>
+              <a:rPr lang="en" sz="2000" dirty="0"/>
+              <a:t> HPC + HTC </a:t>
             </a:r>
             <a:endParaRPr lang="en-US" sz="2000" dirty="0" smtClean="0"/>
           </a:p>
           <a:p>
-            <a:pPr lvl="2"/>
+            <a:pPr marL="914400" lvl="2" indent="0">
+              <a:buNone/>
+            </a:pPr>
+            <a:r>
+              <a:rPr lang="en-US" sz="2000" dirty="0"/>
+              <a:t> </a:t>
+            </a:r>
             <a:r>
               <a:rPr lang="en" sz="2000" dirty="0" smtClean="0"/>
               <a:t>Richard </a:t>
@@ -7334,8 +8455,75 @@
                 <a:solidFill>
                   <a:schemeClr val="hlink"/>
                 </a:solidFill>
-              </a:rPr>
-              <a:t>http://goo.gl/pJzIjH</a:t>
+                <a:hlinkClick r:id="rId3"/>
+              </a:rPr>
+              <a:t>http://</a:t>
+            </a:r>
+            <a:r>
+              <a:rPr lang="en" sz="2000" u="sng" dirty="0" smtClean="0">
+                <a:solidFill>
+                  <a:schemeClr val="hlink"/>
+                </a:solidFill>
+                <a:hlinkClick r:id="rId3"/>
+              </a:rPr>
+              <a:t>goo.gl/pJzIjH</a:t>
+            </a:r>
+            <a:endParaRPr lang="en-US" sz="2000" dirty="0" smtClean="0"/>
+          </a:p>
+          <a:p>
+            <a:pPr lvl="0">
+              <a:buSzPct val="100000"/>
+            </a:pPr>
+            <a:r>
+              <a:rPr lang="en-US" sz="2000" dirty="0" smtClean="0"/>
+              <a:t>Requirement</a:t>
+            </a:r>
+            <a:r>
+              <a:rPr lang="en-US" sz="2000" dirty="0" smtClean="0"/>
+              <a:t>:</a:t>
+            </a:r>
+          </a:p>
+          <a:p>
+            <a:pPr lvl="1"/>
+            <a:r>
+              <a:rPr lang="en" sz="2000" dirty="0" smtClean="0"/>
+              <a:t>ATLAS </a:t>
+            </a:r>
+            <a:r>
+              <a:rPr lang="en" sz="2000" dirty="0"/>
+              <a:t>in </a:t>
+            </a:r>
+            <a:r>
+              <a:rPr lang="en-US" sz="2000" dirty="0" smtClean="0"/>
+              <a:t>&gt;2018</a:t>
+            </a:r>
+            <a:r>
+              <a:rPr lang="en" sz="2000" dirty="0" smtClean="0"/>
+              <a:t> needs:</a:t>
+            </a:r>
+            <a:endParaRPr lang="en-US" sz="2000" dirty="0" smtClean="0"/>
+          </a:p>
+          <a:p>
+            <a:pPr lvl="2"/>
+            <a:r>
+              <a:rPr lang="en" sz="2000" dirty="0" smtClean="0"/>
+              <a:t>Non-monolithic extreme-scale</a:t>
+            </a:r>
+            <a:r>
+              <a:rPr lang="en-US" sz="2000" dirty="0" smtClean="0"/>
+              <a:t> and integrated</a:t>
+            </a:r>
+            <a:r>
+              <a:rPr lang="en" sz="2000" dirty="0" smtClean="0"/>
+              <a:t> </a:t>
+            </a:r>
+            <a:r>
+              <a:rPr lang="en" sz="2000" dirty="0"/>
+              <a:t>HPC + </a:t>
+            </a:r>
+            <a:r>
+              <a:rPr lang="en" sz="2000" dirty="0" smtClean="0"/>
+              <a:t>HTC</a:t>
             </a:r>
             <a:endParaRPr lang="en-US" sz="2000" dirty="0" smtClean="0"/>
           </a:p>
@@ -7344,25 +8532,25 @@
               <a:buSzPct val="100000"/>
             </a:pPr>
             <a:r>
-              <a:rPr lang="en-US" sz="2000" dirty="0" smtClean="0"/>
+              <a:rPr lang="en-US" dirty="0"/>
               <a:t>Challenges:</a:t>
             </a:r>
           </a:p>
           <a:p>
             <a:pPr lvl="1"/>
             <a:r>
-              <a:rPr lang="en-US" sz="2000" dirty="0" smtClean="0"/>
+              <a:rPr lang="en-US" sz="2000" dirty="0"/>
               <a:t>Mostly economic, but also how to manage workload decomposition</a:t>
             </a:r>
           </a:p>
           <a:p>
             <a:pPr lvl="1"/>
             <a:r>
-              <a:rPr lang="en-US" sz="2000" dirty="0" smtClean="0"/>
+              <a:rPr lang="en-US" sz="2000" dirty="0"/>
               <a:t>Development and deployment of f</a:t>
             </a:r>
             <a:r>
-              <a:rPr lang="en" sz="2000" dirty="0" smtClean="0"/>
+              <a:rPr lang="en" sz="2000" dirty="0"/>
               <a:t>uture </a:t>
             </a:r>
             <a:r>
@@ -7370,7 +8558,7 @@
               <a:t>s</a:t>
             </a:r>
             <a:r>
-              <a:rPr lang="en" sz="2000" dirty="0" smtClean="0"/>
+              <a:rPr lang="en" sz="2000" dirty="0"/>
               <a:t>upercomputing </a:t>
             </a:r>
             <a:r>
@@ -7378,78 +8566,22 @@
               <a:t>a</a:t>
             </a:r>
             <a:r>
-              <a:rPr lang="en" sz="2000" dirty="0" smtClean="0"/>
+              <a:rPr lang="en" sz="2000" dirty="0"/>
               <a:t>pplications</a:t>
             </a:r>
-            <a:endParaRPr lang="en-US" sz="2000" dirty="0" smtClean="0"/>
+            <a:endParaRPr lang="en-US" sz="2000" dirty="0"/>
           </a:p>
           <a:p>
             <a:pPr lvl="2"/>
             <a:r>
-              <a:rPr lang="en-US" sz="2000" dirty="0" smtClean="0"/>
-              <a:t>Role for flexible execution strategies</a:t>
-            </a:r>
-          </a:p>
-          <a:p>
-            <a:pPr lvl="0">
-              <a:buSzPct val="100000"/>
-            </a:pPr>
-            <a:r>
-              <a:rPr lang="en-US" sz="2000" dirty="0" smtClean="0"/>
-              <a:t>Requirement:</a:t>
-            </a:r>
-          </a:p>
-          <a:p>
-            <a:pPr lvl="1"/>
-            <a:r>
-              <a:rPr lang="en" sz="2000" dirty="0" smtClean="0"/>
-              <a:t>ATLAS </a:t>
-            </a:r>
-            <a:r>
-              <a:rPr lang="en" sz="2000" dirty="0"/>
-              <a:t>in </a:t>
-            </a:r>
-            <a:r>
-              <a:rPr lang="en-US" sz="2000" dirty="0" smtClean="0"/>
-              <a:t>&gt;2018</a:t>
-            </a:r>
-            <a:r>
-              <a:rPr lang="en" sz="2000" dirty="0" smtClean="0"/>
-              <a:t> needs:</a:t>
-            </a:r>
-            <a:endParaRPr lang="en-US" sz="2000" dirty="0" smtClean="0"/>
-          </a:p>
-          <a:p>
-            <a:pPr lvl="2"/>
-            <a:r>
-              <a:rPr lang="en" sz="2000" dirty="0" smtClean="0"/>
-              <a:t>Non-monolithic extreme-scale</a:t>
-            </a:r>
-            <a:r>
-              <a:rPr lang="en-US" sz="2000" dirty="0" smtClean="0"/>
-              <a:t> and integrated</a:t>
-            </a:r>
-            <a:r>
-              <a:rPr lang="en" sz="2000" dirty="0" smtClean="0"/>
-              <a:t> </a:t>
-            </a:r>
-            <a:r>
-              <a:rPr lang="en" sz="2000" dirty="0"/>
-              <a:t>HPC + HTC </a:t>
-            </a:r>
-            <a:r>
-              <a:rPr lang="en" sz="2000" dirty="0" smtClean="0"/>
-              <a:t>(</a:t>
-            </a:r>
-            <a:r>
-              <a:rPr lang="en" sz="2000" dirty="0"/>
-              <a:t>federated</a:t>
-            </a:r>
-            <a:r>
-              <a:rPr lang="en" sz="2000" dirty="0" smtClean="0"/>
-              <a:t>?)</a:t>
-            </a:r>
-            <a:endParaRPr lang="en" sz="2000" dirty="0"/>
+              <a:rPr lang="en-US" sz="2000" dirty="0"/>
+              <a:t>Role for flexible execution </a:t>
+            </a:r>
+            <a:r>
+              <a:rPr lang="en-US" sz="2000" dirty="0" smtClean="0"/>
+              <a:t>strategies</a:t>
+            </a:r>
+            <a:endParaRPr lang="en" sz="2200" dirty="0"/>
           </a:p>
           <a:p>
             <a:pPr>
@@ -7541,6 +8673,10 @@
           </p:nvPr>
         </p:nvSpPr>
         <p:spPr>
+          <a:xfrm>
+            <a:off x="282231" y="75986"/>
+            <a:ext cx="8861769" cy="690291"/>
+          </a:xfrm>
           <a:prstGeom prst="rect">
             <a:avLst/>
           </a:prstGeom>
@@ -7555,8 +8691,20 @@
               <a:buNone/>
             </a:pPr>
             <a:r>
+              <a:rPr lang="en-US" dirty="0"/>
+              <a:t>Extreme Scale </a:t>
+            </a:r>
+            <a:r>
+              <a:rPr lang="en-US" dirty="0" smtClean="0"/>
+              <a:t>DC: </a:t>
+            </a:r>
+            <a:r>
+              <a:rPr lang="en" dirty="0" smtClean="0"/>
+              <a:t>Square </a:t>
+            </a:r>
+            <a:r>
               <a:rPr lang="en" dirty="0"/>
-              <a:t>Square Kilometre Array (SKA)</a:t>
+              <a:t>Kilometre Array (SKA)</a:t>
             </a:r>
           </a:p>
         </p:txBody>
@@ -7573,7 +8721,7 @@
         </p:nvSpPr>
         <p:spPr>
           <a:xfrm>
-            <a:off x="547688" y="911225"/>
+            <a:off x="382028" y="800777"/>
             <a:ext cx="8596312" cy="5281613"/>
           </a:xfrm>
           <a:prstGeom prst="rect">
@@ -7590,23 +8738,28 @@
               <a:buSzPct val="100000"/>
             </a:pPr>
             <a:r>
-              <a:rPr lang="en-US" sz="2000" dirty="0" smtClean="0"/>
+              <a:rPr lang="en-US" dirty="0" smtClean="0"/>
               <a:t>Observation: </a:t>
             </a:r>
           </a:p>
           <a:p>
             <a:pPr lvl="1"/>
             <a:r>
-              <a:rPr lang="en-US" dirty="0" smtClean="0"/>
-              <a:t>??</a:t>
-            </a:r>
+              <a:rPr lang="en-US" sz="2000" dirty="0" smtClean="0"/>
+              <a:t>Integrating leadership-class</a:t>
+            </a:r>
+            <a:r>
+              <a:rPr lang="en-US" sz="2000" dirty="0" smtClean="0"/>
+              <a:t> resource (IBM Machine) with many compute resources for extreme-scale real-time data-analysis </a:t>
+            </a:r>
+            <a:endParaRPr lang="en-US" sz="2000" dirty="0" smtClean="0"/>
           </a:p>
           <a:p>
             <a:pPr>
               <a:buSzPct val="100000"/>
             </a:pPr>
             <a:r>
-              <a:rPr lang="en-US" sz="2000" dirty="0" smtClean="0"/>
+              <a:rPr lang="en-US" dirty="0" smtClean="0"/>
               <a:t>Challenges:</a:t>
             </a:r>
           </a:p>
@@ -7615,49 +8768,49 @@
               <a:buSzPct val="100000"/>
             </a:pPr>
             <a:r>
-              <a:rPr lang="en-US" dirty="0" smtClean="0"/>
+              <a:rPr lang="en-US" sz="2000" dirty="0" smtClean="0"/>
               <a:t>C</a:t>
             </a:r>
             <a:r>
-              <a:rPr lang="en" dirty="0" smtClean="0"/>
+              <a:rPr lang="en" sz="2000" dirty="0" smtClean="0"/>
               <a:t>entralized </a:t>
             </a:r>
             <a:r>
-              <a:rPr lang="en" dirty="0"/>
+              <a:rPr lang="en" sz="2000" dirty="0"/>
               <a:t>exascale </a:t>
             </a:r>
             <a:r>
-              <a:rPr lang="en" dirty="0" smtClean="0"/>
+              <a:rPr lang="en" sz="2000" dirty="0" smtClean="0"/>
               <a:t>computing</a:t>
             </a:r>
             <a:r>
-              <a:rPr lang="en-US" dirty="0"/>
+              <a:rPr lang="en-US" sz="2000" dirty="0"/>
               <a:t> </a:t>
             </a:r>
             <a:r>
-              <a:rPr lang="en-US" dirty="0" smtClean="0"/>
+              <a:rPr lang="en-US" sz="2000" dirty="0" smtClean="0"/>
               <a:t>and networking infrastructure.</a:t>
             </a:r>
             <a:r>
-              <a:rPr lang="en" dirty="0" smtClean="0"/>
+              <a:rPr lang="en" sz="2000" dirty="0" smtClean="0"/>
               <a:t> </a:t>
             </a:r>
-            <a:endParaRPr lang="en-US" dirty="0" smtClean="0"/>
+            <a:endParaRPr lang="en-US" sz="2000" dirty="0" smtClean="0"/>
           </a:p>
           <a:p>
             <a:pPr lvl="1">
               <a:buSzPct val="100000"/>
             </a:pPr>
             <a:r>
-              <a:rPr lang="en-US" dirty="0" smtClean="0"/>
+              <a:rPr lang="en-US" sz="2000" dirty="0" smtClean="0"/>
               <a:t>C</a:t>
             </a:r>
             <a:r>
-              <a:rPr lang="en" dirty="0" smtClean="0"/>
+              <a:rPr lang="en" sz="2000" dirty="0" smtClean="0"/>
               <a:t>ompute </a:t>
             </a:r>
             <a:r>
-              <a:rPr lang="en" dirty="0"/>
+              <a:rPr lang="en" sz="2000" dirty="0"/>
               <a:t>and data intensive, world-wide analysis.</a:t>
             </a:r>
           </a:p>
@@ -7666,124 +8819,103 @@
               <a:buSzPct val="100000"/>
             </a:pPr>
             <a:r>
-              <a:rPr lang="en-US" sz="2000" dirty="0" smtClean="0"/>
+              <a:rPr lang="en-US" dirty="0" smtClean="0"/>
               <a:t>Requirements:</a:t>
             </a:r>
           </a:p>
           <a:p>
             <a:pPr lvl="1"/>
             <a:r>
-              <a:rPr lang="en-US" dirty="0"/>
+              <a:rPr lang="en-US" sz="2000" dirty="0"/>
               <a:t>Antennas distributed over 5K Km, equivalent to a dish with a collecting area of a square </a:t>
             </a:r>
             <a:r>
-              <a:rPr lang="en-US" dirty="0" smtClean="0"/>
+              <a:rPr lang="en-US" sz="2000" dirty="0" smtClean="0"/>
               <a:t>kilometer.</a:t>
             </a:r>
-            <a:endParaRPr lang="en-US" dirty="0"/>
+            <a:endParaRPr lang="en-US" sz="2000" dirty="0"/>
           </a:p>
           <a:p>
             <a:pPr lvl="1"/>
             <a:r>
-              <a:rPr lang="en-US" dirty="0"/>
+              <a:rPr lang="en-US" sz="2000" dirty="0"/>
               <a:t>Continuous coverage from 70 MHz to 10 </a:t>
             </a:r>
             <a:r>
-              <a:rPr lang="en-US" dirty="0" smtClean="0"/>
+              <a:rPr lang="en-US" sz="2000" dirty="0" smtClean="0"/>
               <a:t>GHz.</a:t>
             </a:r>
           </a:p>
           <a:p>
             <a:pPr lvl="1"/>
             <a:r>
-              <a:rPr lang="en-US" dirty="0"/>
+              <a:rPr lang="en-US" sz="2000" dirty="0"/>
               <a:t>Computing infrastructure</a:t>
             </a:r>
             <a:r>
-              <a:rPr lang="en-US" dirty="0" smtClean="0"/>
+              <a:rPr lang="en-US" sz="2000" dirty="0" smtClean="0"/>
               <a:t>: 10 </a:t>
             </a:r>
             <a:r>
-              <a:rPr lang="en-US" dirty="0"/>
+              <a:rPr lang="en-US" sz="2000" dirty="0"/>
               <a:t>PF - 1EF processing </a:t>
             </a:r>
             <a:r>
-              <a:rPr lang="en-US" dirty="0" smtClean="0"/>
+              <a:rPr lang="en-US" sz="2000" dirty="0" smtClean="0"/>
               <a:t>power; 10 </a:t>
             </a:r>
             <a:r>
-              <a:rPr lang="en-US" dirty="0"/>
+              <a:rPr lang="en-US" sz="2000" dirty="0"/>
               <a:t>- 100 PB/</a:t>
             </a:r>
             <a:r>
-              <a:rPr lang="en-US" dirty="0" smtClean="0"/>
+              <a:rPr lang="en-US" sz="2000" dirty="0" smtClean="0"/>
               <a:t>h; 300 </a:t>
             </a:r>
             <a:r>
-              <a:rPr lang="en-US" dirty="0"/>
+              <a:rPr lang="en-US" sz="2000" dirty="0"/>
               <a:t>- 1500 PB </a:t>
             </a:r>
             <a:r>
-              <a:rPr lang="en-US" dirty="0" smtClean="0"/>
+              <a:rPr lang="en-US" sz="2000" dirty="0" smtClean="0"/>
               <a:t>storage.</a:t>
             </a:r>
-            <a:endParaRPr lang="en-US" dirty="0"/>
+            <a:endParaRPr lang="en-US" sz="2000" dirty="0"/>
           </a:p>
           <a:p>
             <a:pPr lvl="1"/>
             <a:r>
-              <a:rPr lang="en-US" dirty="0"/>
+              <a:rPr lang="en-US" sz="2000" dirty="0"/>
               <a:t>Computing </a:t>
             </a:r>
             <a:r>
-              <a:rPr lang="en-US" dirty="0" smtClean="0"/>
+              <a:rPr lang="en-US" sz="2000" dirty="0" smtClean="0"/>
               <a:t>technology: Optical </a:t>
             </a:r>
             <a:r>
-              <a:rPr lang="en-US" dirty="0"/>
+              <a:rPr lang="en-US" sz="2000" dirty="0"/>
               <a:t>cross </a:t>
             </a:r>
             <a:r>
-              <a:rPr lang="en-US" dirty="0" smtClean="0"/>
+              <a:rPr lang="en-US" sz="2000" dirty="0" smtClean="0"/>
               <a:t>connects; Phase</a:t>
             </a:r>
             <a:r>
-              <a:rPr lang="en-US" dirty="0"/>
+              <a:rPr lang="en-US" sz="2000" dirty="0"/>
               <a:t>-change </a:t>
             </a:r>
             <a:r>
-              <a:rPr lang="en-US" dirty="0" smtClean="0"/>
+              <a:rPr lang="en-US" sz="2000" dirty="0" smtClean="0"/>
               <a:t>memory; Chip </a:t>
             </a:r>
             <a:r>
-              <a:rPr lang="en-US" dirty="0"/>
+              <a:rPr lang="en-US" sz="2000" dirty="0"/>
               <a:t>stacking</a:t>
             </a:r>
             <a:r>
-              <a:rPr lang="en-US" dirty="0" smtClean="0"/>
+              <a:rPr lang="en-US" sz="2000" dirty="0" smtClean="0"/>
               <a:t>?</a:t>
             </a:r>
-          </a:p>
-          <a:p>
-            <a:r>
-              <a:rPr lang="en-US" dirty="0" smtClean="0"/>
-              <a:t>Questions:</a:t>
-            </a:r>
-          </a:p>
-          <a:p>
-            <a:pPr lvl="1"/>
-            <a:r>
-              <a:rPr lang="en-US" dirty="0" smtClean="0"/>
-              <a:t>??</a:t>
-            </a:r>
-            <a:endParaRPr lang="en-US" dirty="0"/>
-          </a:p>
-          <a:p>
-            <a:pPr lvl="1"/>
-            <a:endParaRPr lang="en-US" sz="2000" dirty="0" smtClean="0"/>
-          </a:p>
-          <a:p>
-            <a:pPr lvl="1"/>
             <a:endParaRPr lang="en-US" sz="2000" dirty="0" smtClean="0"/>
           </a:p>
           <a:p>
@@ -7794,19 +8926,19 @@
             <a:pPr>
               <a:buSzPct val="100000"/>
             </a:pPr>
-            <a:endParaRPr lang="en" sz="2000" dirty="0"/>
+            <a:endParaRPr lang="en" dirty="0"/>
           </a:p>
           <a:p>
             <a:pPr>
               <a:buSzPct val="100000"/>
             </a:pPr>
-            <a:endParaRPr lang="en" sz="2000" dirty="0"/>
+            <a:endParaRPr lang="en" dirty="0"/>
           </a:p>
           <a:p>
             <a:pPr>
               <a:buSzPct val="100000"/>
             </a:pPr>
-            <a:endParaRPr lang="en" sz="2000" dirty="0"/>
+            <a:endParaRPr lang="en" dirty="0"/>
           </a:p>
         </p:txBody>
       </p:sp>
@@ -7868,8 +9000,20 @@
               <a:buNone/>
             </a:pPr>
             <a:r>
+              <a:rPr lang="en-US" dirty="0"/>
+              <a:t>Extreme Scale DC</a:t>
+            </a:r>
+            <a:r>
+              <a:rPr lang="en-US" dirty="0" smtClean="0"/>
+              <a:t>: </a:t>
+            </a:r>
+            <a:r>
+              <a:rPr lang="en" dirty="0" smtClean="0"/>
+              <a:t>Human </a:t>
+            </a:r>
+            <a:r>
               <a:rPr lang="en" dirty="0"/>
-              <a:t>Human Brain Project</a:t>
+              <a:t>Brain Project</a:t>
             </a:r>
           </a:p>
         </p:txBody>
@@ -7886,7 +9030,7 @@
         </p:nvSpPr>
         <p:spPr>
           <a:xfrm>
-            <a:off x="547688" y="911225"/>
+            <a:off x="382028" y="766277"/>
             <a:ext cx="8596312" cy="5146675"/>
           </a:xfrm>
           <a:prstGeom prst="rect">
@@ -7895,238 +9039,278 @@
         </p:spPr>
         <p:txBody>
           <a:bodyPr lIns="91425" tIns="91425" rIns="91425" bIns="91425" anchor="t" anchorCtr="0">
-            <a:normAutofit lnSpcReduction="10000"/>
+            <a:noAutofit/>
           </a:bodyPr>
           <a:lstStyle/>
           <a:p>
             <a:pPr marL="457200" lvl="0" indent="-419100">
+              <a:lnSpc>
+                <a:spcPct val="90000"/>
+              </a:lnSpc>
               <a:buClr>
                 <a:schemeClr val="dk1"/>
               </a:buClr>
               <a:buSzPct val="100000"/>
             </a:pPr>
             <a:r>
-              <a:rPr lang="en-US" sz="2000" dirty="0" smtClean="0"/>
+              <a:rPr lang="en-US" dirty="0" smtClean="0"/>
               <a:t>Observation:</a:t>
             </a:r>
           </a:p>
           <a:p>
             <a:pPr marL="912812" lvl="1" indent="-419100">
+              <a:lnSpc>
+                <a:spcPct val="90000"/>
+              </a:lnSpc>
               <a:buClr>
                 <a:schemeClr val="dk1"/>
               </a:buClr>
               <a:buSzPct val="100000"/>
             </a:pPr>
             <a:r>
-              <a:rPr lang="en-US" dirty="0" smtClean="0"/>
-              <a:t>Innovation necessary </a:t>
-            </a:r>
-            <a:r>
-              <a:rPr lang="en-US" dirty="0"/>
+              <a:rPr lang="en-US" sz="2000" dirty="0" smtClean="0"/>
+              <a:t>New application types and scenarios are necessary </a:t>
+            </a:r>
+            <a:r>
+              <a:rPr lang="en-US" sz="2000" dirty="0"/>
               <a:t>to create and simulate multi-scale brain </a:t>
             </a:r>
             <a:r>
-              <a:rPr lang="en-US" dirty="0" smtClean="0"/>
-              <a:t>models.</a:t>
-            </a:r>
-            <a:endParaRPr lang="en-US" sz="1800" dirty="0" smtClean="0"/>
+              <a:rPr lang="en-US" sz="2000" dirty="0" smtClean="0"/>
+              <a:t>models</a:t>
+            </a:r>
+            <a:endParaRPr lang="en-US" sz="2000" dirty="0" smtClean="0"/>
           </a:p>
           <a:p>
             <a:pPr marL="457200" lvl="0" indent="-419100" rtl="0">
+              <a:lnSpc>
+                <a:spcPct val="90000"/>
+              </a:lnSpc>
               <a:buClr>
                 <a:schemeClr val="dk1"/>
               </a:buClr>
               <a:buSzPct val="100000"/>
             </a:pPr>
             <a:r>
-              <a:rPr lang="en-US" sz="2000" dirty="0" smtClean="0"/>
+              <a:rPr lang="en-US" dirty="0" smtClean="0"/>
               <a:t>Requirements</a:t>
             </a:r>
           </a:p>
           <a:p>
             <a:pPr marL="912812" lvl="1" indent="-419100">
+              <a:lnSpc>
+                <a:spcPct val="90000"/>
+              </a:lnSpc>
               <a:buClr>
                 <a:schemeClr val="dk1"/>
               </a:buClr>
               <a:buSzPct val="100000"/>
             </a:pPr>
             <a:r>
-              <a:rPr lang="en-US" dirty="0" smtClean="0"/>
+              <a:rPr lang="en-US" sz="2000" dirty="0" smtClean="0"/>
               <a:t>In situ analysis of multi-Petabyte datasets.</a:t>
             </a:r>
-            <a:endParaRPr lang="en-US" sz="1800" dirty="0" smtClean="0"/>
           </a:p>
           <a:p>
             <a:pPr marL="912812" lvl="1" indent="-419100">
+              <a:lnSpc>
+                <a:spcPct val="90000"/>
+              </a:lnSpc>
               <a:buClr>
                 <a:schemeClr val="dk1"/>
               </a:buClr>
               <a:buSzPct val="100000"/>
             </a:pPr>
             <a:r>
-              <a:rPr lang="en-US" dirty="0" smtClean="0"/>
+              <a:rPr lang="en-US" sz="2000" dirty="0" smtClean="0"/>
               <a:t>S</a:t>
             </a:r>
             <a:r>
-              <a:rPr lang="en" sz="1800" dirty="0" smtClean="0"/>
+              <a:rPr lang="en" sz="2000" dirty="0" smtClean="0"/>
               <a:t>ystem software</a:t>
             </a:r>
             <a:r>
-              <a:rPr lang="en-US" sz="1800" dirty="0" smtClean="0"/>
+              <a:rPr lang="en-US" sz="2000" dirty="0" smtClean="0"/>
               <a:t> and </a:t>
             </a:r>
             <a:r>
-              <a:rPr lang="en" sz="1800" dirty="0" smtClean="0"/>
+              <a:rPr lang="en" sz="2000" dirty="0" smtClean="0"/>
               <a:t>middleware</a:t>
             </a:r>
             <a:r>
-              <a:rPr lang="en-US" dirty="0"/>
+              <a:rPr lang="en-US" sz="2000" dirty="0"/>
               <a:t> </a:t>
             </a:r>
             <a:r>
-              <a:rPr lang="en-US" dirty="0" smtClean="0"/>
+              <a:rPr lang="en-US" sz="2000" dirty="0" smtClean="0"/>
               <a:t>supporting</a:t>
             </a:r>
             <a:r>
-              <a:rPr lang="en" sz="1800" dirty="0" smtClean="0"/>
+              <a:rPr lang="en" sz="2000" dirty="0" smtClean="0"/>
               <a:t> interactive computational steering and visualisation support</a:t>
             </a:r>
             <a:r>
-              <a:rPr lang="en-US" sz="1800" dirty="0" smtClean="0"/>
+              <a:rPr lang="en-US" sz="2000" dirty="0" smtClean="0"/>
               <a:t>.</a:t>
             </a:r>
           </a:p>
           <a:p>
             <a:pPr marL="457200" lvl="0" indent="-419100" rtl="0">
+              <a:lnSpc>
+                <a:spcPct val="90000"/>
+              </a:lnSpc>
               <a:buClr>
                 <a:schemeClr val="dk1"/>
               </a:buClr>
               <a:buSzPct val="100000"/>
             </a:pPr>
             <a:r>
-              <a:rPr lang="en" sz="2000" dirty="0" smtClean="0"/>
+              <a:rPr lang="en" dirty="0" smtClean="0"/>
               <a:t>Challenges:</a:t>
             </a:r>
-            <a:endParaRPr lang="en-US" sz="2000" dirty="0" smtClean="0"/>
+            <a:endParaRPr lang="en-US" dirty="0" smtClean="0"/>
           </a:p>
           <a:p>
             <a:pPr marL="912812" lvl="1" indent="-419100">
+              <a:lnSpc>
+                <a:spcPct val="90000"/>
+              </a:lnSpc>
               <a:buClr>
                 <a:schemeClr val="dk1"/>
               </a:buClr>
               <a:buSzPct val="100000"/>
             </a:pPr>
             <a:r>
-              <a:rPr lang="en-US" dirty="0" smtClean="0"/>
+              <a:rPr lang="en-US" sz="2000" dirty="0" smtClean="0"/>
               <a:t>Integration </a:t>
             </a:r>
             <a:r>
-              <a:rPr lang="en-US" dirty="0"/>
+              <a:rPr lang="en-US" sz="2000" dirty="0"/>
               <a:t>of hierarchical storage-class memory in software </a:t>
             </a:r>
             <a:r>
-              <a:rPr lang="en-US" dirty="0" smtClean="0"/>
+              <a:rPr lang="en-US" sz="2000" dirty="0" smtClean="0"/>
               <a:t>for Big </a:t>
             </a:r>
             <a:r>
-              <a:rPr lang="en-US" dirty="0"/>
+              <a:rPr lang="en-US" sz="2000" dirty="0"/>
               <a:t>Data </a:t>
             </a:r>
             <a:r>
-              <a:rPr lang="en-US" dirty="0" smtClean="0"/>
+              <a:rPr lang="en-US" sz="2000" dirty="0" smtClean="0"/>
               <a:t>analytics.</a:t>
             </a:r>
-            <a:endParaRPr lang="en-US" sz="1800" dirty="0" smtClean="0"/>
           </a:p>
           <a:p>
             <a:pPr marL="912812" lvl="1" indent="-419100">
+              <a:lnSpc>
+                <a:spcPct val="90000"/>
+              </a:lnSpc>
               <a:buClr>
                 <a:schemeClr val="dk1"/>
               </a:buClr>
               <a:buSzPct val="100000"/>
             </a:pPr>
             <a:r>
-              <a:rPr lang="en-US" sz="1800" dirty="0" smtClean="0"/>
+              <a:rPr lang="en-US" sz="2000" dirty="0" smtClean="0"/>
               <a:t>P</a:t>
             </a:r>
             <a:r>
-              <a:rPr lang="en" sz="1800" dirty="0" smtClean="0"/>
+              <a:rPr lang="en" sz="2000" dirty="0" smtClean="0"/>
               <a:t>latform independence through the provision of high-leve</a:t>
             </a:r>
             <a:r>
-              <a:rPr lang="en-US" sz="1800" dirty="0" smtClean="0"/>
+              <a:rPr lang="en-US" sz="2000" dirty="0" smtClean="0"/>
               <a:t>l APIs and </a:t>
             </a:r>
             <a:r>
-              <a:rPr lang="en-US" dirty="0"/>
+              <a:rPr lang="en-US" sz="2000" dirty="0"/>
               <a:t>u</a:t>
             </a:r>
             <a:r>
-              <a:rPr lang="en" sz="1800" dirty="0" smtClean="0"/>
+              <a:rPr lang="en" sz="2000" dirty="0" smtClean="0"/>
               <a:t>ser-transparent programming paradigms</a:t>
             </a:r>
-            <a:endParaRPr lang="en-US" dirty="0"/>
+            <a:endParaRPr lang="en-US" sz="2000" dirty="0"/>
           </a:p>
           <a:p>
             <a:pPr marL="912812" lvl="1" indent="-419100">
+              <a:lnSpc>
+                <a:spcPct val="90000"/>
+              </a:lnSpc>
               <a:buClr>
                 <a:schemeClr val="dk1"/>
               </a:buClr>
               <a:buSzPct val="100000"/>
             </a:pPr>
             <a:r>
-              <a:rPr lang="en-US" dirty="0"/>
+              <a:rPr lang="en-US" sz="2000" dirty="0"/>
               <a:t>V</a:t>
             </a:r>
             <a:r>
-              <a:rPr lang="en" sz="1800" dirty="0" smtClean="0"/>
-              <a:t>irtualisation of the entire system including the communication sub-systems.</a:t>
-            </a:r>
-            <a:endParaRPr lang="en-US" sz="1800" dirty="0" smtClean="0"/>
+              <a:rPr lang="en" sz="2000" dirty="0" smtClean="0"/>
+              <a:t>irtualisation of the entire system including </a:t>
+            </a:r>
+            <a:r>
+              <a:rPr lang="en" sz="2000" dirty="0" smtClean="0"/>
+              <a:t>communication</a:t>
+            </a:r>
+            <a:endParaRPr lang="en-US" sz="2000" dirty="0" smtClean="0"/>
           </a:p>
           <a:p>
             <a:pPr marL="457200" indent="-419100">
+              <a:lnSpc>
+                <a:spcPct val="90000"/>
+              </a:lnSpc>
               <a:buClr>
                 <a:schemeClr val="dk1"/>
               </a:buClr>
               <a:buSzPct val="100000"/>
             </a:pPr>
             <a:r>
-              <a:rPr lang="en-US" sz="2200" dirty="0" smtClean="0"/>
+              <a:rPr lang="en-US" dirty="0" smtClean="0"/>
               <a:t>Question:</a:t>
             </a:r>
           </a:p>
           <a:p>
             <a:pPr marL="912812" lvl="1" indent="-419100">
+              <a:lnSpc>
+                <a:spcPct val="90000"/>
+              </a:lnSpc>
               <a:buClr>
                 <a:schemeClr val="dk1"/>
               </a:buClr>
               <a:buSzPct val="100000"/>
             </a:pPr>
             <a:r>
-              <a:rPr lang="en-US" dirty="0" smtClean="0"/>
+              <a:rPr lang="en-US" sz="2000" dirty="0" smtClean="0"/>
               <a:t>U</a:t>
             </a:r>
             <a:r>
-              <a:rPr lang="en" dirty="0" smtClean="0"/>
+              <a:rPr lang="en" sz="2000" dirty="0" smtClean="0"/>
               <a:t>sing </a:t>
             </a:r>
             <a:r>
-              <a:rPr lang="en-US" dirty="0" smtClean="0"/>
+              <a:rPr lang="en-US" sz="2000" dirty="0" smtClean="0"/>
               <a:t>“current” </a:t>
             </a:r>
             <a:r>
-              <a:rPr lang="en" dirty="0" smtClean="0"/>
+              <a:rPr lang="en" sz="2000" dirty="0" smtClean="0"/>
               <a:t>technologies complemented by brain-inspired communication and computing sub-systems</a:t>
             </a:r>
             <a:r>
-              <a:rPr lang="en-US" dirty="0" smtClean="0"/>
+              <a:rPr lang="en-US" sz="2000" dirty="0" smtClean="0"/>
               <a:t>?</a:t>
             </a:r>
-            <a:endParaRPr lang="en" sz="1800" dirty="0" smtClean="0"/>
-          </a:p>
-          <a:p>
-            <a:endParaRPr lang="en" sz="2000" dirty="0"/>
+            <a:endParaRPr lang="en" sz="2000" dirty="0" smtClean="0"/>
+          </a:p>
+          <a:p>
+            <a:pPr>
+              <a:lnSpc>
+                <a:spcPct val="90000"/>
+              </a:lnSpc>
+            </a:pPr>
+            <a:endParaRPr lang="en" dirty="0"/>
           </a:p>
         </p:txBody>
       </p:sp>
@@ -8215,7 +9399,7 @@
         </p:nvSpPr>
         <p:spPr>
           <a:xfrm>
-            <a:off x="283096" y="934639"/>
+            <a:off x="283096" y="879415"/>
             <a:ext cx="8596312" cy="5146675"/>
           </a:xfrm>
           <a:prstGeom prst="rect">
@@ -8248,7 +9432,6 @@
               <a:rPr lang="en-US" dirty="0" smtClean="0"/>
               <a:t>DCA requirements</a:t>
             </a:r>
-            <a:endParaRPr lang="en-US" dirty="0" smtClean="0"/>
           </a:p>
           <a:p>
             <a:pPr marL="912812" lvl="1" indent="-381000">
@@ -8314,16 +9497,13 @@
             </a:pPr>
             <a:r>
               <a:rPr lang="en-US" dirty="0" smtClean="0"/>
-              <a:t>Balanced </a:t>
+              <a:t>Balanced DCI and </a:t>
             </a:r>
             <a:r>
               <a:rPr lang="en-US" dirty="0" smtClean="0"/>
-              <a:t>DCI </a:t>
-            </a:r>
-            <a:r>
-              <a:rPr lang="en-US" dirty="0" smtClean="0"/>
-              <a:t>and scaling</a:t>
-            </a:r>
+              <a:t>support for scaling along all dimensions</a:t>
+            </a:r>
+            <a:endParaRPr lang="en-US" dirty="0" smtClean="0"/>
           </a:p>
           <a:p>
             <a:pPr marL="906462" lvl="1" indent="-381000">
@@ -8344,8 +9524,9 @@
             <a:endParaRPr lang="en-US" sz="2000" dirty="0" smtClean="0"/>
           </a:p>
           <a:p>
-            <a:pPr marL="906462" lvl="1" indent="-381000">
+            <a:pPr marL="525462" lvl="1" indent="0">
               <a:buSzPct val="80000"/>
+              <a:buNone/>
             </a:pPr>
             <a:endParaRPr lang="en-US" sz="2000" dirty="0"/>
           </a:p>
@@ -8365,11 +9546,7 @@
             </a:r>
             <a:r>
               <a:rPr lang="en-US" dirty="0" smtClean="0"/>
-              <a:t>used to provide</a:t>
-            </a:r>
-            <a:r>
-              <a:rPr lang="en-US" dirty="0" smtClean="0"/>
-              <a:t> functionality</a:t>
+              <a:t>used to provide functionality</a:t>
             </a:r>
             <a:endParaRPr lang="en" dirty="0"/>
           </a:p>
@@ -8387,11 +9564,7 @@
             </a:r>
             <a:r>
               <a:rPr lang="en-US" sz="2000" dirty="0" smtClean="0"/>
-              <a:t>and aggregated functionality</a:t>
-            </a:r>
-            <a:r>
-              <a:rPr lang="en-US" sz="2000" dirty="0" smtClean="0"/>
-              <a:t>, </a:t>
+              <a:t>and aggregated functionality, </a:t>
             </a:r>
             <a:r>
               <a:rPr lang="en-US" sz="2000" dirty="0"/>
@@ -8399,11 +9572,7 @@
             </a:r>
             <a:r>
               <a:rPr lang="en-US" sz="2000" dirty="0" smtClean="0"/>
-              <a:t>how, </a:t>
-            </a:r>
-            <a:r>
-              <a:rPr lang="en-US" sz="2000" dirty="0" smtClean="0"/>
-              <a:t>or the specific technology/approached used</a:t>
+              <a:t>how, or the specific technology/approached used</a:t>
             </a:r>
           </a:p>
           <a:p>
@@ -8412,15 +9581,7 @@
             </a:pPr>
             <a:r>
               <a:rPr lang="en-US" sz="2000" dirty="0" smtClean="0"/>
-              <a:t>e.g</a:t>
-            </a:r>
-            <a:r>
-              <a:rPr lang="en-US" sz="2000" dirty="0" smtClean="0"/>
-              <a:t>., </a:t>
-            </a:r>
-            <a:r>
-              <a:rPr lang="en-US" sz="2000" dirty="0" smtClean="0"/>
-              <a:t>Num. of </a:t>
+              <a:t>e.g., Num. of </a:t>
             </a:r>
             <a:r>
               <a:rPr lang="en" sz="2000" dirty="0" smtClean="0"/>
@@ -8432,15 +9593,7 @@
             </a:r>
             <a:r>
               <a:rPr lang="en-US" sz="2000" dirty="0" smtClean="0"/>
-              <a:t>probabilistic </a:t>
-            </a:r>
-            <a:r>
-              <a:rPr lang="en-US" sz="2000" dirty="0" smtClean="0"/>
-              <a:t>bounds on time-to-completion, </a:t>
-            </a:r>
-            <a:r>
-              <a:rPr lang="en-US" sz="2000" dirty="0" smtClean="0"/>
-              <a:t>performance </a:t>
+              <a:t>probabilistic bounds on time-to-completion, performance </a:t>
             </a:r>
             <a:r>
               <a:rPr lang="en" sz="2000" dirty="0" smtClean="0"/>
@@ -8464,27 +9617,15 @@
             </a:r>
             <a:r>
               <a:rPr lang="en-US" sz="2000" dirty="0" smtClean="0"/>
-              <a:t>(</a:t>
-            </a:r>
-            <a:r>
-              <a:rPr lang="en-US" sz="2000" dirty="0" smtClean="0"/>
-              <a:t>v</a:t>
+              <a:t>(v</a:t>
             </a:r>
             <a:r>
               <a:rPr lang="en" sz="2000" dirty="0" smtClean="0"/>
-              <a:t>olumes</a:t>
-            </a:r>
-            <a:r>
-              <a:rPr lang="en" sz="2000" dirty="0" smtClean="0"/>
-              <a:t>/transfer/storage</a:t>
-            </a:r>
-            <a:r>
-              <a:rPr lang="en-US" sz="2000" dirty="0" smtClean="0"/>
-              <a:t> </a:t>
-            </a:r>
-            <a:r>
-              <a:rPr lang="en-US" sz="2000" dirty="0" smtClean="0"/>
-              <a:t>ability)</a:t>
+              <a:t>olumes/transfer/storage</a:t>
+            </a:r>
+            <a:r>
+              <a:rPr lang="en-US" sz="2000" dirty="0" smtClean="0"/>
+              <a:t> ability)</a:t>
             </a:r>
             <a:endParaRPr lang="en-US" sz="2000" dirty="0"/>
           </a:p>

--- a/radical-magic.pptx
+++ b/radical-magic.pptx
@@ -5,7 +5,7 @@
     <p:sldMasterId id="2147483656" r:id="rId1"/>
   </p:sldMasterIdLst>
   <p:notesMasterIdLst>
-    <p:notesMasterId r:id="rId17"/>
+    <p:notesMasterId r:id="rId16"/>
   </p:notesMasterIdLst>
   <p:sldIdLst>
     <p:sldId id="256" r:id="rId2"/>
@@ -22,7 +22,6 @@
     <p:sldId id="269" r:id="rId13"/>
     <p:sldId id="281" r:id="rId14"/>
     <p:sldId id="278" r:id="rId15"/>
-    <p:sldId id="289" r:id="rId16"/>
   </p:sldIdLst>
   <p:sldSz cx="9144000" cy="6858000" type="screen4x3"/>
   <p:notesSz cx="6858000" cy="9144000"/>
@@ -894,141 +893,6 @@
 </p:notes>
 </file>
 
-<file path=ppt/notesSlides/notesSlide13.xml><?xml version="1.0" encoding="utf-8"?>
-<p:notes xmlns:a="http://schemas.openxmlformats.org/drawingml/2006/main" xmlns:r="http://schemas.openxmlformats.org/officeDocument/2006/relationships" xmlns:p="http://schemas.openxmlformats.org/presentationml/2006/main" showMasterSp="0" showMasterPhAnim="0">
-  <p:cSld>
-    <p:spTree>
-      <p:nvGrpSpPr>
-        <p:cNvPr id="1" name="Shape 49"/>
-        <p:cNvGrpSpPr/>
-        <p:nvPr/>
-      </p:nvGrpSpPr>
-      <p:grpSpPr>
-        <a:xfrm>
-          <a:off x="0" y="0"/>
-          <a:ext cx="0" cy="0"/>
-          <a:chOff x="0" y="0"/>
-          <a:chExt cx="0" cy="0"/>
-        </a:xfrm>
-      </p:grpSpPr>
-      <p:sp>
-        <p:nvSpPr>
-          <p:cNvPr id="50" name="Shape 50"/>
-          <p:cNvSpPr>
-            <a:spLocks noGrp="1" noRot="1" noChangeAspect="1"/>
-          </p:cNvSpPr>
-          <p:nvPr>
-            <p:ph type="sldImg" idx="2"/>
-          </p:nvPr>
-        </p:nvSpPr>
-        <p:spPr>
-          <a:xfrm>
-            <a:off x="1143000" y="685800"/>
-            <a:ext cx="4572000" cy="3429000"/>
-          </a:xfrm>
-          <a:custGeom>
-            <a:avLst/>
-            <a:gdLst/>
-            <a:ahLst/>
-            <a:cxnLst/>
-            <a:rect l="0" t="0" r="0" b="0"/>
-            <a:pathLst>
-              <a:path w="120000" h="120000" extrusionOk="0">
-                <a:moveTo>
-                  <a:pt x="0" y="0"/>
-                </a:moveTo>
-                <a:lnTo>
-                  <a:pt x="120000" y="0"/>
-                </a:lnTo>
-                <a:lnTo>
-                  <a:pt x="120000" y="120000"/>
-                </a:lnTo>
-                <a:lnTo>
-                  <a:pt x="0" y="120000"/>
-                </a:lnTo>
-                <a:close/>
-              </a:path>
-            </a:pathLst>
-          </a:custGeom>
-        </p:spPr>
-      </p:sp>
-      <p:sp>
-        <p:nvSpPr>
-          <p:cNvPr id="51" name="Shape 51"/>
-          <p:cNvSpPr txBox="1">
-            <a:spLocks noGrp="1"/>
-          </p:cNvSpPr>
-          <p:nvPr>
-            <p:ph type="body" idx="1"/>
-          </p:nvPr>
-        </p:nvSpPr>
-        <p:spPr>
-          <a:xfrm>
-            <a:off x="685800" y="4343400"/>
-            <a:ext cx="5486399" cy="4114800"/>
-          </a:xfrm>
-          <a:prstGeom prst="rect">
-            <a:avLst/>
-          </a:prstGeom>
-        </p:spPr>
-        <p:txBody>
-          <a:bodyPr lIns="91425" tIns="91425" rIns="91425" bIns="91425" anchor="t" anchorCtr="0">
-            <a:noAutofit/>
-          </a:bodyPr>
-          <a:lstStyle/>
-          <a:p>
-            <a:r>
-              <a:rPr lang="en-US" dirty="0" smtClean="0">
-                <a:solidFill>
-                  <a:srgbClr val="606060"/>
-                </a:solidFill>
-              </a:rPr>
-              <a:t>D</a:t>
-            </a:r>
-            <a:r>
-              <a:rPr lang="en" dirty="0" smtClean="0">
-                <a:solidFill>
-                  <a:srgbClr val="606060"/>
-                </a:solidFill>
-              </a:rPr>
-              <a:t>ata generation </a:t>
-            </a:r>
-            <a:r>
-              <a:rPr lang="en-US" dirty="0" smtClean="0">
-                <a:solidFill>
-                  <a:srgbClr val="606060"/>
-                </a:solidFill>
-              </a:rPr>
-              <a:t>doubles every </a:t>
-            </a:r>
-            <a:r>
-              <a:rPr lang="en" dirty="0" smtClean="0">
-                <a:solidFill>
-                  <a:srgbClr val="606060"/>
-                </a:solidFill>
-              </a:rPr>
-              <a:t>&lt;&lt; 12 months</a:t>
-            </a:r>
-            <a:r>
-              <a:rPr lang="en-US" dirty="0" smtClean="0">
-                <a:solidFill>
-                  <a:srgbClr val="606060"/>
-                </a:solidFill>
-              </a:rPr>
-              <a:t>, i.e. faster than the doubling  rate of data storage (roughly 18 months)</a:t>
-            </a:r>
-            <a:endParaRPr dirty="0"/>
-          </a:p>
-        </p:txBody>
-      </p:sp>
-    </p:spTree>
-  </p:cSld>
-  <p:clrMapOvr>
-    <a:masterClrMapping/>
-  </p:clrMapOvr>
-</p:notes>
-</file>
-
 <file path=ppt/notesSlides/notesSlide2.xml><?xml version="1.0" encoding="utf-8"?>
 <p:notes xmlns:a="http://schemas.openxmlformats.org/drawingml/2006/main" xmlns:r="http://schemas.openxmlformats.org/officeDocument/2006/relationships" xmlns:p="http://schemas.openxmlformats.org/presentationml/2006/main" showMasterSp="0" showMasterPhAnim="0">
   <p:cSld>
@@ -1124,11 +988,7 @@
           <a:p>
             <a:r>
               <a:rPr lang="en-US" dirty="0" smtClean="0"/>
-              <a:t>Something </a:t>
-            </a:r>
-            <a:r>
-              <a:rPr lang="en-US" dirty="0" smtClean="0"/>
-              <a:t>about the current</a:t>
+              <a:t>Something about the current</a:t>
             </a:r>
             <a:r>
               <a:rPr lang="en-US" baseline="0" dirty="0" smtClean="0"/>
@@ -3424,11 +3284,7 @@
             </a:r>
             <a:r>
               <a:rPr lang="en-US" sz="2000" dirty="0" smtClean="0"/>
-              <a:t> </a:t>
-            </a:r>
-            <a:r>
-              <a:rPr lang="en-US" sz="2000" dirty="0" smtClean="0"/>
-              <a:t>at</a:t>
+              <a:t> at</a:t>
             </a:r>
             <a:r>
               <a:rPr lang="en" sz="2000" dirty="0" smtClean="0"/>
@@ -3459,19 +3315,11 @@
             </a:r>
             <a:r>
               <a:rPr lang="en-US" sz="2000" dirty="0"/>
-              <a:t>. </a:t>
-            </a:r>
-            <a:r>
-              <a:rPr lang="en-US" sz="2000" dirty="0"/>
-              <a:t>h</a:t>
-            </a:r>
-            <a:r>
-              <a:rPr lang="en-US" sz="2000" dirty="0" smtClean="0"/>
-              <a:t>ow</a:t>
-            </a:r>
-            <a:r>
-              <a:rPr lang="en-US" sz="2000" dirty="0" smtClean="0"/>
-              <a:t>/when </a:t>
+              <a:t>. h</a:t>
+            </a:r>
+            <a:r>
+              <a:rPr lang="en-US" sz="2000" dirty="0" smtClean="0"/>
+              <a:t>ow/when </a:t>
             </a:r>
             <a:r>
               <a:rPr lang="en-US" sz="2000" dirty="0"/>
@@ -3556,11 +3404,7 @@
             </a:pPr>
             <a:r>
               <a:rPr lang="en-US" sz="2000" dirty="0" smtClean="0"/>
-              <a:t>Flexible </a:t>
-            </a:r>
-            <a:r>
-              <a:rPr lang="en-US" sz="2000" dirty="0" smtClean="0"/>
-              <a:t>deployment </a:t>
+              <a:t>Flexible deployment </a:t>
             </a:r>
             <a:r>
               <a:rPr lang="en-US" sz="2000" dirty="0"/>
@@ -3596,11 +3440,7 @@
             </a:pPr>
             <a:r>
               <a:rPr lang="en-US" sz="2000" dirty="0" smtClean="0"/>
-              <a:t>What functional </a:t>
-            </a:r>
-            <a:r>
-              <a:rPr lang="en-US" sz="2000" dirty="0" smtClean="0"/>
-              <a:t>units, </a:t>
+              <a:t>What functional units, </a:t>
             </a:r>
             <a:r>
               <a:rPr lang="en-US" sz="2000" dirty="0"/>
@@ -3934,15 +3774,7 @@
                   <a:srgbClr val="000000"/>
                 </a:solidFill>
               </a:rPr>
-              <a:t>components </a:t>
-            </a:r>
-            <a:r>
-              <a:rPr lang="en" dirty="0" smtClean="0">
-                <a:solidFill>
-                  <a:srgbClr val="000000"/>
-                </a:solidFill>
-              </a:rPr>
-              <a:t>with </a:t>
+              <a:t>components with </a:t>
             </a:r>
             <a:r>
               <a:rPr lang="en" dirty="0">
@@ -4028,7 +3860,7 @@
             </a:endParaRPr>
           </a:p>
           <a:p>
-            <a:pPr marL="742950" indent="-285750">
+            <a:pPr marL="971550" indent="-514350">
               <a:lnSpc>
                 <a:spcPct val="115000"/>
               </a:lnSpc>
@@ -4039,8 +3871,8 @@
                 <a:srgbClr val="000000"/>
               </a:buClr>
               <a:buSzPct val="100000"/>
-              <a:buFont typeface="Arial"/>
-              <a:buChar char="•"/>
+              <a:buFont typeface="+mj-lt"/>
+              <a:buAutoNum type="romanUcPeriod"/>
             </a:pPr>
             <a:r>
               <a:rPr lang="en-US" dirty="0" smtClean="0">
@@ -4051,7 +3883,7 @@
                   </a:schemeClr>
                 </a:solidFill>
               </a:rPr>
-              <a:t>Well-defined and fixed</a:t>
+              <a:t>Well-defined </a:t>
             </a:r>
             <a:r>
               <a:rPr lang="en" dirty="0" smtClean="0">
@@ -4062,10 +3894,10 @@
                   </a:schemeClr>
                 </a:solidFill>
               </a:rPr>
-              <a:t> capability amidst heterogeneous, dynamic resources requires </a:t>
-            </a:r>
-            <a:r>
-              <a:rPr lang="en" i="1" dirty="0" smtClean="0">
+              <a:t>capability </a:t>
+            </a:r>
+            <a:r>
+              <a:rPr lang="en" dirty="0" smtClean="0">
                 <a:solidFill>
                   <a:schemeClr val="tx1">
                     <a:lumMod val="65000"/>
@@ -4073,10 +3905,10 @@
                   </a:schemeClr>
                 </a:solidFill>
               </a:rPr>
-              <a:t>flexible </a:t>
-            </a:r>
-            <a:r>
-              <a:rPr lang="en-US" i="1" dirty="0" smtClean="0">
+              <a:t>amidst heterogeneous, dynamic resources requires </a:t>
+            </a:r>
+            <a:r>
+              <a:rPr lang="en" i="1" dirty="0" smtClean="0">
                 <a:solidFill>
                   <a:schemeClr val="tx1">
                     <a:lumMod val="65000"/>
@@ -4084,10 +3916,10 @@
                   </a:schemeClr>
                 </a:solidFill>
               </a:rPr>
-              <a:t>federation</a:t>
-            </a:r>
-            <a:r>
-              <a:rPr lang="en" dirty="0" smtClean="0">
+              <a:t>flexible </a:t>
+            </a:r>
+            <a:r>
+              <a:rPr lang="en-US" i="1" dirty="0" smtClean="0">
                 <a:solidFill>
                   <a:schemeClr val="tx1">
                     <a:lumMod val="65000"/>
@@ -4095,8 +3927,147 @@
                   </a:schemeClr>
                 </a:solidFill>
               </a:rPr>
+              <a:t>federation</a:t>
+            </a:r>
+            <a:r>
+              <a:rPr lang="en" dirty="0" smtClean="0">
+                <a:solidFill>
+                  <a:schemeClr val="tx1">
+                    <a:lumMod val="65000"/>
+                    <a:lumOff val="35000"/>
+                  </a:schemeClr>
+                </a:solidFill>
+              </a:rPr>
               <a:t> of resources and services</a:t>
             </a:r>
+          </a:p>
+          <a:p>
+            <a:pPr marL="971550" indent="-514350">
+              <a:lnSpc>
+                <a:spcPct val="115000"/>
+              </a:lnSpc>
+              <a:spcBef>
+                <a:spcPts val="400"/>
+              </a:spcBef>
+              <a:buFont typeface="+mj-lt"/>
+              <a:buAutoNum type="romanUcPeriod"/>
+            </a:pPr>
+            <a:r>
+              <a:rPr lang="en-US" dirty="0" smtClean="0">
+                <a:solidFill>
+                  <a:schemeClr val="tx1">
+                    <a:lumMod val="65000"/>
+                    <a:lumOff val="35000"/>
+                  </a:schemeClr>
+                </a:solidFill>
+              </a:rPr>
+              <a:t>R</a:t>
+            </a:r>
+            <a:r>
+              <a:rPr lang="en" dirty="0" smtClean="0">
+                <a:solidFill>
+                  <a:schemeClr val="tx1">
+                    <a:lumMod val="65000"/>
+                    <a:lumOff val="35000"/>
+                  </a:schemeClr>
+                </a:solidFill>
+              </a:rPr>
+              <a:t>eason</a:t>
+            </a:r>
+            <a:r>
+              <a:rPr lang="en-US" dirty="0" err="1" smtClean="0">
+                <a:solidFill>
+                  <a:schemeClr val="tx1">
+                    <a:lumMod val="65000"/>
+                    <a:lumOff val="35000"/>
+                  </a:schemeClr>
+                </a:solidFill>
+              </a:rPr>
+              <a:t>ing</a:t>
+            </a:r>
+            <a:r>
+              <a:rPr lang="en" dirty="0" smtClean="0">
+                <a:solidFill>
+                  <a:schemeClr val="tx1">
+                    <a:lumMod val="65000"/>
+                    <a:lumOff val="35000"/>
+                  </a:schemeClr>
+                </a:solidFill>
+              </a:rPr>
+              <a:t> about </a:t>
+            </a:r>
+            <a:r>
+              <a:rPr lang="en" dirty="0" smtClean="0">
+                <a:solidFill>
+                  <a:schemeClr val="tx1">
+                    <a:lumMod val="65000"/>
+                    <a:lumOff val="35000"/>
+                  </a:schemeClr>
+                </a:solidFill>
+              </a:rPr>
+              <a:t>performance</a:t>
+            </a:r>
+            <a:endParaRPr lang="en-US" dirty="0" smtClean="0">
+              <a:solidFill>
+                <a:schemeClr val="tx1">
+                  <a:lumMod val="65000"/>
+                  <a:lumOff val="35000"/>
+                </a:schemeClr>
+              </a:solidFill>
+            </a:endParaRPr>
+          </a:p>
+          <a:p>
+            <a:pPr marL="1198562" lvl="1" indent="-285750">
+              <a:lnSpc>
+                <a:spcPct val="115000"/>
+              </a:lnSpc>
+              <a:spcBef>
+                <a:spcPts val="400"/>
+              </a:spcBef>
+              <a:buFont typeface="Arial"/>
+              <a:buChar char="•"/>
+            </a:pPr>
+            <a:r>
+              <a:rPr lang="en" sz="2000" dirty="0" smtClean="0">
+                <a:solidFill>
+                  <a:schemeClr val="tx1">
+                    <a:lumMod val="65000"/>
+                    <a:lumOff val="35000"/>
+                  </a:schemeClr>
+                </a:solidFill>
+              </a:rPr>
+              <a:t>Can </a:t>
+            </a:r>
+            <a:r>
+              <a:rPr lang="en-US" sz="2000" dirty="0" smtClean="0">
+                <a:solidFill>
+                  <a:schemeClr val="tx1">
+                    <a:lumMod val="65000"/>
+                    <a:lumOff val="35000"/>
+                  </a:schemeClr>
+                </a:solidFill>
+              </a:rPr>
+              <a:t>d</a:t>
+            </a:r>
+            <a:r>
+              <a:rPr lang="en" sz="2000" dirty="0" smtClean="0">
+                <a:solidFill>
+                  <a:schemeClr val="tx1">
+                    <a:lumMod val="65000"/>
+                    <a:lumOff val="35000"/>
+                  </a:schemeClr>
+                </a:solidFill>
+              </a:rPr>
+              <a:t>esign for randomness but not for unpredictable behaviour</a:t>
+            </a:r>
+            <a:endParaRPr lang="en-US" sz="2000" dirty="0" smtClean="0">
+              <a:solidFill>
+                <a:schemeClr val="tx1">
+                  <a:lumMod val="65000"/>
+                  <a:lumOff val="35000"/>
+                </a:schemeClr>
+              </a:solidFill>
+            </a:endParaRPr>
           </a:p>
           <a:p>
             <a:pPr marL="742950" indent="-285750">
@@ -4110,7 +4081,7 @@
               <a:buChar char="•"/>
             </a:pPr>
             <a:r>
-              <a:rPr lang="en" dirty="0" smtClean="0">
+              <a:rPr lang="en-US" dirty="0" smtClean="0">
                 <a:solidFill>
                   <a:schemeClr val="tx1">
                     <a:lumMod val="65000"/>
@@ -4118,10 +4089,10 @@
                   </a:schemeClr>
                 </a:solidFill>
               </a:rPr>
-              <a:t>Flexible </a:t>
-            </a:r>
-            <a:r>
-              <a:rPr lang="en-US" dirty="0" smtClean="0">
+              <a:t>Combination of r</a:t>
+            </a:r>
+            <a:r>
+              <a:rPr lang="en" dirty="0" smtClean="0">
                 <a:solidFill>
                   <a:schemeClr val="tx1">
                     <a:lumMod val="65000"/>
@@ -4129,10 +4100,10 @@
                   </a:schemeClr>
                 </a:solidFill>
               </a:rPr>
-              <a:t>federation</a:t>
-            </a:r>
-            <a:r>
-              <a:rPr lang="en" dirty="0" smtClean="0">
+              <a:t>eason</a:t>
+            </a:r>
+            <a:r>
+              <a:rPr lang="en-US" dirty="0" err="1" smtClean="0">
                 <a:solidFill>
                   <a:schemeClr val="tx1">
                     <a:lumMod val="65000"/>
@@ -4140,7 +4111,7 @@
                   </a:schemeClr>
                 </a:solidFill>
               </a:rPr>
-              <a:t> </a:t>
+              <a:t>ing</a:t>
             </a:r>
             <a:r>
               <a:rPr lang="en-US" dirty="0" smtClean="0">
@@ -4151,7 +4122,7 @@
                   </a:schemeClr>
                 </a:solidFill>
               </a:rPr>
-              <a:t>in conjunction with </a:t>
+              <a:t> (</a:t>
             </a:r>
             <a:r>
               <a:rPr lang="en" dirty="0" smtClean="0">
@@ -4162,10 +4133,10 @@
                   </a:schemeClr>
                 </a:solidFill>
               </a:rPr>
-              <a:t>reason</a:t>
-            </a:r>
-            <a:r>
-              <a:rPr lang="en-US" dirty="0" err="1" smtClean="0">
+              <a:t>across possible </a:t>
+            </a:r>
+            <a:r>
+              <a:rPr lang="en-US" dirty="0" smtClean="0">
                 <a:solidFill>
                   <a:schemeClr val="tx1">
                     <a:lumMod val="65000"/>
@@ -4173,7 +4144,7 @@
                   </a:schemeClr>
                 </a:solidFill>
               </a:rPr>
-              <a:t>ing</a:t>
+              <a:t>configurations)</a:t>
             </a:r>
             <a:r>
               <a:rPr lang="en" dirty="0" smtClean="0">
@@ -4184,10 +4155,10 @@
                   </a:schemeClr>
                 </a:solidFill>
               </a:rPr>
-              <a:t> about performance</a:t>
-            </a:r>
-            <a:r>
-              <a:rPr lang="en-US" dirty="0">
+              <a:t> and </a:t>
+            </a:r>
+            <a:r>
+              <a:rPr lang="en-US" dirty="0" smtClean="0">
                 <a:solidFill>
                   <a:schemeClr val="tx1">
                     <a:lumMod val="65000"/>
@@ -4195,10 +4166,10 @@
                   </a:schemeClr>
                 </a:solidFill>
               </a:rPr>
-              <a:t> </a:t>
-            </a:r>
-            <a:r>
-              <a:rPr lang="en-US" dirty="0" smtClean="0">
+              <a:t>flexible </a:t>
+            </a:r>
+            <a:r>
+              <a:rPr lang="en" dirty="0" smtClean="0">
                 <a:solidFill>
                   <a:schemeClr val="tx1">
                     <a:lumMod val="65000"/>
@@ -4206,10 +4177,10 @@
                   </a:schemeClr>
                 </a:solidFill>
               </a:rPr>
-              <a:t>is needed to deliver well</a:t>
-            </a:r>
-            <a:r>
-              <a:rPr lang="en-US" dirty="0">
+              <a:t>federat</a:t>
+            </a:r>
+            <a:r>
+              <a:rPr lang="en-US" dirty="0" smtClean="0">
                 <a:solidFill>
                   <a:schemeClr val="tx1">
                     <a:lumMod val="65000"/>
@@ -4217,30 +4188,10 @@
                   </a:schemeClr>
                 </a:solidFill>
               </a:rPr>
-              <a:t>-defined capability </a:t>
-            </a:r>
-            <a:endParaRPr lang="en-US" dirty="0" smtClean="0">
-              <a:solidFill>
-                <a:schemeClr val="tx1">
-                  <a:lumMod val="65000"/>
-                  <a:lumOff val="35000"/>
-                </a:schemeClr>
-              </a:solidFill>
-            </a:endParaRPr>
-          </a:p>
-          <a:p>
-            <a:pPr marL="1198562" lvl="1" indent="-285750">
-              <a:lnSpc>
-                <a:spcPct val="115000"/>
-              </a:lnSpc>
-              <a:spcBef>
-                <a:spcPts val="400"/>
-              </a:spcBef>
-              <a:buFont typeface="Arial"/>
-              <a:buChar char="•"/>
-            </a:pPr>
-            <a:r>
-              <a:rPr lang="en" sz="2000" dirty="0" smtClean="0">
+              <a:t>ion points to a role for next-generation </a:t>
+            </a:r>
+            <a:r>
+              <a:rPr lang="en" dirty="0" smtClean="0">
                 <a:solidFill>
                   <a:schemeClr val="tx1">
                     <a:lumMod val="65000"/>
@@ -4248,190 +4199,8 @@
                   </a:schemeClr>
                 </a:solidFill>
               </a:rPr>
-              <a:t>Can </a:t>
-            </a:r>
-            <a:r>
-              <a:rPr lang="en-US" sz="2000" dirty="0" smtClean="0">
-                <a:solidFill>
-                  <a:schemeClr val="tx1">
-                    <a:lumMod val="65000"/>
-                    <a:lumOff val="35000"/>
-                  </a:schemeClr>
-                </a:solidFill>
-              </a:rPr>
-              <a:t>d</a:t>
-            </a:r>
-            <a:r>
-              <a:rPr lang="en" sz="2000" dirty="0" smtClean="0">
-                <a:solidFill>
-                  <a:schemeClr val="tx1">
-                    <a:lumMod val="65000"/>
-                    <a:lumOff val="35000"/>
-                  </a:schemeClr>
-                </a:solidFill>
-              </a:rPr>
-              <a:t>esign for randomness but not for unpredictable behaviour</a:t>
-            </a:r>
-            <a:endParaRPr lang="en-US" sz="2000" dirty="0" smtClean="0">
-              <a:solidFill>
-                <a:schemeClr val="tx1">
-                  <a:lumMod val="65000"/>
-                  <a:lumOff val="35000"/>
-                </a:schemeClr>
-              </a:solidFill>
-            </a:endParaRPr>
-          </a:p>
-          <a:p>
-            <a:pPr marL="742950" indent="-285750">
-              <a:lnSpc>
-                <a:spcPct val="115000"/>
-              </a:lnSpc>
-              <a:spcBef>
-                <a:spcPts val="400"/>
-              </a:spcBef>
-              <a:buFont typeface="Arial"/>
-              <a:buChar char="•"/>
-            </a:pPr>
-            <a:r>
-              <a:rPr lang="en-US" dirty="0" smtClean="0">
-                <a:solidFill>
-                  <a:schemeClr val="tx1">
-                    <a:lumMod val="65000"/>
-                    <a:lumOff val="35000"/>
-                  </a:schemeClr>
-                </a:solidFill>
-              </a:rPr>
-              <a:t>Combination of r</a:t>
-            </a:r>
-            <a:r>
-              <a:rPr lang="en" dirty="0" smtClean="0">
-                <a:solidFill>
-                  <a:schemeClr val="tx1">
-                    <a:lumMod val="65000"/>
-                    <a:lumOff val="35000"/>
-                  </a:schemeClr>
-                </a:solidFill>
-              </a:rPr>
-              <a:t>eason</a:t>
-            </a:r>
-            <a:r>
-              <a:rPr lang="en-US" dirty="0" err="1" smtClean="0">
-                <a:solidFill>
-                  <a:schemeClr val="tx1">
-                    <a:lumMod val="65000"/>
-                    <a:lumOff val="35000"/>
-                  </a:schemeClr>
-                </a:solidFill>
-              </a:rPr>
-              <a:t>ing</a:t>
-            </a:r>
-            <a:r>
-              <a:rPr lang="en-US" dirty="0" smtClean="0">
-                <a:solidFill>
-                  <a:schemeClr val="tx1">
-                    <a:lumMod val="65000"/>
-                    <a:lumOff val="35000"/>
-                  </a:schemeClr>
-                </a:solidFill>
-              </a:rPr>
-              <a:t> (</a:t>
-            </a:r>
-            <a:r>
-              <a:rPr lang="en" dirty="0" smtClean="0">
-                <a:solidFill>
-                  <a:schemeClr val="tx1">
-                    <a:lumMod val="65000"/>
-                    <a:lumOff val="35000"/>
-                  </a:schemeClr>
-                </a:solidFill>
-              </a:rPr>
-              <a:t>across possible </a:t>
-            </a:r>
-            <a:r>
-              <a:rPr lang="en-US" dirty="0" smtClean="0">
-                <a:solidFill>
-                  <a:schemeClr val="tx1">
-                    <a:lumMod val="65000"/>
-                    <a:lumOff val="35000"/>
-                  </a:schemeClr>
-                </a:solidFill>
-              </a:rPr>
-              <a:t>configurations)</a:t>
-            </a:r>
-            <a:r>
-              <a:rPr lang="en" dirty="0" smtClean="0">
-                <a:solidFill>
-                  <a:schemeClr val="tx1">
-                    <a:lumMod val="65000"/>
-                    <a:lumOff val="35000"/>
-                  </a:schemeClr>
-                </a:solidFill>
-              </a:rPr>
-              <a:t> </a:t>
-            </a:r>
-            <a:r>
-              <a:rPr lang="en" dirty="0">
-                <a:solidFill>
-                  <a:schemeClr val="tx1">
-                    <a:lumMod val="65000"/>
-                    <a:lumOff val="35000"/>
-                  </a:schemeClr>
-                </a:solidFill>
-              </a:rPr>
-              <a:t>and </a:t>
-            </a:r>
-            <a:r>
-              <a:rPr lang="en-US" dirty="0" smtClean="0">
-                <a:solidFill>
-                  <a:schemeClr val="tx1">
-                    <a:lumMod val="65000"/>
-                    <a:lumOff val="35000"/>
-                  </a:schemeClr>
-                </a:solidFill>
-              </a:rPr>
-              <a:t>flexible </a:t>
-            </a:r>
-            <a:r>
-              <a:rPr lang="en" dirty="0" smtClean="0">
-                <a:solidFill>
-                  <a:schemeClr val="tx1">
-                    <a:lumMod val="65000"/>
-                    <a:lumOff val="35000"/>
-                  </a:schemeClr>
-                </a:solidFill>
-              </a:rPr>
-              <a:t>federat</a:t>
-            </a:r>
-            <a:r>
-              <a:rPr lang="en-US" dirty="0" smtClean="0">
-                <a:solidFill>
-                  <a:schemeClr val="tx1">
-                    <a:lumMod val="65000"/>
-                    <a:lumOff val="35000"/>
-                  </a:schemeClr>
-                </a:solidFill>
-              </a:rPr>
-              <a:t>ion points to a role for next-generation </a:t>
-            </a:r>
-            <a:r>
-              <a:rPr lang="en" dirty="0" smtClean="0">
-                <a:solidFill>
-                  <a:schemeClr val="tx1">
-                    <a:lumMod val="65000"/>
-                    <a:lumOff val="35000"/>
-                  </a:schemeClr>
-                </a:solidFill>
-              </a:rPr>
               <a:t>middleware </a:t>
             </a:r>
-            <a:endParaRPr lang="en" dirty="0" smtClean="0">
-              <a:solidFill>
-                <a:schemeClr val="tx1">
-                  <a:lumMod val="65000"/>
-                  <a:lumOff val="35000"/>
-                </a:schemeClr>
-              </a:solidFill>
-            </a:endParaRPr>
           </a:p>
           <a:p>
             <a:pPr lvl="0" rtl="0">
@@ -4488,18 +4257,7 @@
                   </a:schemeClr>
                 </a:solidFill>
               </a:rPr>
-              <a:t>For given capability appropriate execution strategy is </a:t>
-            </a:r>
-            <a:r>
-              <a:rPr lang="en" sz="2000" dirty="0" smtClean="0">
-                <a:solidFill>
-                  <a:schemeClr val="tx1">
-                    <a:lumMod val="65000"/>
-                    <a:lumOff val="35000"/>
-                  </a:schemeClr>
-                </a:solidFill>
-              </a:rPr>
-              <a:t>determined</a:t>
+              <a:t>For given capability appropriate execution strategy is determined</a:t>
             </a:r>
             <a:endParaRPr lang="en-US" sz="2000" dirty="0" smtClean="0">
               <a:solidFill>
@@ -4809,6 +4567,219 @@
               </a:rPr>
               <a:t> </a:t>
             </a:r>
+          </a:p>
+          <a:p>
+            <a:pPr lvl="1">
+              <a:buClr>
+                <a:srgbClr val="000000"/>
+              </a:buClr>
+              <a:buSzPct val="100000"/>
+            </a:pPr>
+            <a:r>
+              <a:rPr lang="en-US" sz="2000" i="1" dirty="0" smtClean="0">
+                <a:solidFill>
+                  <a:schemeClr val="tx1">
+                    <a:lumMod val="65000"/>
+                    <a:lumOff val="35000"/>
+                  </a:schemeClr>
+                </a:solidFill>
+              </a:rPr>
+              <a:t>Next </a:t>
+            </a:r>
+            <a:r>
+              <a:rPr lang="en-US" sz="2000" i="1" dirty="0">
+                <a:solidFill>
+                  <a:schemeClr val="tx1">
+                    <a:lumMod val="65000"/>
+                    <a:lumOff val="35000"/>
+                  </a:schemeClr>
+                </a:solidFill>
+              </a:rPr>
+              <a:t>Generation </a:t>
+            </a:r>
+            <a:r>
+              <a:rPr lang="en-US" sz="2000" i="1" dirty="0" smtClean="0">
+                <a:solidFill>
+                  <a:schemeClr val="tx1">
+                    <a:lumMod val="65000"/>
+                    <a:lumOff val="35000"/>
+                  </a:schemeClr>
+                </a:solidFill>
+              </a:rPr>
+              <a:t>Middleware will </a:t>
+            </a:r>
+            <a:r>
+              <a:rPr lang="en-US" sz="2000" i="1" dirty="0">
+                <a:solidFill>
+                  <a:schemeClr val="tx1">
+                    <a:lumMod val="65000"/>
+                    <a:lumOff val="35000"/>
+                  </a:schemeClr>
+                </a:solidFill>
+              </a:rPr>
+              <a:t>be defined </a:t>
+            </a:r>
+            <a:r>
+              <a:rPr lang="en-US" sz="2000" i="1" dirty="0" smtClean="0">
+                <a:solidFill>
+                  <a:schemeClr val="tx1">
+                    <a:lumMod val="65000"/>
+                    <a:lumOff val="35000"/>
+                  </a:schemeClr>
+                </a:solidFill>
+              </a:rPr>
+              <a:t>to be that which we can add to existing middleware layer(s) to provide systems </a:t>
+            </a:r>
+            <a:r>
+              <a:rPr lang="en-US" sz="2000" i="1" dirty="0">
+                <a:solidFill>
+                  <a:schemeClr val="tx1">
+                    <a:lumMod val="65000"/>
+                    <a:lumOff val="35000"/>
+                  </a:schemeClr>
+                </a:solidFill>
+              </a:rPr>
+              <a:t>based upon </a:t>
+            </a:r>
+            <a:r>
+              <a:rPr lang="en-US" sz="2000" i="1" dirty="0" smtClean="0">
+                <a:solidFill>
+                  <a:schemeClr val="tx1">
+                    <a:lumMod val="65000"/>
+                    <a:lumOff val="35000"/>
+                  </a:schemeClr>
+                </a:solidFill>
+              </a:rPr>
+              <a:t>well-defined capability </a:t>
+            </a:r>
+            <a:r>
+              <a:rPr lang="en-US" sz="2000" i="1" dirty="0">
+                <a:solidFill>
+                  <a:schemeClr val="tx1">
+                    <a:lumMod val="65000"/>
+                    <a:lumOff val="35000"/>
+                  </a:schemeClr>
+                </a:solidFill>
+              </a:rPr>
+              <a:t>rather than </a:t>
+            </a:r>
+            <a:r>
+              <a:rPr lang="en-US" sz="2000" i="1" dirty="0" smtClean="0">
+                <a:solidFill>
+                  <a:schemeClr val="tx1">
+                    <a:lumMod val="65000"/>
+                    <a:lumOff val="35000"/>
+                  </a:schemeClr>
+                </a:solidFill>
+              </a:rPr>
+              <a:t>a technology, or a specific execution strategy (say HTC </a:t>
+            </a:r>
+            <a:r>
+              <a:rPr lang="en-US" sz="2000" i="1" dirty="0">
+                <a:solidFill>
+                  <a:schemeClr val="tx1">
+                    <a:lumMod val="65000"/>
+                    <a:lumOff val="35000"/>
+                  </a:schemeClr>
+                </a:solidFill>
+              </a:rPr>
+              <a:t>or </a:t>
+            </a:r>
+            <a:r>
+              <a:rPr lang="en-US" sz="2000" i="1" dirty="0" smtClean="0">
+                <a:solidFill>
+                  <a:schemeClr val="tx1">
+                    <a:lumMod val="65000"/>
+                    <a:lumOff val="35000"/>
+                  </a:schemeClr>
+                </a:solidFill>
+              </a:rPr>
+              <a:t>HPC), or a specific usage mode!</a:t>
+            </a:r>
+          </a:p>
+          <a:p>
+            <a:pPr>
+              <a:buClr>
+                <a:srgbClr val="000000"/>
+              </a:buClr>
+              <a:buSzPct val="100000"/>
+            </a:pPr>
+            <a:r>
+              <a:rPr lang="en-US" dirty="0" smtClean="0">
+                <a:solidFill>
+                  <a:srgbClr val="000000"/>
+                </a:solidFill>
+              </a:rPr>
+              <a:t>Federation via m</a:t>
+            </a:r>
+            <a:r>
+              <a:rPr lang="en" dirty="0" smtClean="0">
+                <a:solidFill>
+                  <a:srgbClr val="000000"/>
+                </a:solidFill>
+              </a:rPr>
+              <a:t>iddleware</a:t>
+            </a:r>
+            <a:r>
+              <a:rPr lang="en-US" dirty="0" smtClean="0">
+                <a:solidFill>
+                  <a:srgbClr val="000000"/>
+                </a:solidFill>
+              </a:rPr>
+              <a:t>:</a:t>
+            </a:r>
+          </a:p>
+          <a:p>
+            <a:pPr lvl="1">
+              <a:buClr>
+                <a:srgbClr val="000000"/>
+              </a:buClr>
+              <a:buSzPct val="100000"/>
+            </a:pPr>
+            <a:r>
+              <a:rPr lang="en-US" sz="2000" dirty="0" smtClean="0">
+                <a:solidFill>
+                  <a:schemeClr val="tx1">
+                    <a:lumMod val="65000"/>
+                    <a:lumOff val="35000"/>
+                  </a:schemeClr>
+                </a:solidFill>
+              </a:rPr>
+              <a:t>Test Case: </a:t>
+            </a:r>
+            <a:r>
+              <a:rPr lang="en" sz="2000" dirty="0" smtClean="0">
+                <a:solidFill>
+                  <a:schemeClr val="tx1">
+                    <a:lumMod val="65000"/>
+                    <a:lumOff val="35000"/>
+                  </a:schemeClr>
+                </a:solidFill>
+              </a:rPr>
+              <a:t>How </a:t>
+            </a:r>
+            <a:r>
+              <a:rPr lang="en" sz="2000" dirty="0">
+                <a:solidFill>
+                  <a:schemeClr val="tx1">
+                    <a:lumMod val="65000"/>
+                    <a:lumOff val="35000"/>
+                  </a:schemeClr>
+                </a:solidFill>
+              </a:rPr>
+              <a:t>would we federate XSEDE and </a:t>
+            </a:r>
+            <a:r>
+              <a:rPr lang="en" sz="2000" dirty="0" smtClean="0">
+                <a:solidFill>
+                  <a:schemeClr val="tx1">
+                    <a:lumMod val="65000"/>
+                    <a:lumOff val="35000"/>
+                  </a:schemeClr>
+                </a:solidFill>
+              </a:rPr>
+              <a:t>OSG?</a:t>
+            </a:r>
             <a:endParaRPr lang="en-US" sz="2000" dirty="0" smtClean="0">
               <a:solidFill>
                 <a:schemeClr val="tx1">
@@ -4819,293 +4790,6 @@
             </a:endParaRPr>
           </a:p>
           <a:p>
-            <a:pPr lvl="1">
-              <a:buClr>
-                <a:srgbClr val="000000"/>
-              </a:buClr>
-              <a:buSzPct val="100000"/>
-            </a:pPr>
-            <a:r>
-              <a:rPr lang="en-US" sz="2000" i="1" dirty="0" smtClean="0">
-                <a:solidFill>
-                  <a:schemeClr val="tx1">
-                    <a:lumMod val="65000"/>
-                    <a:lumOff val="35000"/>
-                  </a:schemeClr>
-                </a:solidFill>
-              </a:rPr>
-              <a:t>Next </a:t>
-            </a:r>
-            <a:r>
-              <a:rPr lang="en-US" sz="2000" i="1" dirty="0">
-                <a:solidFill>
-                  <a:schemeClr val="tx1">
-                    <a:lumMod val="65000"/>
-                    <a:lumOff val="35000"/>
-                  </a:schemeClr>
-                </a:solidFill>
-              </a:rPr>
-              <a:t>Generation </a:t>
-            </a:r>
-            <a:r>
-              <a:rPr lang="en-US" sz="2000" i="1" dirty="0" smtClean="0">
-                <a:solidFill>
-                  <a:schemeClr val="tx1">
-                    <a:lumMod val="65000"/>
-                    <a:lumOff val="35000"/>
-                  </a:schemeClr>
-                </a:solidFill>
-              </a:rPr>
-              <a:t>Middleware will </a:t>
-            </a:r>
-            <a:r>
-              <a:rPr lang="en-US" sz="2000" i="1" dirty="0">
-                <a:solidFill>
-                  <a:schemeClr val="tx1">
-                    <a:lumMod val="65000"/>
-                    <a:lumOff val="35000"/>
-                  </a:schemeClr>
-                </a:solidFill>
-              </a:rPr>
-              <a:t>be defined </a:t>
-            </a:r>
-            <a:r>
-              <a:rPr lang="en-US" sz="2000" i="1" dirty="0" smtClean="0">
-                <a:solidFill>
-                  <a:schemeClr val="tx1">
-                    <a:lumMod val="65000"/>
-                    <a:lumOff val="35000"/>
-                  </a:schemeClr>
-                </a:solidFill>
-              </a:rPr>
-              <a:t>to be that which we can </a:t>
-            </a:r>
-            <a:r>
-              <a:rPr lang="en-US" sz="2000" i="1" dirty="0" smtClean="0">
-                <a:solidFill>
-                  <a:schemeClr val="tx1">
-                    <a:lumMod val="65000"/>
-                    <a:lumOff val="35000"/>
-                  </a:schemeClr>
-                </a:solidFill>
-              </a:rPr>
-              <a:t>add to existing </a:t>
-            </a:r>
-            <a:r>
-              <a:rPr lang="en-US" sz="2000" i="1" dirty="0" smtClean="0">
-                <a:solidFill>
-                  <a:schemeClr val="tx1">
-                    <a:lumMod val="65000"/>
-                    <a:lumOff val="35000"/>
-                  </a:schemeClr>
-                </a:solidFill>
-              </a:rPr>
-              <a:t>middleware layer(s) to </a:t>
-            </a:r>
-            <a:r>
-              <a:rPr lang="en-US" sz="2000" i="1" dirty="0" smtClean="0">
-                <a:solidFill>
-                  <a:schemeClr val="tx1">
-                    <a:lumMod val="65000"/>
-                    <a:lumOff val="35000"/>
-                  </a:schemeClr>
-                </a:solidFill>
-              </a:rPr>
-              <a:t>provide </a:t>
-            </a:r>
-            <a:r>
-              <a:rPr lang="en-US" sz="2000" i="1" dirty="0" smtClean="0">
-                <a:solidFill>
-                  <a:schemeClr val="tx1">
-                    <a:lumMod val="65000"/>
-                    <a:lumOff val="35000"/>
-                  </a:schemeClr>
-                </a:solidFill>
-              </a:rPr>
-              <a:t>systems </a:t>
-            </a:r>
-            <a:r>
-              <a:rPr lang="en-US" sz="2000" i="1" dirty="0">
-                <a:solidFill>
-                  <a:schemeClr val="tx1">
-                    <a:lumMod val="65000"/>
-                    <a:lumOff val="35000"/>
-                  </a:schemeClr>
-                </a:solidFill>
-              </a:rPr>
-              <a:t>based upon </a:t>
-            </a:r>
-            <a:r>
-              <a:rPr lang="en-US" sz="2000" i="1" dirty="0" smtClean="0">
-                <a:solidFill>
-                  <a:schemeClr val="tx1">
-                    <a:lumMod val="65000"/>
-                    <a:lumOff val="35000"/>
-                  </a:schemeClr>
-                </a:solidFill>
-              </a:rPr>
-              <a:t>well-defined capability </a:t>
-            </a:r>
-            <a:r>
-              <a:rPr lang="en-US" sz="2000" i="1" dirty="0">
-                <a:solidFill>
-                  <a:schemeClr val="tx1">
-                    <a:lumMod val="65000"/>
-                    <a:lumOff val="35000"/>
-                  </a:schemeClr>
-                </a:solidFill>
-              </a:rPr>
-              <a:t>rather than </a:t>
-            </a:r>
-            <a:r>
-              <a:rPr lang="en-US" sz="2000" i="1" dirty="0" smtClean="0">
-                <a:solidFill>
-                  <a:schemeClr val="tx1">
-                    <a:lumMod val="65000"/>
-                    <a:lumOff val="35000"/>
-                  </a:schemeClr>
-                </a:solidFill>
-              </a:rPr>
-              <a:t>a technology, or a specific execution strategy (say HTC </a:t>
-            </a:r>
-            <a:r>
-              <a:rPr lang="en-US" sz="2000" i="1" dirty="0">
-                <a:solidFill>
-                  <a:schemeClr val="tx1">
-                    <a:lumMod val="65000"/>
-                    <a:lumOff val="35000"/>
-                  </a:schemeClr>
-                </a:solidFill>
-              </a:rPr>
-              <a:t>or </a:t>
-            </a:r>
-            <a:r>
-              <a:rPr lang="en-US" sz="2000" i="1" dirty="0" smtClean="0">
-                <a:solidFill>
-                  <a:schemeClr val="tx1">
-                    <a:lumMod val="65000"/>
-                    <a:lumOff val="35000"/>
-                  </a:schemeClr>
-                </a:solidFill>
-              </a:rPr>
-              <a:t>HPC), or a specific usage mode!</a:t>
-            </a:r>
-          </a:p>
-          <a:p>
-            <a:pPr>
-              <a:buClr>
-                <a:srgbClr val="000000"/>
-              </a:buClr>
-              <a:buSzPct val="100000"/>
-            </a:pPr>
-            <a:r>
-              <a:rPr lang="en-US" dirty="0" smtClean="0">
-                <a:solidFill>
-                  <a:srgbClr val="000000"/>
-                </a:solidFill>
-              </a:rPr>
-              <a:t>Federation via m</a:t>
-            </a:r>
-            <a:r>
-              <a:rPr lang="en" dirty="0" smtClean="0">
-                <a:solidFill>
-                  <a:srgbClr val="000000"/>
-                </a:solidFill>
-              </a:rPr>
-              <a:t>iddleware</a:t>
-            </a:r>
-            <a:r>
-              <a:rPr lang="en-US" dirty="0" smtClean="0">
-                <a:solidFill>
-                  <a:srgbClr val="000000"/>
-                </a:solidFill>
-              </a:rPr>
-              <a:t>:</a:t>
-            </a:r>
-          </a:p>
-          <a:p>
-            <a:pPr lvl="1">
-              <a:buClr>
-                <a:srgbClr val="000000"/>
-              </a:buClr>
-              <a:buSzPct val="100000"/>
-            </a:pPr>
-            <a:r>
-              <a:rPr lang="en-US" sz="2000" dirty="0" smtClean="0">
-                <a:solidFill>
-                  <a:schemeClr val="tx1">
-                    <a:lumMod val="65000"/>
-                    <a:lumOff val="35000"/>
-                  </a:schemeClr>
-                </a:solidFill>
-              </a:rPr>
-              <a:t>Test </a:t>
-            </a:r>
-            <a:r>
-              <a:rPr lang="en-US" sz="2000" dirty="0" smtClean="0">
-                <a:solidFill>
-                  <a:schemeClr val="tx1">
-                    <a:lumMod val="65000"/>
-                    <a:lumOff val="35000"/>
-                  </a:schemeClr>
-                </a:solidFill>
-              </a:rPr>
-              <a:t>Case: </a:t>
-            </a:r>
-            <a:r>
-              <a:rPr lang="en" sz="2000" dirty="0" smtClean="0">
-                <a:solidFill>
-                  <a:schemeClr val="tx1">
-                    <a:lumMod val="65000"/>
-                    <a:lumOff val="35000"/>
-                  </a:schemeClr>
-                </a:solidFill>
-              </a:rPr>
-              <a:t>How </a:t>
-            </a:r>
-            <a:r>
-              <a:rPr lang="en" sz="2000" dirty="0">
-                <a:solidFill>
-                  <a:schemeClr val="tx1">
-                    <a:lumMod val="65000"/>
-                    <a:lumOff val="35000"/>
-                  </a:schemeClr>
-                </a:solidFill>
-              </a:rPr>
-              <a:t>would we federate XSEDE and </a:t>
-            </a:r>
-            <a:r>
-              <a:rPr lang="en" sz="2000" dirty="0" smtClean="0">
-                <a:solidFill>
-                  <a:schemeClr val="tx1">
-                    <a:lumMod val="65000"/>
-                    <a:lumOff val="35000"/>
-                  </a:schemeClr>
-                </a:solidFill>
-              </a:rPr>
-              <a:t>OSG</a:t>
-            </a:r>
-            <a:r>
-              <a:rPr lang="en" sz="2000" dirty="0" smtClean="0">
-                <a:solidFill>
-                  <a:schemeClr val="tx1">
-                    <a:lumMod val="65000"/>
-                    <a:lumOff val="35000"/>
-                  </a:schemeClr>
-                </a:solidFill>
-              </a:rPr>
-              <a:t>?</a:t>
-            </a:r>
-            <a:endParaRPr lang="en-US" sz="2000" dirty="0" smtClean="0">
-              <a:solidFill>
-                <a:schemeClr val="tx1">
-                  <a:lumMod val="65000"/>
-                  <a:lumOff val="35000"/>
-                </a:schemeClr>
-              </a:solidFill>
-            </a:endParaRPr>
-          </a:p>
-          <a:p>
             <a:pPr lvl="2">
               <a:buClr>
                 <a:srgbClr val="000000"/>
@@ -5176,18 +4860,7 @@
                   </a:schemeClr>
                 </a:solidFill>
               </a:rPr>
-              <a:t>ederation </a:t>
-            </a:r>
-            <a:r>
-              <a:rPr lang="en" sz="2000" dirty="0" smtClean="0">
-                <a:solidFill>
-                  <a:schemeClr val="tx1">
-                    <a:lumMod val="65000"/>
-                    <a:lumOff val="35000"/>
-                  </a:schemeClr>
-                </a:solidFill>
-              </a:rPr>
-              <a:t>required</a:t>
+              <a:t>ederation required</a:t>
             </a:r>
             <a:endParaRPr lang="en-US" sz="2000" dirty="0">
               <a:solidFill>
@@ -5713,15 +5386,7 @@
             <a:pPr marL="800100" lvl="1" indent="-342900"/>
             <a:r>
               <a:rPr lang="en-US" sz="2000" dirty="0" smtClean="0"/>
-              <a:t>Scale </a:t>
-            </a:r>
-            <a:r>
-              <a:rPr lang="en-US" sz="2000" dirty="0" smtClean="0"/>
-              <a:t>of heterogeneity, degrees-of-freedom will </a:t>
-            </a:r>
-            <a:r>
-              <a:rPr lang="en-US" sz="2000" dirty="0" smtClean="0"/>
-              <a:t>need addressing</a:t>
+              <a:t>Scale of heterogeneity, degrees-of-freedom will need addressing</a:t>
             </a:r>
           </a:p>
           <a:p>
@@ -5753,16 +5418,29 @@
             <a:pPr marL="800100" lvl="1" indent="-342900"/>
             <a:r>
               <a:rPr lang="en-US" sz="2000" dirty="0" smtClean="0"/>
-              <a:t>Provide capabilities that require integration across layers</a:t>
-            </a:r>
-            <a:endParaRPr lang="en-US" sz="2000" dirty="0"/>
-          </a:p>
-          <a:p>
-            <a:pPr marL="800100" lvl="1" indent="-342900"/>
-            <a:r>
-              <a:rPr lang="en-US" sz="2000" dirty="0" smtClean="0"/>
-              <a:t>Fresh perspective on federation of resources</a:t>
-            </a:r>
+              <a:t>We posit: Fresh </a:t>
+            </a:r>
+            <a:r>
+              <a:rPr lang="en-US" sz="2000" dirty="0" smtClean="0"/>
+              <a:t>perspective on </a:t>
+            </a:r>
+            <a:r>
+              <a:rPr lang="en-US" sz="2000" dirty="0" smtClean="0"/>
+              <a:t>reasoning and </a:t>
+            </a:r>
+            <a:r>
+              <a:rPr lang="en-US" sz="2000" dirty="0" smtClean="0"/>
+              <a:t>federation </a:t>
+            </a:r>
+            <a:r>
+              <a:rPr lang="en-US" sz="2000" dirty="0" smtClean="0"/>
+              <a:t>of </a:t>
+            </a:r>
+            <a:r>
+              <a:rPr lang="en-US" sz="2000" dirty="0" smtClean="0"/>
+              <a:t>resources and thus providing well-defined capabilities</a:t>
+            </a:r>
+            <a:endParaRPr lang="en-US" sz="2000" dirty="0" smtClean="0"/>
           </a:p>
         </p:txBody>
       </p:sp>
@@ -5941,7 +5619,6 @@
               <a:rPr lang="en-US" dirty="0" smtClean="0"/>
               <a:t>RADICAL Members</a:t>
             </a:r>
-            <a:endParaRPr lang="en-US" dirty="0" smtClean="0"/>
           </a:p>
         </p:txBody>
       </p:sp>
@@ -5955,440 +5632,6 @@
   <p:clrMapOvr>
     <a:masterClrMapping/>
   </p:clrMapOvr>
-</p:sld>
-</file>
-
-<file path=ppt/slides/slide15.xml><?xml version="1.0" encoding="utf-8"?>
-<p:sld xmlns:a="http://schemas.openxmlformats.org/drawingml/2006/main" xmlns:r="http://schemas.openxmlformats.org/officeDocument/2006/relationships" xmlns:p="http://schemas.openxmlformats.org/presentationml/2006/main" show="0">
-  <p:cSld>
-    <p:spTree>
-      <p:nvGrpSpPr>
-        <p:cNvPr id="1" name="Shape 46"/>
-        <p:cNvGrpSpPr/>
-        <p:nvPr/>
-      </p:nvGrpSpPr>
-      <p:grpSpPr>
-        <a:xfrm>
-          <a:off x="0" y="0"/>
-          <a:ext cx="0" cy="0"/>
-          <a:chOff x="0" y="0"/>
-          <a:chExt cx="0" cy="0"/>
-        </a:xfrm>
-      </p:grpSpPr>
-      <p:sp>
-        <p:nvSpPr>
-          <p:cNvPr id="47" name="Shape 47"/>
-          <p:cNvSpPr txBox="1">
-            <a:spLocks noGrp="1"/>
-          </p:cNvSpPr>
-          <p:nvPr>
-            <p:ph type="title"/>
-          </p:nvPr>
-        </p:nvSpPr>
-        <p:spPr>
-          <a:prstGeom prst="rect">
-            <a:avLst/>
-          </a:prstGeom>
-        </p:spPr>
-        <p:txBody>
-          <a:bodyPr lIns="91425" tIns="91425" rIns="91425" bIns="91425" anchor="b" anchorCtr="0">
-            <a:noAutofit/>
-          </a:bodyPr>
-          <a:lstStyle/>
-          <a:p>
-            <a:pPr lvl="0" rtl="0">
-              <a:buNone/>
-            </a:pPr>
-            <a:r>
-              <a:rPr lang="en-US" dirty="0" smtClean="0"/>
-              <a:t>DC-2025: </a:t>
-            </a:r>
-            <a:r>
-              <a:rPr lang="en" dirty="0" smtClean="0"/>
-              <a:t>Foundational </a:t>
-            </a:r>
-            <a:r>
-              <a:rPr lang="en-US" dirty="0" smtClean="0"/>
-              <a:t>Challenges</a:t>
-            </a:r>
-            <a:r>
-              <a:rPr lang="en" dirty="0"/>
-              <a:t>	</a:t>
-            </a:r>
-          </a:p>
-        </p:txBody>
-      </p:sp>
-      <p:sp>
-        <p:nvSpPr>
-          <p:cNvPr id="48" name="Shape 48"/>
-          <p:cNvSpPr txBox="1">
-            <a:spLocks noGrp="1"/>
-          </p:cNvSpPr>
-          <p:nvPr>
-            <p:ph idx="4294967295"/>
-          </p:nvPr>
-        </p:nvSpPr>
-        <p:spPr>
-          <a:xfrm>
-            <a:off x="282231" y="789713"/>
-            <a:ext cx="8715010" cy="5146675"/>
-          </a:xfrm>
-          <a:prstGeom prst="rect">
-            <a:avLst/>
-          </a:prstGeom>
-        </p:spPr>
-        <p:txBody>
-          <a:bodyPr lIns="91425" tIns="91425" rIns="91425" bIns="91425" anchor="t" anchorCtr="0">
-            <a:noAutofit/>
-          </a:bodyPr>
-          <a:lstStyle/>
-          <a:p>
-            <a:pPr>
-              <a:lnSpc>
-                <a:spcPct val="90000"/>
-              </a:lnSpc>
-            </a:pPr>
-            <a:r>
-              <a:rPr lang="en-US" dirty="0" smtClean="0"/>
-              <a:t>Distributed Computing Infrastructure:</a:t>
-            </a:r>
-          </a:p>
-          <a:p>
-            <a:pPr marL="912812" lvl="1" indent="-381000">
-              <a:lnSpc>
-                <a:spcPct val="90000"/>
-              </a:lnSpc>
-              <a:spcAft>
-                <a:spcPts val="1000"/>
-              </a:spcAft>
-            </a:pPr>
-            <a:r>
-              <a:rPr lang="en-US" sz="2000" dirty="0" smtClean="0"/>
-              <a:t>Federate</a:t>
-            </a:r>
-            <a:r>
-              <a:rPr lang="en" sz="2000" dirty="0" smtClean="0"/>
-              <a:t> diversified </a:t>
-            </a:r>
-            <a:r>
-              <a:rPr lang="en" sz="2000" dirty="0"/>
-              <a:t>set of </a:t>
-            </a:r>
-            <a:r>
-              <a:rPr lang="en" sz="2000" dirty="0" smtClean="0"/>
-              <a:t>resources</a:t>
-            </a:r>
-            <a:r>
-              <a:rPr lang="en-US" sz="2000" dirty="0" smtClean="0"/>
-              <a:t> </a:t>
-            </a:r>
-            <a:r>
-              <a:rPr lang="en-US" sz="2000" dirty="0" smtClean="0"/>
-              <a:t>at</a:t>
-            </a:r>
-            <a:r>
-              <a:rPr lang="en" sz="2000" dirty="0" smtClean="0"/>
-              <a:t> </a:t>
-            </a:r>
-            <a:r>
-              <a:rPr lang="en" sz="2000" dirty="0"/>
-              <a:t>multiple </a:t>
-            </a:r>
-            <a:r>
-              <a:rPr lang="en" sz="2000" dirty="0" smtClean="0"/>
-              <a:t>levels</a:t>
-            </a:r>
-            <a:endParaRPr lang="en-US" sz="2000" dirty="0" smtClean="0"/>
-          </a:p>
-          <a:p>
-            <a:pPr marL="1320800" lvl="2" indent="-381000">
-              <a:lnSpc>
-                <a:spcPct val="90000"/>
-              </a:lnSpc>
-              <a:spcAft>
-                <a:spcPts val="1000"/>
-              </a:spcAft>
-            </a:pPr>
-            <a:r>
-              <a:rPr lang="en-US" sz="2000" dirty="0" smtClean="0"/>
-              <a:t>e.g</a:t>
-            </a:r>
-            <a:r>
-              <a:rPr lang="en-US" sz="2000" dirty="0"/>
-              <a:t>. </a:t>
-            </a:r>
-            <a:r>
-              <a:rPr lang="en-US" sz="2000" dirty="0" smtClean="0"/>
-              <a:t>How/when </a:t>
-            </a:r>
-            <a:r>
-              <a:rPr lang="en-US" sz="2000" dirty="0"/>
-              <a:t>to </a:t>
-            </a:r>
-            <a:r>
-              <a:rPr lang="en-US" sz="2000" dirty="0" smtClean="0"/>
-              <a:t>federate</a:t>
-            </a:r>
-            <a:r>
-              <a:rPr lang="en" sz="2000" dirty="0" smtClean="0"/>
-              <a:t> </a:t>
-            </a:r>
-            <a:r>
-              <a:rPr lang="en" sz="2000" dirty="0"/>
-              <a:t>leadership machines </a:t>
-            </a:r>
-            <a:r>
-              <a:rPr lang="en-US" sz="2000" dirty="0"/>
-              <a:t>with </a:t>
-            </a:r>
-            <a:r>
-              <a:rPr lang="en-US" sz="2000" dirty="0" smtClean="0"/>
-              <a:t>other </a:t>
-            </a:r>
-            <a:r>
-              <a:rPr lang="en" sz="2000" dirty="0" smtClean="0"/>
-              <a:t>less </a:t>
-            </a:r>
-            <a:r>
-              <a:rPr lang="en" sz="2000" dirty="0"/>
-              <a:t>powerful </a:t>
-            </a:r>
-            <a:r>
-              <a:rPr lang="en" sz="2000" dirty="0" smtClean="0"/>
-              <a:t>machines</a:t>
-            </a:r>
-            <a:r>
-              <a:rPr lang="en-US" sz="2000" dirty="0" smtClean="0"/>
-              <a:t>?</a:t>
-            </a:r>
-          </a:p>
-          <a:p>
-            <a:pPr marL="912812" lvl="1" indent="-381000">
-              <a:lnSpc>
-                <a:spcPct val="90000"/>
-              </a:lnSpc>
-              <a:spcAft>
-                <a:spcPts val="1000"/>
-              </a:spcAft>
-            </a:pPr>
-            <a:r>
-              <a:rPr lang="en-US" sz="2000" dirty="0">
-                <a:solidFill>
-                  <a:srgbClr val="606060"/>
-                </a:solidFill>
-              </a:rPr>
-              <a:t>Heterogeneity will demand flexibility </a:t>
-            </a:r>
-            <a:r>
-              <a:rPr lang="en-US" sz="2000" dirty="0" smtClean="0">
-                <a:solidFill>
-                  <a:srgbClr val="606060"/>
-                </a:solidFill>
-              </a:rPr>
-              <a:t>whilst assuring performance</a:t>
-            </a:r>
-          </a:p>
-          <a:p>
-            <a:pPr marL="1320800" lvl="2" indent="-381000">
-              <a:lnSpc>
-                <a:spcPct val="90000"/>
-              </a:lnSpc>
-              <a:spcAft>
-                <a:spcPts val="1000"/>
-              </a:spcAft>
-            </a:pPr>
-            <a:r>
-              <a:rPr lang="en-US" sz="2000" dirty="0"/>
-              <a:t>Manage complexity of </a:t>
-            </a:r>
-            <a:r>
-              <a:rPr lang="en-US" sz="2000" dirty="0" smtClean="0"/>
-              <a:t>infrastructure</a:t>
-            </a:r>
-            <a:r>
-              <a:rPr lang="en-US" sz="2000" dirty="0"/>
-              <a:t>: </a:t>
-            </a:r>
-            <a:r>
-              <a:rPr lang="en-US" sz="2000" dirty="0" smtClean="0"/>
-              <a:t>deployment </a:t>
-            </a:r>
-            <a:r>
-              <a:rPr lang="en-US" sz="2000" dirty="0"/>
-              <a:t>and </a:t>
-            </a:r>
-            <a:r>
-              <a:rPr lang="en-US" sz="2000" dirty="0" smtClean="0"/>
-              <a:t>execution</a:t>
-            </a:r>
-          </a:p>
-          <a:p>
-            <a:pPr marL="912812" lvl="1" indent="-381000">
-              <a:lnSpc>
-                <a:spcPct val="90000"/>
-              </a:lnSpc>
-              <a:spcAft>
-                <a:spcPts val="1000"/>
-              </a:spcAft>
-            </a:pPr>
-            <a:r>
-              <a:rPr lang="en-US" sz="2000" dirty="0" smtClean="0"/>
-              <a:t>Providing capabilities</a:t>
-            </a:r>
-          </a:p>
-          <a:p>
-            <a:pPr marL="1320800" lvl="2" indent="-381000">
-              <a:lnSpc>
-                <a:spcPct val="90000"/>
-              </a:lnSpc>
-              <a:spcAft>
-                <a:spcPts val="1000"/>
-              </a:spcAft>
-            </a:pPr>
-            <a:r>
-              <a:rPr lang="en-US" sz="2000" dirty="0" smtClean="0"/>
-              <a:t>What functional </a:t>
-            </a:r>
-            <a:r>
-              <a:rPr lang="en-US" sz="2000" dirty="0"/>
-              <a:t>units and how to compose f</a:t>
-            </a:r>
-            <a:r>
-              <a:rPr lang="en" sz="2000" dirty="0" smtClean="0"/>
-              <a:t>unctionality</a:t>
-            </a:r>
-            <a:r>
-              <a:rPr lang="en-US" sz="2000" dirty="0" smtClean="0"/>
-              <a:t>?</a:t>
-            </a:r>
-          </a:p>
-          <a:p>
-            <a:pPr marL="1320800" lvl="2" indent="-381000">
-              <a:lnSpc>
-                <a:spcPct val="90000"/>
-              </a:lnSpc>
-              <a:spcAft>
-                <a:spcPts val="1000"/>
-              </a:spcAft>
-            </a:pPr>
-            <a:r>
-              <a:rPr lang="en-US" sz="2000" dirty="0"/>
-              <a:t>Designing a federated system that scales </a:t>
-            </a:r>
-            <a:r>
-              <a:rPr lang="en" sz="2000" dirty="0"/>
-              <a:t>along </a:t>
-            </a:r>
-            <a:r>
-              <a:rPr lang="en-US" sz="2000" dirty="0"/>
-              <a:t>1 </a:t>
-            </a:r>
-            <a:r>
-              <a:rPr lang="en" sz="2000" dirty="0"/>
-              <a:t>dimension is relatively easy compared to scaling along </a:t>
-            </a:r>
-            <a:r>
-              <a:rPr lang="en-US" sz="2000" dirty="0"/>
-              <a:t>&gt;1 </a:t>
-            </a:r>
-            <a:r>
-              <a:rPr lang="en" sz="2000" dirty="0" smtClean="0"/>
-              <a:t>dimensions</a:t>
-            </a:r>
-            <a:endParaRPr lang="en-US" sz="2000" dirty="0"/>
-          </a:p>
-          <a:p>
-            <a:pPr marL="457200" indent="-381000">
-              <a:lnSpc>
-                <a:spcPct val="90000"/>
-              </a:lnSpc>
-              <a:spcAft>
-                <a:spcPts val="1000"/>
-              </a:spcAft>
-            </a:pPr>
-            <a:r>
-              <a:rPr lang="en-US" dirty="0" smtClean="0"/>
-              <a:t>Distributed Computing Applications</a:t>
-            </a:r>
-            <a:r>
-              <a:rPr lang="en-US" dirty="0"/>
-              <a:t>:</a:t>
-            </a:r>
-          </a:p>
-          <a:p>
-            <a:pPr lvl="1">
-              <a:lnSpc>
-                <a:spcPct val="90000"/>
-              </a:lnSpc>
-            </a:pPr>
-            <a:r>
-              <a:rPr lang="en" sz="2000" dirty="0"/>
-              <a:t>When and how to distribute</a:t>
-            </a:r>
-            <a:r>
-              <a:rPr lang="en-US" sz="2000" dirty="0"/>
-              <a:t>? What and where to distribute</a:t>
-            </a:r>
-            <a:r>
-              <a:rPr lang="en-US" sz="2000" dirty="0" smtClean="0"/>
-              <a:t>?</a:t>
-            </a:r>
-          </a:p>
-          <a:p>
-            <a:pPr lvl="1">
-              <a:lnSpc>
-                <a:spcPct val="90000"/>
-              </a:lnSpc>
-            </a:pPr>
-            <a:r>
-              <a:rPr lang="en-US" sz="2000" dirty="0" smtClean="0"/>
-              <a:t>Manage transition from static to adaptive </a:t>
-            </a:r>
-            <a:r>
-              <a:rPr lang="en-US" sz="2000" dirty="0"/>
-              <a:t>a</a:t>
-            </a:r>
-            <a:r>
-              <a:rPr lang="en-US" sz="2000" dirty="0" smtClean="0"/>
-              <a:t>pplications</a:t>
-            </a:r>
-            <a:endParaRPr lang="en-US" sz="2000" dirty="0"/>
-          </a:p>
-          <a:p>
-            <a:pPr marL="457200" lvl="1" indent="0">
-              <a:lnSpc>
-                <a:spcPct val="90000"/>
-              </a:lnSpc>
-              <a:buNone/>
-            </a:pPr>
-            <a:endParaRPr lang="en-US" sz="2000" dirty="0">
-              <a:solidFill>
-                <a:srgbClr val="606060"/>
-              </a:solidFill>
-            </a:endParaRPr>
-          </a:p>
-        </p:txBody>
-      </p:sp>
-    </p:spTree>
-    <p:extLst>
-      <p:ext uri="{BB962C8B-B14F-4D97-AF65-F5344CB8AC3E}">
-        <p14:creationId xmlns:p14="http://schemas.microsoft.com/office/powerpoint/2010/main" val="2695932540"/>
-      </p:ext>
-    </p:extLst>
-  </p:cSld>
-  <p:clrMapOvr>
-    <a:masterClrMapping/>
-  </p:clrMapOvr>
-  <p:transition xmlns:p14="http://schemas.microsoft.com/office/powerpoint/2010/main" spd="slow">
-    <p:cut/>
-  </p:transition>
-  <p:timing>
-    <p:tnLst>
-      <p:par>
-        <p:cTn xmlns:p14="http://schemas.microsoft.com/office/powerpoint/2010/main" id="1" dur="indefinite" restart="never" nodeType="tmRoot"/>
-      </p:par>
-    </p:tnLst>
-  </p:timing>
 </p:sld>
 </file>
 
@@ -6561,11 +5804,7 @@
             </a:pPr>
             <a:r>
               <a:rPr lang="en-US" dirty="0" smtClean="0"/>
-              <a:t>Distributed </a:t>
-            </a:r>
-            <a:r>
-              <a:rPr lang="en-US" dirty="0" smtClean="0"/>
-              <a:t>Computing Infrastructure (DCI)</a:t>
+              <a:t>Distributed Computing Infrastructure (DCI)</a:t>
             </a:r>
           </a:p>
           <a:p>
@@ -6645,40 +5884,43 @@
                 <a:latin typeface="Arial" charset="0"/>
                 <a:ea typeface="ＭＳ Ｐゴシック" charset="0"/>
               </a:rPr>
-              <a:t>Macroscopic (or </a:t>
+              <a:t>Macroscopic </a:t>
             </a:r>
             <a:r>
               <a:rPr lang="en-US" sz="2000" dirty="0" err="1" smtClean="0">
                 <a:latin typeface="Arial" charset="0"/>
                 <a:ea typeface="ＭＳ Ｐゴシック" charset="0"/>
               </a:rPr>
-              <a:t>mesoscopic</a:t>
+              <a:t>vs</a:t>
             </a:r>
             <a:r>
               <a:rPr lang="en-US" sz="2000" dirty="0" smtClean="0">
                 <a:latin typeface="Arial" charset="0"/>
                 <a:ea typeface="ＭＳ Ｐゴシック" charset="0"/>
               </a:rPr>
-              <a:t>) </a:t>
-            </a:r>
-            <a:r>
-              <a:rPr lang="en-US" sz="2000" dirty="0" err="1" smtClean="0">
-                <a:latin typeface="Arial" charset="0"/>
-                <a:ea typeface="ＭＳ Ｐゴシック" charset="0"/>
-              </a:rPr>
-              <a:t>vs</a:t>
+              <a:t> </a:t>
             </a:r>
             <a:r>
               <a:rPr lang="en-US" sz="2000" dirty="0" smtClean="0">
                 <a:latin typeface="Arial" charset="0"/>
                 <a:ea typeface="ＭＳ Ｐゴシック" charset="0"/>
               </a:rPr>
-              <a:t> microscopic theory of systems!</a:t>
-            </a:r>
-            <a:endParaRPr lang="en-US" sz="2000" dirty="0" smtClean="0">
-              <a:latin typeface="Arial" charset="0"/>
-              <a:ea typeface="ＭＳ Ｐゴシック" charset="0"/>
-            </a:endParaRPr>
+              <a:t>microscopic theory of </a:t>
+            </a:r>
+            <a:r>
+              <a:rPr lang="en-US" sz="2000" dirty="0" smtClean="0">
+                <a:latin typeface="Arial" charset="0"/>
+                <a:ea typeface="ＭＳ Ｐゴシック" charset="0"/>
+              </a:rPr>
+              <a:t>distributed systems</a:t>
+            </a:r>
+            <a:r>
+              <a:rPr lang="en-US" sz="2000" dirty="0" smtClean="0">
+                <a:latin typeface="Arial" charset="0"/>
+                <a:ea typeface="ＭＳ Ｐゴシック" charset="0"/>
+              </a:rPr>
+              <a:t>!</a:t>
+            </a:r>
           </a:p>
           <a:p>
             <a:pPr marL="342900" lvl="1" indent="-342900">
@@ -6897,7 +6139,7 @@
         </p:nvSpPr>
         <p:spPr>
           <a:xfrm>
-            <a:off x="297548" y="808038"/>
+            <a:off x="297548" y="742568"/>
             <a:ext cx="8736012" cy="5268912"/>
           </a:xfrm>
           <a:prstGeom prst="rect">
@@ -6910,6 +6152,11 @@
           </a:bodyPr>
           <a:lstStyle/>
           <a:p>
+            <a:pPr>
+              <a:lnSpc>
+                <a:spcPct val="90000"/>
+              </a:lnSpc>
+            </a:pPr>
             <a:r>
               <a:rPr lang="en-US" dirty="0" smtClean="0">
                 <a:latin typeface="Arial" charset="0"/>
@@ -6973,7 +6220,11 @@
             </a:endParaRPr>
           </a:p>
           <a:p>
-            <a:pPr marL="800100" lvl="1" indent="-342900"/>
+            <a:pPr marL="800100" lvl="1" indent="-342900">
+              <a:lnSpc>
+                <a:spcPct val="90000"/>
+              </a:lnSpc>
+            </a:pPr>
             <a:r>
               <a:rPr lang="en-US" sz="2000" dirty="0" smtClean="0">
                 <a:latin typeface="Arial" charset="0"/>
@@ -7030,20 +6281,85 @@
             </a:endParaRPr>
           </a:p>
           <a:p>
-            <a:pPr marL="800100" lvl="1" indent="-342900"/>
+            <a:pPr marL="800100" lvl="1" indent="-342900">
+              <a:lnSpc>
+                <a:spcPct val="90000"/>
+              </a:lnSpc>
+            </a:pPr>
             <a:r>
               <a:rPr lang="en-US" sz="2000" dirty="0" smtClean="0">
                 <a:latin typeface="Arial" charset="0"/>
                 <a:ea typeface="ＭＳ Ｐゴシック" charset="0"/>
               </a:rPr>
-              <a:t>Inconsistent and incomplete tools for deployment and </a:t>
-            </a:r>
+              <a:t>Inconsistent and incomplete tools for deployment and execution</a:t>
+            </a:r>
+          </a:p>
+          <a:p>
+            <a:pPr marL="458788" indent="-457200">
+              <a:lnSpc>
+                <a:spcPct val="90000"/>
+              </a:lnSpc>
+            </a:pPr>
+            <a:r>
+              <a:rPr lang="en-US" dirty="0" smtClean="0">
+                <a:latin typeface="Arial" charset="0"/>
+                <a:ea typeface="ＭＳ Ｐゴシック" charset="0"/>
+                <a:cs typeface="ＭＳ Ｐゴシック" charset="0"/>
+              </a:rPr>
+              <a:t>DCI software environment is complex and fragile</a:t>
+            </a:r>
+          </a:p>
+          <a:p>
+            <a:pPr lvl="1">
+              <a:lnSpc>
+                <a:spcPct val="90000"/>
+              </a:lnSpc>
+            </a:pPr>
             <a:r>
               <a:rPr lang="en-US" sz="2000" dirty="0" smtClean="0">
                 <a:latin typeface="Arial" charset="0"/>
                 <a:ea typeface="ＭＳ Ｐゴシック" charset="0"/>
               </a:rPr>
-              <a:t>execution</a:t>
+              <a:t>Middleware functionality and </a:t>
+            </a:r>
+            <a:r>
+              <a:rPr lang="en-US" sz="2000" dirty="0" smtClean="0">
+                <a:latin typeface="Arial" charset="0"/>
+                <a:ea typeface="ＭＳ Ｐゴシック" charset="0"/>
+              </a:rPr>
+              <a:t>semantics</a:t>
+            </a:r>
+            <a:endParaRPr lang="en-US" sz="2000" dirty="0">
+              <a:latin typeface="Arial" charset="0"/>
+              <a:ea typeface="ＭＳ Ｐゴシック" charset="0"/>
+            </a:endParaRPr>
+          </a:p>
+          <a:p>
+            <a:pPr lvl="1">
+              <a:lnSpc>
+                <a:spcPct val="90000"/>
+              </a:lnSpc>
+            </a:pPr>
+            <a:r>
+              <a:rPr lang="en-US" sz="2000" dirty="0" smtClean="0">
+                <a:latin typeface="Arial" charset="0"/>
+                <a:ea typeface="ＭＳ Ｐゴシック" charset="0"/>
+              </a:rPr>
+              <a:t>Heterogeneous </a:t>
+            </a:r>
+            <a:r>
+              <a:rPr lang="en-US" sz="2000" dirty="0" smtClean="0">
+                <a:latin typeface="Arial" charset="0"/>
+                <a:ea typeface="ＭＳ Ｐゴシック" charset="0"/>
+              </a:rPr>
+              <a:t>software </a:t>
+            </a:r>
+            <a:r>
+              <a:rPr lang="en-US" sz="2000" dirty="0" smtClean="0">
+                <a:latin typeface="Arial" charset="0"/>
+                <a:ea typeface="ＭＳ Ｐゴシック" charset="0"/>
+              </a:rPr>
+              <a:t>and system access layers</a:t>
             </a:r>
             <a:endParaRPr lang="en-US" sz="2000" dirty="0" smtClean="0">
               <a:latin typeface="Arial" charset="0"/>
@@ -7051,103 +6367,39 @@
             </a:endParaRPr>
           </a:p>
           <a:p>
-            <a:pPr marL="458788" indent="-457200"/>
-            <a:r>
-              <a:rPr lang="en-US" dirty="0" smtClean="0">
-                <a:latin typeface="Arial" charset="0"/>
-                <a:ea typeface="ＭＳ Ｐゴシック" charset="0"/>
-                <a:cs typeface="ＭＳ Ｐゴシック" charset="0"/>
-              </a:rPr>
-              <a:t>DCI </a:t>
-            </a:r>
-            <a:r>
-              <a:rPr lang="en-US" dirty="0" smtClean="0">
-                <a:latin typeface="Arial" charset="0"/>
-                <a:ea typeface="ＭＳ Ｐゴシック" charset="0"/>
-                <a:cs typeface="ＭＳ Ｐゴシック" charset="0"/>
-              </a:rPr>
-              <a:t>software </a:t>
-            </a:r>
-            <a:r>
-              <a:rPr lang="en-US" dirty="0" smtClean="0">
-                <a:latin typeface="Arial" charset="0"/>
-                <a:ea typeface="ＭＳ Ｐゴシック" charset="0"/>
-                <a:cs typeface="ＭＳ Ｐゴシック" charset="0"/>
-              </a:rPr>
-              <a:t>environment is complex and fragile</a:t>
-            </a:r>
-          </a:p>
-          <a:p>
-            <a:pPr lvl="1"/>
+            <a:pPr lvl="1">
+              <a:lnSpc>
+                <a:spcPct val="90000"/>
+              </a:lnSpc>
+            </a:pPr>
             <a:r>
               <a:rPr lang="en-US" sz="2000" dirty="0" smtClean="0">
                 <a:latin typeface="Arial" charset="0"/>
                 <a:ea typeface="ＭＳ Ｐゴシック" charset="0"/>
               </a:rPr>
-              <a:t>Middleware functionality and semantics, heterogeneous software </a:t>
+              <a:t>Difficult to integrate services</a:t>
+            </a:r>
+            <a:r>
+              <a:rPr lang="en-US" sz="2000" dirty="0">
+                <a:latin typeface="Arial" charset="0"/>
+                <a:ea typeface="ＭＳ Ｐゴシック" charset="0"/>
+              </a:rPr>
+              <a:t> </a:t>
             </a:r>
             <a:r>
               <a:rPr lang="en-US" sz="2000" dirty="0" smtClean="0">
                 <a:latin typeface="Arial" charset="0"/>
                 <a:ea typeface="ＭＳ Ｐゴシック" charset="0"/>
               </a:rPr>
-              <a:t>access </a:t>
-            </a:r>
-            <a:r>
-              <a:rPr lang="en-US" sz="2000" dirty="0" smtClean="0">
-                <a:latin typeface="Arial" charset="0"/>
-                <a:ea typeface="ＭＳ Ｐゴシック" charset="0"/>
-              </a:rPr>
-              <a:t>layer</a:t>
-            </a:r>
-            <a:endParaRPr lang="en-US" sz="2000" dirty="0" smtClean="0">
-              <a:latin typeface="Arial" charset="0"/>
-              <a:ea typeface="ＭＳ Ｐゴシック" charset="0"/>
-            </a:endParaRPr>
-          </a:p>
-          <a:p>
-            <a:pPr lvl="1"/>
-            <a:r>
-              <a:rPr lang="en-US" sz="2000" dirty="0" smtClean="0">
-                <a:latin typeface="Arial" charset="0"/>
-                <a:ea typeface="ＭＳ Ｐゴシック" charset="0"/>
-              </a:rPr>
-              <a:t>Difficult to integrate </a:t>
-            </a:r>
-            <a:r>
-              <a:rPr lang="en-US" sz="2000" dirty="0" smtClean="0">
-                <a:latin typeface="Arial" charset="0"/>
-                <a:ea typeface="ＭＳ Ｐゴシック" charset="0"/>
-              </a:rPr>
-              <a:t>services</a:t>
-            </a:r>
-            <a:r>
-              <a:rPr lang="en-US" sz="2000" dirty="0">
-                <a:latin typeface="Arial" charset="0"/>
-                <a:ea typeface="ＭＳ Ｐゴシック" charset="0"/>
-              </a:rPr>
-              <a:t> </a:t>
-            </a:r>
-            <a:r>
-              <a:rPr lang="en-US" sz="2000" dirty="0" smtClean="0">
-                <a:latin typeface="Arial" charset="0"/>
-                <a:ea typeface="ＭＳ Ｐゴシック" charset="0"/>
-              </a:rPr>
-              <a:t>and </a:t>
-            </a:r>
-            <a:r>
-              <a:rPr lang="en-US" sz="2000" dirty="0" smtClean="0">
-                <a:latin typeface="Arial" charset="0"/>
-                <a:ea typeface="ＭＳ Ｐゴシック" charset="0"/>
-              </a:rPr>
-              <a:t>extend tools</a:t>
-            </a:r>
-            <a:endParaRPr lang="en-US" sz="2000" dirty="0" smtClean="0">
-              <a:latin typeface="Arial" charset="0"/>
-              <a:ea typeface="ＭＳ Ｐゴシック" charset="0"/>
-            </a:endParaRPr>
-          </a:p>
-          <a:p>
+              <a:t>and extend tools</a:t>
+            </a:r>
+          </a:p>
+          <a:p>
+            <a:pPr>
+              <a:lnSpc>
+                <a:spcPct val="90000"/>
+              </a:lnSpc>
+            </a:pPr>
             <a:r>
               <a:rPr lang="en-US" dirty="0" smtClean="0">
                 <a:latin typeface="Arial" charset="0"/>
@@ -7179,7 +6431,11 @@
             </a:endParaRPr>
           </a:p>
           <a:p>
-            <a:pPr marL="800100" lvl="1" indent="-342900"/>
+            <a:pPr marL="800100" lvl="1" indent="-342900">
+              <a:lnSpc>
+                <a:spcPct val="90000"/>
+              </a:lnSpc>
+            </a:pPr>
             <a:r>
               <a:rPr lang="en-US" sz="2000" dirty="0" smtClean="0">
                 <a:latin typeface="Arial" charset="0"/>
@@ -7189,49 +6445,105 @@
             </a:r>
           </a:p>
           <a:p>
-            <a:pPr marL="1208088" lvl="2" indent="-342900"/>
+            <a:pPr marL="1208088" lvl="2" indent="-342900">
+              <a:lnSpc>
+                <a:spcPct val="90000"/>
+              </a:lnSpc>
+            </a:pPr>
+            <a:r>
+              <a:rPr lang="en-US" sz="2000" dirty="0" smtClean="0">
+                <a:latin typeface="Arial" charset="0"/>
+                <a:ea typeface="ＭＳ Ｐゴシック" charset="0"/>
+              </a:rPr>
+              <a:t>.. distributed </a:t>
+            </a:r>
             <a:r>
               <a:rPr lang="en-US" sz="2000" dirty="0">
                 <a:latin typeface="Arial" charset="0"/>
                 <a:ea typeface="ＭＳ Ｐゴシック" charset="0"/>
               </a:rPr>
-              <a:t>The ability to reason – distributed performance, decomposition or aggregation (application and system), trade-</a:t>
+              <a:t>performance, </a:t>
             </a:r>
             <a:r>
               <a:rPr lang="en-US" sz="2000" dirty="0" smtClean="0">
                 <a:latin typeface="Arial" charset="0"/>
                 <a:ea typeface="ＭＳ Ｐゴシック" charset="0"/>
               </a:rPr>
-              <a:t>offs </a:t>
-            </a:r>
-            <a:r>
-              <a:rPr lang="en-US" sz="2000" dirty="0" err="1" smtClean="0">
+              <a:t>decomposition/aggregation </a:t>
+            </a:r>
+            <a:r>
+              <a:rPr lang="en-US" sz="2000" dirty="0">
                 <a:latin typeface="Arial" charset="0"/>
                 <a:ea typeface="ＭＳ Ｐゴシック" charset="0"/>
               </a:rPr>
-              <a:t>etc</a:t>
-            </a:r>
-            <a:endParaRPr lang="en-US" sz="2000" dirty="0" smtClean="0">
-              <a:latin typeface="Arial" charset="0"/>
-              <a:ea typeface="ＭＳ Ｐゴシック" charset="0"/>
-            </a:endParaRPr>
-          </a:p>
-          <a:p>
-            <a:pPr marL="800100" lvl="1" indent="-342900"/>
+              <a:t>(application and system), trade-</a:t>
+            </a:r>
             <a:r>
               <a:rPr lang="en-US" sz="2000" dirty="0" smtClean="0">
                 <a:latin typeface="Arial" charset="0"/>
                 <a:ea typeface="ＭＳ Ｐゴシック" charset="0"/>
               </a:rPr>
-              <a:t>Implementation abstractions that enable effective engineering </a:t>
-            </a:r>
-            <a:endParaRPr lang="en-US" sz="2000" dirty="0" smtClean="0">
-              <a:latin typeface="Arial" charset="0"/>
-              <a:ea typeface="ＭＳ Ｐゴシック" charset="0"/>
-            </a:endParaRPr>
+              <a:t>offs </a:t>
+            </a:r>
+            <a:r>
+              <a:rPr lang="en-US" sz="2000" dirty="0" smtClean="0">
+                <a:latin typeface="Arial" charset="0"/>
+                <a:ea typeface="ＭＳ Ｐゴシック" charset="0"/>
+              </a:rPr>
+              <a:t>etc., </a:t>
+            </a:r>
+          </a:p>
+          <a:p>
+            <a:pPr marL="1208088" lvl="2" indent="-342900">
+              <a:lnSpc>
+                <a:spcPct val="90000"/>
+              </a:lnSpc>
+            </a:pPr>
+            <a:r>
+              <a:rPr lang="en-US" sz="2000" dirty="0" smtClean="0">
+                <a:latin typeface="Arial" charset="0"/>
+                <a:ea typeface="ＭＳ Ｐゴシック" charset="0"/>
+              </a:rPr>
+              <a:t>Currently difficult to estimate and mostly </a:t>
+            </a:r>
+            <a:r>
+              <a:rPr lang="en-US" sz="2000" dirty="0" smtClean="0">
+                <a:latin typeface="Arial" charset="0"/>
+                <a:ea typeface="ＭＳ Ｐゴシック" charset="0"/>
+              </a:rPr>
+              <a:t>ir</a:t>
+            </a:r>
+            <a:r>
+              <a:rPr lang="en-US" sz="2000" dirty="0" smtClean="0"/>
+              <a:t>reproducible results</a:t>
+            </a:r>
+          </a:p>
+          <a:p>
+            <a:pPr marL="800100" lvl="1" indent="-342900">
+              <a:lnSpc>
+                <a:spcPct val="90000"/>
+              </a:lnSpc>
+            </a:pPr>
+            <a:r>
+              <a:rPr lang="en-US" sz="2000" dirty="0" smtClean="0">
+                <a:latin typeface="Arial" charset="0"/>
+                <a:ea typeface="ＭＳ Ｐゴシック" charset="0"/>
+              </a:rPr>
+              <a:t>Implementation </a:t>
+            </a:r>
+            <a:r>
+              <a:rPr lang="en-US" sz="2000" dirty="0" smtClean="0">
+                <a:latin typeface="Arial" charset="0"/>
+                <a:ea typeface="ＭＳ Ｐゴシック" charset="0"/>
+              </a:rPr>
+              <a:t>abstractions that enable effective engineering </a:t>
+            </a:r>
           </a:p>
           <a:p>
             <a:pPr marL="1588" indent="0">
+              <a:lnSpc>
+                <a:spcPct val="90000"/>
+              </a:lnSpc>
               <a:buNone/>
             </a:pPr>
             <a:r>
@@ -7260,6 +6572,11 @@
             </a:r>
           </a:p>
           <a:p>
+            <a:pPr>
+              <a:lnSpc>
+                <a:spcPct val="90000"/>
+              </a:lnSpc>
+            </a:pPr>
             <a:endParaRPr lang="en-US" sz="2000" dirty="0" smtClean="0"/>
           </a:p>
         </p:txBody>
@@ -7402,8 +6719,21 @@
           <a:p>
             <a:r>
               <a:rPr lang="en-US" dirty="0" smtClean="0"/>
-              <a:t>Fundamental Conceptual Gap</a:t>
-            </a:r>
+              <a:t>Fundamental </a:t>
+            </a:r>
+            <a:r>
+              <a:rPr lang="en-US" dirty="0" smtClean="0"/>
+              <a:t>conceptual </a:t>
+            </a:r>
+            <a:r>
+              <a:rPr lang="en-US" dirty="0"/>
+              <a:t>g</a:t>
+            </a:r>
+            <a:r>
+              <a:rPr lang="en-US" dirty="0" smtClean="0"/>
+              <a:t>ap in providing well-defined capabilities</a:t>
+            </a:r>
+            <a:endParaRPr lang="en-US" dirty="0" smtClean="0"/>
           </a:p>
           <a:p>
             <a:pPr lvl="1"/>
@@ -7434,46 +6764,40 @@
             <a:endParaRPr lang="en-US" sz="2000" dirty="0" smtClean="0"/>
           </a:p>
           <a:p>
-            <a:pPr lvl="2"/>
-            <a:r>
-              <a:rPr lang="en" sz="2000" dirty="0"/>
-              <a:t>When and how to distribute</a:t>
-            </a:r>
-            <a:r>
-              <a:rPr lang="en-US" sz="2000" dirty="0"/>
-              <a:t>? What and where to distribute</a:t>
-            </a:r>
-            <a:r>
-              <a:rPr lang="en-US" sz="2000" dirty="0" smtClean="0"/>
-              <a:t>?</a:t>
-            </a:r>
-            <a:endParaRPr lang="en-US" sz="2000" dirty="0"/>
-          </a:p>
-          <a:p>
             <a:pPr lvl="1"/>
+            <a:r>
+              <a:rPr lang="en-US" sz="2000" dirty="0" smtClean="0"/>
+              <a:t>Two levels of conceptual abstractions to enable reasoning:</a:t>
+            </a:r>
+          </a:p>
+          <a:p>
+            <a:pPr marL="1428750" lvl="2" indent="-514350">
+              <a:buFont typeface="+mj-lt"/>
+              <a:buAutoNum type="romanUcPeriod"/>
+            </a:pPr>
             <a:r>
               <a:rPr lang="en" sz="2000" dirty="0" smtClean="0"/>
               <a:t>Models </a:t>
             </a:r>
             <a:r>
               <a:rPr lang="en-US" sz="2000" dirty="0" smtClean="0"/>
-              <a:t>that enable functional comparison </a:t>
-            </a:r>
-            <a:r>
-              <a:rPr lang="en-US" sz="2000" dirty="0" smtClean="0"/>
-              <a:t>for individual </a:t>
+              <a:t>that enable functional comparison for </a:t>
+            </a:r>
+            <a:r>
+              <a:rPr lang="en-US" sz="2000" i="1" dirty="0" smtClean="0"/>
+              <a:t>individual</a:t>
+            </a:r>
+            <a:r>
+              <a:rPr lang="en-US" sz="2000" dirty="0" smtClean="0"/>
+              <a:t> </a:t>
             </a:r>
             <a:r>
               <a:rPr lang="en" sz="2000" i="1" dirty="0" smtClean="0"/>
               <a:t>components</a:t>
             </a:r>
-            <a:endParaRPr lang="en-US" sz="2000" dirty="0"/>
-          </a:p>
-          <a:p>
-            <a:pPr lvl="2"/>
-            <a:r>
-              <a:rPr lang="en-US" sz="2000" dirty="0" smtClean="0"/>
-              <a:t> e.g</a:t>
+            <a:r>
+              <a:rPr lang="en-US" sz="2000" dirty="0" smtClean="0"/>
+              <a:t>, e.g</a:t>
             </a:r>
             <a:r>
               <a:rPr lang="en-US" sz="2000" dirty="0"/>
@@ -7481,7 +6805,11 @@
             </a:r>
             <a:r>
               <a:rPr lang="en-US" sz="2000" dirty="0" smtClean="0"/>
-              <a:t>Pilot-systems (</a:t>
+              <a:t>Pilot-</a:t>
+            </a:r>
+            <a:r>
+              <a:rPr lang="en-US" sz="2000" dirty="0" smtClean="0"/>
+              <a:t>systems </a:t>
             </a:r>
             <a:r>
               <a:rPr lang="en-US" sz="2000" dirty="0" smtClean="0">
@@ -7501,14 +6829,13 @@
               </a:rPr>
               <a:t>2012.6404423</a:t>
             </a:r>
-            <a:r>
-              <a:rPr lang="en-US" sz="2000" dirty="0" smtClean="0"/>
-              <a:t>)</a:t>
-            </a:r>
             <a:endParaRPr lang="en-US" sz="2000" dirty="0"/>
           </a:p>
           <a:p>
-            <a:pPr lvl="1"/>
+            <a:pPr marL="1428750" lvl="2" indent="-514350">
+              <a:buFont typeface="+mj-lt"/>
+              <a:buAutoNum type="romanUcPeriod"/>
+            </a:pPr>
             <a:r>
               <a:rPr lang="en" sz="2000" dirty="0"/>
               <a:t>Models that enable </a:t>
@@ -7519,90 +6846,64 @@
             </a:r>
             <a:r>
               <a:rPr lang="en-US" sz="2000" dirty="0" smtClean="0"/>
-              <a:t> at multiple, integrated levels</a:t>
-            </a:r>
-          </a:p>
-          <a:p>
-            <a:pPr lvl="2"/>
-            <a:r>
-              <a:rPr lang="en-US" sz="2000" dirty="0" smtClean="0"/>
-              <a:t>Performance estimation and predictability</a:t>
-            </a:r>
-          </a:p>
-          <a:p>
-            <a:pPr lvl="3"/>
+              <a:t> at multiple, integrated </a:t>
+            </a:r>
+            <a:r>
+              <a:rPr lang="en-US" sz="2000" dirty="0" smtClean="0"/>
+              <a:t>levels to provide </a:t>
+            </a:r>
+            <a:r>
+              <a:rPr lang="en-US" sz="2000" dirty="0" smtClean="0"/>
+              <a:t>performance </a:t>
+            </a:r>
             <a:r>
               <a:rPr lang="en-US" sz="2000" dirty="0"/>
-              <a:t>Mostly non-reproducible </a:t>
-            </a:r>
-            <a:r>
-              <a:rPr lang="en-US" sz="2000" dirty="0" smtClean="0"/>
-              <a:t>results, (“</a:t>
+              <a:t>estimation and predictability</a:t>
+            </a:r>
+          </a:p>
+          <a:p>
+            <a:pPr lvl="4">
+              <a:buFont typeface="Arial"/>
+              <a:buChar char="•"/>
+            </a:pPr>
+            <a:r>
+              <a:rPr lang="en" sz="2000" dirty="0" smtClean="0"/>
+              <a:t>When </a:t>
+            </a:r>
+            <a:r>
+              <a:rPr lang="en" sz="2000" dirty="0"/>
+              <a:t>and how to distribute</a:t>
             </a:r>
             <a:r>
               <a:rPr lang="en-US" sz="2000" dirty="0"/>
-              <a:t>Can manage random distribution but not ill-defined </a:t>
+              <a:t>? What and </a:t>
+            </a:r>
+            <a:r>
+              <a:rPr lang="en-US" sz="2000" dirty="0" smtClean="0"/>
+              <a:t>where?</a:t>
+            </a:r>
+          </a:p>
+          <a:p>
+            <a:pPr lvl="4">
+              <a:buFont typeface="Arial"/>
+              <a:buChar char="•"/>
+            </a:pPr>
+            <a:r>
+              <a:rPr lang="en-US" sz="2000" dirty="0" smtClean="0"/>
+              <a:t> A </a:t>
             </a:r>
             <a:r>
               <a:rPr lang="en-US" sz="2000" dirty="0" err="1" smtClean="0"/>
-              <a:t>behaviour</a:t>
-            </a:r>
-            <a:r>
-              <a:rPr lang="en-US" sz="2000" dirty="0" smtClean="0"/>
-              <a:t>”)</a:t>
-            </a:r>
-          </a:p>
-          <a:p>
-            <a:pPr lvl="3">
-              <a:lnSpc>
-                <a:spcPct val="120000"/>
-              </a:lnSpc>
-            </a:pPr>
-            <a:r>
-              <a:rPr lang="en-US" sz="2000" dirty="0" err="1"/>
               <a:t>Linpack</a:t>
             </a:r>
             <a:r>
+              <a:rPr lang="en-US" sz="2000" dirty="0" smtClean="0"/>
+              <a:t> </a:t>
+            </a:r>
+            <a:r>
               <a:rPr lang="en-US" sz="2000" dirty="0"/>
-              <a:t> for distributed </a:t>
-            </a:r>
-            <a:r>
-              <a:rPr lang="en-US" sz="2000" dirty="0" smtClean="0"/>
-              <a:t>systems/applications?</a:t>
-            </a:r>
-          </a:p>
-          <a:p>
-            <a:pPr marL="457200" lvl="1" indent="0">
-              <a:lnSpc>
-                <a:spcPct val="120000"/>
-              </a:lnSpc>
-              <a:buNone/>
-            </a:pPr>
-            <a:r>
-              <a:rPr lang="en-US" sz="2000" dirty="0" smtClean="0"/>
-              <a:t>Active</a:t>
-            </a:r>
-            <a:r>
-              <a:rPr lang="en-US" sz="2000" i="1" dirty="0" smtClean="0"/>
-              <a:t> RADICAL/AIMES (</a:t>
-            </a:r>
-            <a:r>
-              <a:rPr lang="en-US" sz="2000" i="1" dirty="0"/>
-              <a:t>White) Paper: http://</a:t>
-            </a:r>
-            <a:r>
-              <a:rPr lang="en-US" sz="2000" i="1" dirty="0" err="1"/>
-              <a:t>goo.gl</a:t>
-            </a:r>
-            <a:r>
-              <a:rPr lang="en-US" sz="2000" i="1" dirty="0"/>
-              <a:t>/</a:t>
-            </a:r>
-            <a:r>
-              <a:rPr lang="en-US" sz="2000" i="1" dirty="0" smtClean="0"/>
-              <a:t>VK5F5Y</a:t>
-            </a:r>
-            <a:endParaRPr lang="en-US" sz="2000" dirty="0" smtClean="0"/>
+              <a:t>for distributed systems/applications?</a:t>
+            </a:r>
           </a:p>
           <a:p>
             <a:pPr lvl="1"/>
@@ -7757,15 +7058,7 @@
                   <a:srgbClr val="606060"/>
                 </a:solidFill>
               </a:rPr>
-              <a:t> </a:t>
-            </a:r>
-            <a:r>
-              <a:rPr lang="en-US" sz="2000" dirty="0" smtClean="0">
-                <a:solidFill>
-                  <a:srgbClr val="606060"/>
-                </a:solidFill>
-              </a:rPr>
-              <a:t>and challenges </a:t>
+              <a:t> and challenges </a:t>
             </a:r>
             <a:r>
               <a:rPr lang="en-US" sz="2000" dirty="0">
@@ -7861,75 +7154,28 @@
                   </a:schemeClr>
                 </a:solidFill>
               </a:rPr>
-              <a:t>components, </a:t>
-            </a:r>
-            <a:r>
-              <a:rPr lang="en-US" sz="2000" dirty="0" smtClean="0">
+              <a:t>components, but </a:t>
+            </a:r>
+            <a:r>
+              <a:rPr lang="en-US" sz="2000" dirty="0">
                 <a:solidFill>
                   <a:schemeClr val="bg2">
                     <a:lumMod val="75000"/>
                   </a:schemeClr>
                 </a:solidFill>
               </a:rPr>
-              <a:t>but </a:t>
-            </a:r>
-            <a:r>
-              <a:rPr lang="en-US" sz="2000" dirty="0">
+              <a:t>not drastically </a:t>
+            </a:r>
+            <a:r>
+              <a:rPr lang="en-US" sz="2000" dirty="0" smtClean="0">
                 <a:solidFill>
                   <a:schemeClr val="bg2">
                     <a:lumMod val="75000"/>
                   </a:schemeClr>
                 </a:solidFill>
               </a:rPr>
-              <a:t>not drastically </a:t>
-            </a:r>
-            <a:r>
-              <a:rPr lang="en-US" sz="2000" dirty="0" smtClean="0">
-                <a:solidFill>
-                  <a:schemeClr val="bg2">
-                    <a:lumMod val="75000"/>
-                  </a:schemeClr>
-                </a:solidFill>
-              </a:rPr>
-              <a:t>different from the current </a:t>
-            </a:r>
-            <a:r>
-              <a:rPr lang="en-US" sz="2000" dirty="0" smtClean="0">
-                <a:solidFill>
-                  <a:schemeClr val="bg2">
-                    <a:lumMod val="75000"/>
-                  </a:schemeClr>
-                </a:solidFill>
-              </a:rPr>
-              <a:t>ones (barring </a:t>
-            </a:r>
-            <a:r>
-              <a:rPr lang="en-US" sz="2000" dirty="0" smtClean="0">
-                <a:solidFill>
-                  <a:schemeClr val="bg2">
-                    <a:lumMod val="75000"/>
-                  </a:schemeClr>
-                </a:solidFill>
-              </a:rPr>
-              <a:t>unpredictable breakthrough(s</a:t>
-            </a:r>
-            <a:r>
-              <a:rPr lang="en-US" sz="2000" dirty="0" smtClean="0">
-                <a:solidFill>
-                  <a:schemeClr val="bg2">
-                    <a:lumMod val="75000"/>
-                  </a:schemeClr>
-                </a:solidFill>
-              </a:rPr>
-              <a:t>))?</a:t>
-            </a:r>
-            <a:endParaRPr lang="en-US" sz="2000" dirty="0" smtClean="0">
-              <a:solidFill>
-                <a:schemeClr val="bg2">
-                  <a:lumMod val="75000"/>
-                </a:schemeClr>
-              </a:solidFill>
-            </a:endParaRPr>
+              <a:t>different from the current ones (barring unpredictable breakthrough(s))?</a:t>
+            </a:r>
           </a:p>
           <a:p>
             <a:pPr lvl="1">
@@ -7945,27 +7191,27 @@
                   </a:schemeClr>
                 </a:solidFill>
               </a:rPr>
-              <a:t>Compute</a:t>
-            </a:r>
-            <a:r>
-              <a:rPr lang="en-US" sz="2000" dirty="0" smtClean="0">
+              <a:t>Compute, data and network u</a:t>
+            </a:r>
+            <a:r>
+              <a:rPr lang="en" sz="2000" dirty="0" smtClean="0">
                 <a:solidFill>
                   <a:schemeClr val="bg2">
                     <a:lumMod val="75000"/>
                   </a:schemeClr>
                 </a:solidFill>
               </a:rPr>
-              <a:t>, data and network u</a:t>
-            </a:r>
-            <a:r>
-              <a:rPr lang="en" sz="2000" dirty="0" smtClean="0">
+              <a:t>nits will scale</a:t>
+            </a:r>
+            <a:r>
+              <a:rPr lang="en-US" sz="2000" dirty="0" smtClean="0">
                 <a:solidFill>
                   <a:schemeClr val="bg2">
                     <a:lumMod val="75000"/>
                   </a:schemeClr>
                 </a:solidFill>
               </a:rPr>
-              <a:t>nits will </a:t>
+              <a:t> </a:t>
             </a:r>
             <a:r>
               <a:rPr lang="en" sz="2000" dirty="0" smtClean="0">
@@ -7975,37 +7221,7 @@
                   </a:schemeClr>
                 </a:solidFill>
               </a:rPr>
-              <a:t>scale</a:t>
-            </a:r>
-            <a:r>
-              <a:rPr lang="en-US" sz="2000" dirty="0" smtClean="0">
-                <a:solidFill>
-                  <a:schemeClr val="bg2">
-                    <a:lumMod val="75000"/>
-                  </a:schemeClr>
-                </a:solidFill>
-              </a:rPr>
-              <a:t> </a:t>
-            </a:r>
-            <a:r>
-              <a:rPr lang="en" sz="2000" dirty="0" smtClean="0">
-                <a:solidFill>
-                  <a:schemeClr val="bg2">
-                    <a:lumMod val="75000"/>
-                  </a:schemeClr>
-                </a:solidFill>
-              </a:rPr>
-              <a:t>along predictable </a:t>
-            </a:r>
-            <a:r>
-              <a:rPr lang="en" sz="2000" dirty="0" smtClean="0">
-                <a:solidFill>
-                  <a:schemeClr val="bg2">
-                    <a:lumMod val="75000"/>
-                  </a:schemeClr>
-                </a:solidFill>
-              </a:rPr>
-              <a:t>line</a:t>
+              <a:t>along predictable line</a:t>
             </a:r>
             <a:r>
               <a:rPr lang="en-US" sz="2000" dirty="0" smtClean="0">
@@ -8124,13 +7340,6 @@
               </a:rPr>
               <a:t>t</a:t>
             </a:r>
-            <a:endParaRPr lang="en-US" sz="2000" dirty="0" smtClean="0">
-              <a:solidFill>
-                <a:schemeClr val="bg2">
-                  <a:lumMod val="75000"/>
-                </a:schemeClr>
-              </a:solidFill>
-            </a:endParaRPr>
           </a:p>
           <a:p>
             <a:r>
@@ -8476,11 +7685,7 @@
             </a:pPr>
             <a:r>
               <a:rPr lang="en-US" sz="2000" dirty="0" smtClean="0"/>
-              <a:t>Requirement</a:t>
-            </a:r>
-            <a:r>
-              <a:rPr lang="en-US" sz="2000" dirty="0" smtClean="0"/>
-              <a:t>:</a:t>
+              <a:t>Requirement:</a:t>
             </a:r>
           </a:p>
           <a:p>
@@ -8746,13 +7951,8 @@
             <a:pPr lvl="1"/>
             <a:r>
               <a:rPr lang="en-US" sz="2000" dirty="0" smtClean="0"/>
-              <a:t>Integrating leadership-class</a:t>
-            </a:r>
-            <a:r>
-              <a:rPr lang="en-US" sz="2000" dirty="0" smtClean="0"/>
-              <a:t> resource (IBM Machine) with many compute resources for extreme-scale real-time data-analysis </a:t>
-            </a:r>
-            <a:endParaRPr lang="en-US" sz="2000" dirty="0" smtClean="0"/>
+              <a:t>Integrating leadership-class resource (IBM Machine) with many compute resources for extreme-scale real-time data-analysis </a:t>
+            </a:r>
           </a:p>
           <a:p>
             <a:pPr>
@@ -8916,7 +8116,6 @@
               <a:rPr lang="en-US" sz="2000" dirty="0" smtClean="0"/>
               <a:t>?</a:t>
             </a:r>
-            <a:endParaRPr lang="en-US" sz="2000" dirty="0" smtClean="0"/>
           </a:p>
           <a:p>
             <a:pPr lvl="1"/>
@@ -9079,7 +8278,6 @@
               <a:rPr lang="en-US" sz="2000" dirty="0" smtClean="0"/>
               <a:t>models</a:t>
             </a:r>
-            <a:endParaRPr lang="en-US" sz="2000" dirty="0" smtClean="0"/>
           </a:p>
           <a:p>
             <a:pPr marL="457200" lvl="0" indent="-419100" rtl="0">
@@ -9249,11 +8447,7 @@
             </a:r>
             <a:r>
               <a:rPr lang="en" sz="2000" dirty="0" smtClean="0"/>
-              <a:t>irtualisation of the entire system including </a:t>
-            </a:r>
-            <a:r>
-              <a:rPr lang="en" sz="2000" dirty="0" smtClean="0"/>
-              <a:t>communication</a:t>
+              <a:t>irtualisation of the entire system including communication</a:t>
             </a:r>
             <a:endParaRPr lang="en-US" sz="2000" dirty="0" smtClean="0"/>
           </a:p>
@@ -9497,13 +8691,8 @@
             </a:pPr>
             <a:r>
               <a:rPr lang="en-US" dirty="0" smtClean="0"/>
-              <a:t>Balanced DCI and </a:t>
-            </a:r>
-            <a:r>
-              <a:rPr lang="en-US" dirty="0" smtClean="0"/>
-              <a:t>support for scaling along all dimensions</a:t>
-            </a:r>
-            <a:endParaRPr lang="en-US" dirty="0" smtClean="0"/>
+              <a:t>Balanced DCI and support for scaling along all dimensions</a:t>
+            </a:r>
           </a:p>
           <a:p>
             <a:pPr marL="906462" lvl="1" indent="-381000">
@@ -9555,8 +8744,8 @@
               <a:buSzPct val="80000"/>
             </a:pPr>
             <a:r>
-              <a:rPr lang="en" sz="2000" dirty="0"/>
-              <a:t>Capabilitiy</a:t>
+              <a:rPr lang="en" sz="2000" dirty="0" smtClean="0"/>
+              <a:t>Capability</a:t>
             </a:r>
             <a:r>
               <a:rPr lang="en-US" sz="2000" dirty="0"/>

--- a/radical-magic.pptx
+++ b/radical-magic.pptx
@@ -3894,18 +3894,7 @@
                   </a:schemeClr>
                 </a:solidFill>
               </a:rPr>
-              <a:t>capability </a:t>
-            </a:r>
-            <a:r>
-              <a:rPr lang="en" dirty="0" smtClean="0">
-                <a:solidFill>
-                  <a:schemeClr val="tx1">
-                    <a:lumMod val="65000"/>
-                    <a:lumOff val="35000"/>
-                  </a:schemeClr>
-                </a:solidFill>
-              </a:rPr>
-              <a:t>amidst heterogeneous, dynamic resources requires </a:t>
+              <a:t>capability amidst heterogeneous, dynamic resources requires </a:t>
             </a:r>
             <a:r>
               <a:rPr lang="en" i="1" dirty="0" smtClean="0">
@@ -3994,18 +3983,7 @@
                   </a:schemeClr>
                 </a:solidFill>
               </a:rPr>
-              <a:t> about </a:t>
-            </a:r>
-            <a:r>
-              <a:rPr lang="en" dirty="0" smtClean="0">
-                <a:solidFill>
-                  <a:schemeClr val="tx1">
-                    <a:lumMod val="65000"/>
-                    <a:lumOff val="35000"/>
-                  </a:schemeClr>
-                </a:solidFill>
-              </a:rPr>
-              <a:t>performance</a:t>
+              <a:t> about performance</a:t>
             </a:r>
             <a:endParaRPr lang="en-US" dirty="0" smtClean="0">
               <a:solidFill>
@@ -5418,29 +5396,8 @@
             <a:pPr marL="800100" lvl="1" indent="-342900"/>
             <a:r>
               <a:rPr lang="en-US" sz="2000" dirty="0" smtClean="0"/>
-              <a:t>We posit: Fresh </a:t>
-            </a:r>
-            <a:r>
-              <a:rPr lang="en-US" sz="2000" dirty="0" smtClean="0"/>
-              <a:t>perspective on </a:t>
-            </a:r>
-            <a:r>
-              <a:rPr lang="en-US" sz="2000" dirty="0" smtClean="0"/>
-              <a:t>reasoning and </a:t>
-            </a:r>
-            <a:r>
-              <a:rPr lang="en-US" sz="2000" dirty="0" smtClean="0"/>
-              <a:t>federation </a:t>
-            </a:r>
-            <a:r>
-              <a:rPr lang="en-US" sz="2000" dirty="0" smtClean="0"/>
-              <a:t>of </a:t>
-            </a:r>
-            <a:r>
-              <a:rPr lang="en-US" sz="2000" dirty="0" smtClean="0"/>
-              <a:t>resources and thus providing well-defined capabilities</a:t>
-            </a:r>
-            <a:endParaRPr lang="en-US" sz="2000" dirty="0" smtClean="0"/>
+              <a:t>We posit: Fresh perspective on reasoning and federation of resources and thus providing well-defined capabilities</a:t>
+            </a:r>
           </a:p>
         </p:txBody>
       </p:sp>
@@ -5898,28 +5855,7 @@
                 <a:latin typeface="Arial" charset="0"/>
                 <a:ea typeface="ＭＳ Ｐゴシック" charset="0"/>
               </a:rPr>
-              <a:t> </a:t>
-            </a:r>
-            <a:r>
-              <a:rPr lang="en-US" sz="2000" dirty="0" smtClean="0">
-                <a:latin typeface="Arial" charset="0"/>
-                <a:ea typeface="ＭＳ Ｐゴシック" charset="0"/>
-              </a:rPr>
-              <a:t>microscopic theory of </a:t>
-            </a:r>
-            <a:r>
-              <a:rPr lang="en-US" sz="2000" dirty="0" smtClean="0">
-                <a:latin typeface="Arial" charset="0"/>
-                <a:ea typeface="ＭＳ Ｐゴシック" charset="0"/>
-              </a:rPr>
-              <a:t>distributed systems</a:t>
-            </a:r>
-            <a:r>
-              <a:rPr lang="en-US" sz="2000" dirty="0" smtClean="0">
-                <a:latin typeface="Arial" charset="0"/>
-                <a:ea typeface="ＭＳ Ｐゴシック" charset="0"/>
-              </a:rPr>
-              <a:t>!</a:t>
+              <a:t> microscopic theory of distributed systems!</a:t>
             </a:r>
           </a:p>
           <a:p>
@@ -6320,14 +6256,7 @@
                 <a:latin typeface="Arial" charset="0"/>
                 <a:ea typeface="ＭＳ Ｐゴシック" charset="0"/>
               </a:rPr>
-              <a:t>Middleware functionality and </a:t>
-            </a:r>
-            <a:r>
-              <a:rPr lang="en-US" sz="2000" dirty="0" smtClean="0">
-                <a:latin typeface="Arial" charset="0"/>
-                <a:ea typeface="ＭＳ Ｐゴシック" charset="0"/>
-              </a:rPr>
-              <a:t>semantics</a:t>
+              <a:t>Middleware functionality and semantics</a:t>
             </a:r>
             <a:endParaRPr lang="en-US" sz="2000" dirty="0">
               <a:latin typeface="Arial" charset="0"/>
@@ -6345,26 +6274,8 @@
                 <a:latin typeface="Arial" charset="0"/>
                 <a:ea typeface="ＭＳ Ｐゴシック" charset="0"/>
               </a:rPr>
-              <a:t>Heterogeneous </a:t>
-            </a:r>
-            <a:r>
-              <a:rPr lang="en-US" sz="2000" dirty="0" smtClean="0">
-                <a:latin typeface="Arial" charset="0"/>
-                <a:ea typeface="ＭＳ Ｐゴシック" charset="0"/>
-              </a:rPr>
-              <a:t>software </a:t>
-            </a:r>
-            <a:r>
-              <a:rPr lang="en-US" sz="2000" dirty="0" smtClean="0">
-                <a:latin typeface="Arial" charset="0"/>
-                <a:ea typeface="ＭＳ Ｐゴシック" charset="0"/>
-              </a:rPr>
-              <a:t>and system access layers</a:t>
-            </a:r>
-            <a:endParaRPr lang="en-US" sz="2000" dirty="0" smtClean="0">
-              <a:latin typeface="Arial" charset="0"/>
-              <a:ea typeface="ＭＳ Ｐゴシック" charset="0"/>
-            </a:endParaRPr>
+              <a:t>Heterogeneous software and system access layers</a:t>
+            </a:r>
           </a:p>
           <a:p>
             <a:pPr lvl="1">
@@ -6483,14 +6394,7 @@
                 <a:latin typeface="Arial" charset="0"/>
                 <a:ea typeface="ＭＳ Ｐゴシック" charset="0"/>
               </a:rPr>
-              <a:t>offs </a:t>
-            </a:r>
-            <a:r>
-              <a:rPr lang="en-US" sz="2000" dirty="0" smtClean="0">
-                <a:latin typeface="Arial" charset="0"/>
-                <a:ea typeface="ＭＳ Ｐゴシック" charset="0"/>
-              </a:rPr>
-              <a:t>etc., </a:t>
+              <a:t>offs etc., </a:t>
             </a:r>
           </a:p>
           <a:p>
@@ -6504,14 +6408,7 @@
                 <a:latin typeface="Arial" charset="0"/>
                 <a:ea typeface="ＭＳ Ｐゴシック" charset="0"/>
               </a:rPr>
-              <a:t>Currently difficult to estimate and mostly </a:t>
-            </a:r>
-            <a:r>
-              <a:rPr lang="en-US" sz="2000" dirty="0" smtClean="0">
-                <a:latin typeface="Arial" charset="0"/>
-                <a:ea typeface="ＭＳ Ｐゴシック" charset="0"/>
-              </a:rPr>
-              <a:t>ir</a:t>
+              <a:t>Currently difficult to estimate and mostly ir</a:t>
             </a:r>
             <a:r>
               <a:rPr lang="en-US" sz="2000" dirty="0" smtClean="0"/>
@@ -6529,14 +6426,7 @@
                 <a:latin typeface="Arial" charset="0"/>
                 <a:ea typeface="ＭＳ Ｐゴシック" charset="0"/>
               </a:rPr>
-              <a:t>Implementation </a:t>
-            </a:r>
-            <a:r>
-              <a:rPr lang="en-US" sz="2000" dirty="0" smtClean="0">
-                <a:latin typeface="Arial" charset="0"/>
-                <a:ea typeface="ＭＳ Ｐゴシック" charset="0"/>
-              </a:rPr>
-              <a:t>abstractions that enable effective engineering </a:t>
+              <a:t>Implementation abstractions that enable effective engineering </a:t>
             </a:r>
           </a:p>
           <a:p>
@@ -6719,11 +6609,7 @@
           <a:p>
             <a:r>
               <a:rPr lang="en-US" dirty="0" smtClean="0"/>
-              <a:t>Fundamental </a:t>
-            </a:r>
-            <a:r>
-              <a:rPr lang="en-US" dirty="0" smtClean="0"/>
-              <a:t>conceptual </a:t>
+              <a:t>Fundamental conceptual </a:t>
             </a:r>
             <a:r>
               <a:rPr lang="en-US" dirty="0"/>
@@ -6733,7 +6619,6 @@
               <a:rPr lang="en-US" dirty="0" smtClean="0"/>
               <a:t>ap in providing well-defined capabilities</a:t>
             </a:r>
-            <a:endParaRPr lang="en-US" dirty="0" smtClean="0"/>
           </a:p>
           <a:p>
             <a:pPr lvl="1"/>
@@ -6805,11 +6690,7 @@
             </a:r>
             <a:r>
               <a:rPr lang="en-US" sz="2000" dirty="0" smtClean="0"/>
-              <a:t>Pilot-</a:t>
-            </a:r>
-            <a:r>
-              <a:rPr lang="en-US" sz="2000" dirty="0" smtClean="0"/>
-              <a:t>systems </a:t>
+              <a:t>Pilot-systems </a:t>
             </a:r>
             <a:r>
               <a:rPr lang="en-US" sz="2000" dirty="0" smtClean="0">
@@ -6846,15 +6727,7 @@
             </a:r>
             <a:r>
               <a:rPr lang="en-US" sz="2000" dirty="0" smtClean="0"/>
-              <a:t> at multiple, integrated </a:t>
-            </a:r>
-            <a:r>
-              <a:rPr lang="en-US" sz="2000" dirty="0" smtClean="0"/>
-              <a:t>levels to provide </a:t>
-            </a:r>
-            <a:r>
-              <a:rPr lang="en-US" sz="2000" dirty="0" smtClean="0"/>
-              <a:t>performance </a:t>
+              <a:t> at multiple, integrated levels to provide performance </a:t>
             </a:r>
             <a:r>
               <a:rPr lang="en-US" sz="2000" dirty="0"/>
